--- a/website/static/img/Prysm_Docs.pptx
+++ b/website/static/img/Prysm_Docs.pptx
@@ -10,12 +10,13 @@
     <p:sldId id="263" r:id="rId4"/>
     <p:sldId id="267" r:id="rId5"/>
     <p:sldId id="264" r:id="rId6"/>
-    <p:sldId id="265" r:id="rId7"/>
-    <p:sldId id="266" r:id="rId8"/>
-    <p:sldId id="257" r:id="rId9"/>
-    <p:sldId id="258" r:id="rId10"/>
-    <p:sldId id="259" r:id="rId11"/>
-    <p:sldId id="261" r:id="rId12"/>
+    <p:sldId id="268" r:id="rId7"/>
+    <p:sldId id="265" r:id="rId8"/>
+    <p:sldId id="266" r:id="rId9"/>
+    <p:sldId id="257" r:id="rId10"/>
+    <p:sldId id="258" r:id="rId11"/>
+    <p:sldId id="259" r:id="rId12"/>
+    <p:sldId id="261" r:id="rId13"/>
   </p:sldIdLst>
   <p:sldSz cx="12192000" cy="6858000"/>
   <p:notesSz cx="6858000" cy="9144000"/>
@@ -133,6 +134,18 @@
 </p:presentation>
 </file>
 
+<file path=ppt/commentAuthors.xml><?xml version="1.0" encoding="utf-8"?>
+<p:cmAuthorLst xmlns:a="http://schemas.openxmlformats.org/drawingml/2006/main" xmlns:r="http://schemas.openxmlformats.org/officeDocument/2006/relationships" xmlns:p="http://schemas.openxmlformats.org/presentationml/2006/main">
+  <p:cmAuthor id="1" name="Greg Knowles" initials="GK" lastIdx="1" clrIdx="0">
+    <p:extLst>
+      <p:ext uri="{19B8F6BF-5375-455C-9EA6-DF929625EA0E}">
+        <p15:presenceInfo xmlns:p15="http://schemas.microsoft.com/office/powerpoint/2012/main" userId="S::greg.knowles@unimelb.edu.au::b6934e77-9c4c-427f-9911-13f9a9527d67" providerId="AD"/>
+      </p:ext>
+    </p:extLst>
+  </p:cmAuthor>
+</p:cmAuthorLst>
+</file>
+
 <file path=ppt/slideLayouts/slideLayout1.xml><?xml version="1.0" encoding="utf-8"?>
 <p:sldLayout xmlns:a="http://schemas.openxmlformats.org/drawingml/2006/main" xmlns:r="http://schemas.openxmlformats.org/officeDocument/2006/relationships" xmlns:p="http://schemas.openxmlformats.org/presentationml/2006/main" type="title" preserve="1">
   <p:cSld name="Title Slide">
@@ -282,7 +295,7 @@
           <a:p>
             <a:fld id="{78ADB5D7-C4E8-44D3-88DB-0B39486893FA}" type="datetimeFigureOut">
               <a:rPr lang="en-AU" smtClean="0"/>
-              <a:t>30/04/2020</a:t>
+              <a:t>1/05/2020</a:t>
             </a:fld>
             <a:endParaRPr lang="en-AU"/>
           </a:p>
@@ -482,7 +495,7 @@
           <a:p>
             <a:fld id="{78ADB5D7-C4E8-44D3-88DB-0B39486893FA}" type="datetimeFigureOut">
               <a:rPr lang="en-AU" smtClean="0"/>
-              <a:t>30/04/2020</a:t>
+              <a:t>1/05/2020</a:t>
             </a:fld>
             <a:endParaRPr lang="en-AU"/>
           </a:p>
@@ -692,7 +705,7 @@
           <a:p>
             <a:fld id="{78ADB5D7-C4E8-44D3-88DB-0B39486893FA}" type="datetimeFigureOut">
               <a:rPr lang="en-AU" smtClean="0"/>
-              <a:t>30/04/2020</a:t>
+              <a:t>1/05/2020</a:t>
             </a:fld>
             <a:endParaRPr lang="en-AU"/>
           </a:p>
@@ -892,7 +905,7 @@
           <a:p>
             <a:fld id="{78ADB5D7-C4E8-44D3-88DB-0B39486893FA}" type="datetimeFigureOut">
               <a:rPr lang="en-AU" smtClean="0"/>
-              <a:t>30/04/2020</a:t>
+              <a:t>1/05/2020</a:t>
             </a:fld>
             <a:endParaRPr lang="en-AU"/>
           </a:p>
@@ -1168,7 +1181,7 @@
           <a:p>
             <a:fld id="{78ADB5D7-C4E8-44D3-88DB-0B39486893FA}" type="datetimeFigureOut">
               <a:rPr lang="en-AU" smtClean="0"/>
-              <a:t>30/04/2020</a:t>
+              <a:t>1/05/2020</a:t>
             </a:fld>
             <a:endParaRPr lang="en-AU"/>
           </a:p>
@@ -1436,7 +1449,7 @@
           <a:p>
             <a:fld id="{78ADB5D7-C4E8-44D3-88DB-0B39486893FA}" type="datetimeFigureOut">
               <a:rPr lang="en-AU" smtClean="0"/>
-              <a:t>30/04/2020</a:t>
+              <a:t>1/05/2020</a:t>
             </a:fld>
             <a:endParaRPr lang="en-AU"/>
           </a:p>
@@ -1851,7 +1864,7 @@
           <a:p>
             <a:fld id="{78ADB5D7-C4E8-44D3-88DB-0B39486893FA}" type="datetimeFigureOut">
               <a:rPr lang="en-AU" smtClean="0"/>
-              <a:t>30/04/2020</a:t>
+              <a:t>1/05/2020</a:t>
             </a:fld>
             <a:endParaRPr lang="en-AU"/>
           </a:p>
@@ -1993,7 +2006,7 @@
           <a:p>
             <a:fld id="{78ADB5D7-C4E8-44D3-88DB-0B39486893FA}" type="datetimeFigureOut">
               <a:rPr lang="en-AU" smtClean="0"/>
-              <a:t>30/04/2020</a:t>
+              <a:t>1/05/2020</a:t>
             </a:fld>
             <a:endParaRPr lang="en-AU"/>
           </a:p>
@@ -2106,7 +2119,7 @@
           <a:p>
             <a:fld id="{78ADB5D7-C4E8-44D3-88DB-0B39486893FA}" type="datetimeFigureOut">
               <a:rPr lang="en-AU" smtClean="0"/>
-              <a:t>30/04/2020</a:t>
+              <a:t>1/05/2020</a:t>
             </a:fld>
             <a:endParaRPr lang="en-AU"/>
           </a:p>
@@ -2419,7 +2432,7 @@
           <a:p>
             <a:fld id="{78ADB5D7-C4E8-44D3-88DB-0B39486893FA}" type="datetimeFigureOut">
               <a:rPr lang="en-AU" smtClean="0"/>
-              <a:t>30/04/2020</a:t>
+              <a:t>1/05/2020</a:t>
             </a:fld>
             <a:endParaRPr lang="en-AU"/>
           </a:p>
@@ -2708,7 +2721,7 @@
           <a:p>
             <a:fld id="{78ADB5D7-C4E8-44D3-88DB-0B39486893FA}" type="datetimeFigureOut">
               <a:rPr lang="en-AU" smtClean="0"/>
-              <a:t>30/04/2020</a:t>
+              <a:t>1/05/2020</a:t>
             </a:fld>
             <a:endParaRPr lang="en-AU"/>
           </a:p>
@@ -2951,7 +2964,7 @@
           <a:p>
             <a:fld id="{78ADB5D7-C4E8-44D3-88DB-0B39486893FA}" type="datetimeFigureOut">
               <a:rPr lang="en-AU" smtClean="0"/>
-              <a:t>30/04/2020</a:t>
+              <a:t>1/05/2020</a:t>
             </a:fld>
             <a:endParaRPr lang="en-AU"/>
           </a:p>
@@ -4707,6 +4720,147 @@
       </p:grpSpPr>
       <p:pic>
         <p:nvPicPr>
+          <p:cNvPr id="4" name="Picture 3" descr="A close up of a logo&#10;&#10;Description automatically generated">
+            <a:extLst>
+              <a:ext uri="{FF2B5EF4-FFF2-40B4-BE49-F238E27FC236}">
+                <a16:creationId xmlns:a16="http://schemas.microsoft.com/office/drawing/2014/main" id="{74C2C7DB-0853-457C-809D-570C0B957A78}"/>
+              </a:ext>
+            </a:extLst>
+          </p:cNvPr>
+          <p:cNvPicPr>
+            <a:picLocks noChangeAspect="1"/>
+          </p:cNvPicPr>
+          <p:nvPr/>
+        </p:nvPicPr>
+        <p:blipFill>
+          <a:blip r:embed="rId2">
+            <a:extLst>
+              <a:ext uri="{28A0092B-C50C-407E-A947-70E740481C1C}">
+                <a14:useLocalDpi xmlns:a14="http://schemas.microsoft.com/office/drawing/2010/main" val="0"/>
+              </a:ext>
+            </a:extLst>
+          </a:blip>
+          <a:stretch>
+            <a:fillRect/>
+          </a:stretch>
+        </p:blipFill>
+        <p:spPr>
+          <a:xfrm>
+            <a:off x="2174195" y="742950"/>
+            <a:ext cx="5715000" cy="5372100"/>
+          </a:xfrm>
+          <a:prstGeom prst="rect">
+            <a:avLst/>
+          </a:prstGeom>
+        </p:spPr>
+      </p:pic>
+      <p:pic>
+        <p:nvPicPr>
+          <p:cNvPr id="3" name="Picture 2" descr="A picture containing dark, light, night, black&#10;&#10;Description automatically generated">
+            <a:extLst>
+              <a:ext uri="{FF2B5EF4-FFF2-40B4-BE49-F238E27FC236}">
+                <a16:creationId xmlns:a16="http://schemas.microsoft.com/office/drawing/2014/main" id="{36920FC1-D53C-4B63-9DC0-EADA6E6C73C8}"/>
+              </a:ext>
+            </a:extLst>
+          </p:cNvPr>
+          <p:cNvPicPr>
+            <a:picLocks noChangeAspect="1"/>
+          </p:cNvPicPr>
+          <p:nvPr/>
+        </p:nvPicPr>
+        <p:blipFill>
+          <a:blip r:embed="rId3">
+            <a:extLst>
+              <a:ext uri="{28A0092B-C50C-407E-A947-70E740481C1C}">
+                <a14:useLocalDpi xmlns:a14="http://schemas.microsoft.com/office/drawing/2010/main" val="0"/>
+              </a:ext>
+            </a:extLst>
+          </a:blip>
+          <a:stretch>
+            <a:fillRect/>
+          </a:stretch>
+        </p:blipFill>
+        <p:spPr>
+          <a:xfrm>
+            <a:off x="8760835" y="2305308"/>
+            <a:ext cx="1123692" cy="1123692"/>
+          </a:xfrm>
+          <a:prstGeom prst="rect">
+            <a:avLst/>
+          </a:prstGeom>
+        </p:spPr>
+      </p:pic>
+      <p:pic>
+        <p:nvPicPr>
+          <p:cNvPr id="7" name="Graphic 6" descr="Scroll">
+            <a:extLst>
+              <a:ext uri="{FF2B5EF4-FFF2-40B4-BE49-F238E27FC236}">
+                <a16:creationId xmlns:a16="http://schemas.microsoft.com/office/drawing/2014/main" id="{A6EBD30D-C134-4B26-9F46-ADF3129BF2A7}"/>
+              </a:ext>
+            </a:extLst>
+          </p:cNvPr>
+          <p:cNvPicPr>
+            <a:picLocks noChangeAspect="1"/>
+          </p:cNvPicPr>
+          <p:nvPr/>
+        </p:nvPicPr>
+        <p:blipFill>
+          <a:blip r:embed="rId4">
+            <a:extLst>
+              <a:ext uri="{28A0092B-C50C-407E-A947-70E740481C1C}">
+                <a14:useLocalDpi xmlns:a14="http://schemas.microsoft.com/office/drawing/2010/main" val="0"/>
+              </a:ext>
+              <a:ext uri="{96DAC541-7B7A-43D3-8B79-37D633B846F1}">
+                <asvg:svgBlip xmlns:asvg="http://schemas.microsoft.com/office/drawing/2016/SVG/main" r:embed="rId5"/>
+              </a:ext>
+            </a:extLst>
+          </a:blip>
+          <a:stretch>
+            <a:fillRect/>
+          </a:stretch>
+        </p:blipFill>
+        <p:spPr>
+          <a:xfrm>
+            <a:off x="8865481" y="4514276"/>
+            <a:ext cx="1123692" cy="1123692"/>
+          </a:xfrm>
+          <a:prstGeom prst="rect">
+            <a:avLst/>
+          </a:prstGeom>
+        </p:spPr>
+      </p:pic>
+    </p:spTree>
+    <p:extLst>
+      <p:ext uri="{BB962C8B-B14F-4D97-AF65-F5344CB8AC3E}">
+        <p14:creationId xmlns:p14="http://schemas.microsoft.com/office/powerpoint/2010/main" val="2505051840"/>
+      </p:ext>
+    </p:extLst>
+  </p:cSld>
+  <p:clrMapOvr>
+    <a:masterClrMapping/>
+  </p:clrMapOvr>
+</p:sld>
+</file>
+
+<file path=ppt/slides/slide11.xml><?xml version="1.0" encoding="utf-8"?>
+<p:sld xmlns:a="http://schemas.openxmlformats.org/drawingml/2006/main" xmlns:r="http://schemas.openxmlformats.org/officeDocument/2006/relationships" xmlns:p="http://schemas.openxmlformats.org/presentationml/2006/main">
+  <p:cSld>
+    <p:spTree>
+      <p:nvGrpSpPr>
+        <p:cNvPr id="1" name=""/>
+        <p:cNvGrpSpPr/>
+        <p:nvPr/>
+      </p:nvGrpSpPr>
+      <p:grpSpPr>
+        <a:xfrm>
+          <a:off x="0" y="0"/>
+          <a:ext cx="0" cy="0"/>
+          <a:chOff x="0" y="0"/>
+          <a:chExt cx="0" cy="0"/>
+        </a:xfrm>
+      </p:grpSpPr>
+      <p:pic>
+        <p:nvPicPr>
           <p:cNvPr id="5" name="Content Placeholder 4">
             <a:extLst>
               <a:ext uri="{FF2B5EF4-FFF2-40B4-BE49-F238E27FC236}">
@@ -5533,7 +5687,7 @@
 </p:sld>
 </file>
 
-<file path=ppt/slides/slide11.xml><?xml version="1.0" encoding="utf-8"?>
+<file path=ppt/slides/slide12.xml><?xml version="1.0" encoding="utf-8"?>
 <p:sld xmlns:a="http://schemas.openxmlformats.org/drawingml/2006/main" xmlns:r="http://schemas.openxmlformats.org/officeDocument/2006/relationships" xmlns:p="http://schemas.openxmlformats.org/presentationml/2006/main">
   <p:cSld>
     <p:spTree>
@@ -5945,6 +6099,42 @@
           </a:extLst>
         </p:spPr>
       </p:pic>
+      <p:pic>
+        <p:nvPicPr>
+          <p:cNvPr id="3" name="Picture 2" descr="A close up of a logo&#10;&#10;Description automatically generated">
+            <a:extLst>
+              <a:ext uri="{FF2B5EF4-FFF2-40B4-BE49-F238E27FC236}">
+                <a16:creationId xmlns:a16="http://schemas.microsoft.com/office/drawing/2014/main" id="{16F3DAB5-4714-41AA-A5CF-BA8017AD8557}"/>
+              </a:ext>
+            </a:extLst>
+          </p:cNvPr>
+          <p:cNvPicPr>
+            <a:picLocks noChangeAspect="1"/>
+          </p:cNvPicPr>
+          <p:nvPr/>
+        </p:nvPicPr>
+        <p:blipFill>
+          <a:blip r:embed="rId12">
+            <a:extLst>
+              <a:ext uri="{28A0092B-C50C-407E-A947-70E740481C1C}">
+                <a14:useLocalDpi xmlns:a14="http://schemas.microsoft.com/office/drawing/2010/main" val="0"/>
+              </a:ext>
+            </a:extLst>
+          </a:blip>
+          <a:stretch>
+            <a:fillRect/>
+          </a:stretch>
+        </p:blipFill>
+        <p:spPr>
+          <a:xfrm>
+            <a:off x="10222154" y="3944068"/>
+            <a:ext cx="1370607" cy="1370607"/>
+          </a:xfrm>
+          <a:prstGeom prst="rect">
+            <a:avLst/>
+          </a:prstGeom>
+        </p:spPr>
+      </p:pic>
     </p:spTree>
     <p:extLst>
       <p:ext uri="{BB962C8B-B14F-4D97-AF65-F5344CB8AC3E}">
@@ -5975,58 +6165,6 @@
           <a:chExt cx="0" cy="0"/>
         </a:xfrm>
       </p:grpSpPr>
-      <p:sp>
-        <p:nvSpPr>
-          <p:cNvPr id="18" name="Rectangle 17">
-            <a:extLst>
-              <a:ext uri="{FF2B5EF4-FFF2-40B4-BE49-F238E27FC236}">
-                <a16:creationId xmlns:a16="http://schemas.microsoft.com/office/drawing/2014/main" id="{A182E021-13D0-4DEE-8CA9-4DBCE0DC5DE5}"/>
-              </a:ext>
-            </a:extLst>
-          </p:cNvPr>
-          <p:cNvSpPr/>
-          <p:nvPr/>
-        </p:nvSpPr>
-        <p:spPr>
-          <a:xfrm>
-            <a:off x="1000539" y="908912"/>
-            <a:ext cx="3230084" cy="2029366"/>
-          </a:xfrm>
-          <a:prstGeom prst="rect">
-            <a:avLst/>
-          </a:prstGeom>
-          <a:noFill/>
-          <a:ln>
-            <a:solidFill>
-              <a:schemeClr val="tx1"/>
-            </a:solidFill>
-          </a:ln>
-        </p:spPr>
-        <p:style>
-          <a:lnRef idx="2">
-            <a:schemeClr val="accent1">
-              <a:shade val="50000"/>
-            </a:schemeClr>
-          </a:lnRef>
-          <a:fillRef idx="1">
-            <a:schemeClr val="accent1"/>
-          </a:fillRef>
-          <a:effectRef idx="0">
-            <a:schemeClr val="accent1"/>
-          </a:effectRef>
-          <a:fontRef idx="minor">
-            <a:schemeClr val="lt1"/>
-          </a:fontRef>
-        </p:style>
-        <p:txBody>
-          <a:bodyPr rtlCol="0" anchor="ctr"/>
-          <a:lstStyle/>
-          <a:p>
-            <a:pPr algn="ctr"/>
-            <a:endParaRPr lang="en-AU" b="1"/>
-          </a:p>
-        </p:txBody>
-      </p:sp>
       <p:grpSp>
         <p:nvGrpSpPr>
           <p:cNvPr id="4" name="Group 3">
@@ -6041,7 +6179,7 @@
         </p:nvGrpSpPr>
         <p:grpSpPr>
           <a:xfrm>
-            <a:off x="4337999" y="3068942"/>
+            <a:off x="3854290" y="3068942"/>
             <a:ext cx="1628196" cy="1578071"/>
             <a:chOff x="645834" y="3716866"/>
             <a:chExt cx="3130973" cy="3034585"/>
@@ -6184,7 +6322,7 @@
         </p:nvGrpSpPr>
         <p:grpSpPr>
           <a:xfrm>
-            <a:off x="6988222" y="2078459"/>
+            <a:off x="6504513" y="2078459"/>
             <a:ext cx="1628196" cy="1578071"/>
             <a:chOff x="741262" y="388288"/>
             <a:chExt cx="3130973" cy="3034585"/>
@@ -6329,7 +6467,7 @@
         </p:nvCxnSpPr>
         <p:spPr>
           <a:xfrm>
-            <a:off x="6120021" y="2280835"/>
+            <a:off x="5636312" y="2280835"/>
             <a:ext cx="714375" cy="398463"/>
           </a:xfrm>
           <a:prstGeom prst="straightConnector1">
@@ -6370,7 +6508,7 @@
         </p:nvCxnSpPr>
         <p:spPr>
           <a:xfrm flipV="1">
-            <a:off x="6120021" y="3052361"/>
+            <a:off x="5636312" y="3052361"/>
             <a:ext cx="714375" cy="352424"/>
           </a:xfrm>
           <a:prstGeom prst="straightConnector1">
@@ -6409,7 +6547,7 @@
         </p:nvSpPr>
         <p:spPr>
           <a:xfrm>
-            <a:off x="4653149" y="2631715"/>
+            <a:off x="4169440" y="2631715"/>
             <a:ext cx="1146340" cy="461665"/>
           </a:xfrm>
           <a:prstGeom prst="rect">
@@ -6447,8 +6585,8 @@
         </p:nvSpPr>
         <p:spPr>
           <a:xfrm>
-            <a:off x="4596114" y="4530800"/>
-            <a:ext cx="1257012" cy="830997"/>
+            <a:off x="3656351" y="4530800"/>
+            <a:ext cx="2169120" cy="461665"/>
           </a:xfrm>
           <a:prstGeom prst="rect">
             <a:avLst/>
@@ -6466,16 +6604,7 @@
               <a:rPr lang="en-AU" sz="2400" b="1" dirty="0">
                 <a:latin typeface="Print Clearly" panose="00000400000000000000" pitchFamily="2" charset="0"/>
               </a:rPr>
-              <a:t>slasher</a:t>
-            </a:r>
-          </a:p>
-          <a:p>
-            <a:pPr algn="ctr"/>
-            <a:r>
-              <a:rPr lang="en-AU" sz="2400" b="1" dirty="0">
-                <a:latin typeface="Print Clearly" panose="00000400000000000000" pitchFamily="2" charset="0"/>
-              </a:rPr>
-              <a:t>(optional)</a:t>
+              <a:t>Slasher (optional)</a:t>
             </a:r>
           </a:p>
         </p:txBody>
@@ -6494,7 +6623,7 @@
         </p:nvSpPr>
         <p:spPr>
           <a:xfrm>
-            <a:off x="7025893" y="3567888"/>
+            <a:off x="6542184" y="3567888"/>
             <a:ext cx="1697901" cy="461665"/>
           </a:xfrm>
           <a:prstGeom prst="rect">
@@ -6534,8 +6663,8 @@
         </p:nvCxnSpPr>
         <p:spPr>
           <a:xfrm>
-            <a:off x="8723794" y="2762071"/>
-            <a:ext cx="1286634" cy="0"/>
+            <a:off x="8302487" y="2762071"/>
+            <a:ext cx="1707941" cy="0"/>
           </a:xfrm>
           <a:prstGeom prst="straightConnector1">
             <a:avLst/>
@@ -6651,330 +6780,6 @@
           </a:p>
         </p:txBody>
       </p:sp>
-      <p:pic>
-        <p:nvPicPr>
-          <p:cNvPr id="26" name="Graphic 25">
-            <a:extLst>
-              <a:ext uri="{FF2B5EF4-FFF2-40B4-BE49-F238E27FC236}">
-                <a16:creationId xmlns:a16="http://schemas.microsoft.com/office/drawing/2014/main" id="{BF3E746C-DC41-497B-A4F2-F2F12D2DB38F}"/>
-              </a:ext>
-            </a:extLst>
-          </p:cNvPr>
-          <p:cNvPicPr>
-            <a:picLocks noChangeAspect="1"/>
-          </p:cNvPicPr>
-          <p:nvPr/>
-        </p:nvPicPr>
-        <p:blipFill>
-          <a:blip r:embed="rId8">
-            <a:extLst>
-              <a:ext uri="{28A0092B-C50C-407E-A947-70E740481C1C}">
-                <a14:useLocalDpi xmlns:a14="http://schemas.microsoft.com/office/drawing/2010/main" val="0"/>
-              </a:ext>
-              <a:ext uri="{96DAC541-7B7A-43D3-8B79-37D633B846F1}">
-                <asvg:svgBlip xmlns:asvg="http://schemas.microsoft.com/office/drawing/2016/SVG/main" r:embed="rId9"/>
-              </a:ext>
-            </a:extLst>
-          </a:blip>
-          <a:stretch>
-            <a:fillRect/>
-          </a:stretch>
-        </p:blipFill>
-        <p:spPr>
-          <a:xfrm>
-            <a:off x="3229709" y="1052132"/>
-            <a:ext cx="806886" cy="806886"/>
-          </a:xfrm>
-          <a:prstGeom prst="rect">
-            <a:avLst/>
-          </a:prstGeom>
-        </p:spPr>
-      </p:pic>
-      <p:sp>
-        <p:nvSpPr>
-          <p:cNvPr id="27" name="TextBox 26">
-            <a:extLst>
-              <a:ext uri="{FF2B5EF4-FFF2-40B4-BE49-F238E27FC236}">
-                <a16:creationId xmlns:a16="http://schemas.microsoft.com/office/drawing/2014/main" id="{8D7C76B9-88BA-4524-94CC-CEA2844965A4}"/>
-              </a:ext>
-            </a:extLst>
-          </p:cNvPr>
-          <p:cNvSpPr txBox="1"/>
-          <p:nvPr/>
-        </p:nvSpPr>
-        <p:spPr>
-          <a:xfrm>
-            <a:off x="1062708" y="1028021"/>
-            <a:ext cx="2063129" cy="830997"/>
-          </a:xfrm>
-          <a:prstGeom prst="rect">
-            <a:avLst/>
-          </a:prstGeom>
-          <a:noFill/>
-        </p:spPr>
-        <p:txBody>
-          <a:bodyPr wrap="none" rtlCol="0">
-            <a:spAutoFit/>
-          </a:bodyPr>
-          <a:lstStyle/>
-          <a:p>
-            <a:pPr algn="r"/>
-            <a:r>
-              <a:rPr lang="en-AU" sz="2400" b="1" dirty="0">
-                <a:latin typeface="Print Clearly" panose="00000400000000000000" pitchFamily="2" charset="0"/>
-              </a:rPr>
-              <a:t>private key 1</a:t>
-            </a:r>
-          </a:p>
-          <a:p>
-            <a:pPr algn="r"/>
-            <a:r>
-              <a:rPr lang="en-AU" sz="2400" b="1" dirty="0">
-                <a:latin typeface="Print Clearly" panose="00000400000000000000" pitchFamily="2" charset="0"/>
-              </a:rPr>
-              <a:t>withdrawal key 1</a:t>
-            </a:r>
-          </a:p>
-        </p:txBody>
-      </p:sp>
-      <p:pic>
-        <p:nvPicPr>
-          <p:cNvPr id="28" name="Graphic 27">
-            <a:extLst>
-              <a:ext uri="{FF2B5EF4-FFF2-40B4-BE49-F238E27FC236}">
-                <a16:creationId xmlns:a16="http://schemas.microsoft.com/office/drawing/2014/main" id="{2F588698-269F-46C1-995C-D0AB7948BF30}"/>
-              </a:ext>
-            </a:extLst>
-          </p:cNvPr>
-          <p:cNvPicPr>
-            <a:picLocks noChangeAspect="1"/>
-          </p:cNvPicPr>
-          <p:nvPr/>
-        </p:nvPicPr>
-        <p:blipFill>
-          <a:blip r:embed="rId8">
-            <a:extLst>
-              <a:ext uri="{28A0092B-C50C-407E-A947-70E740481C1C}">
-                <a14:useLocalDpi xmlns:a14="http://schemas.microsoft.com/office/drawing/2010/main" val="0"/>
-              </a:ext>
-              <a:ext uri="{96DAC541-7B7A-43D3-8B79-37D633B846F1}">
-                <asvg:svgBlip xmlns:asvg="http://schemas.microsoft.com/office/drawing/2016/SVG/main" r:embed="rId9"/>
-              </a:ext>
-            </a:extLst>
-          </a:blip>
-          <a:stretch>
-            <a:fillRect/>
-          </a:stretch>
-        </p:blipFill>
-        <p:spPr>
-          <a:xfrm>
-            <a:off x="3229709" y="1955185"/>
-            <a:ext cx="806886" cy="806886"/>
-          </a:xfrm>
-          <a:prstGeom prst="rect">
-            <a:avLst/>
-          </a:prstGeom>
-        </p:spPr>
-      </p:pic>
-      <p:sp>
-        <p:nvSpPr>
-          <p:cNvPr id="29" name="TextBox 28">
-            <a:extLst>
-              <a:ext uri="{FF2B5EF4-FFF2-40B4-BE49-F238E27FC236}">
-                <a16:creationId xmlns:a16="http://schemas.microsoft.com/office/drawing/2014/main" id="{6A82F379-EECE-4FDE-8F04-B3C5F3D77AEB}"/>
-              </a:ext>
-            </a:extLst>
-          </p:cNvPr>
-          <p:cNvSpPr txBox="1"/>
-          <p:nvPr/>
-        </p:nvSpPr>
-        <p:spPr>
-          <a:xfrm>
-            <a:off x="1048281" y="1931074"/>
-            <a:ext cx="2077556" cy="830997"/>
-          </a:xfrm>
-          <a:prstGeom prst="rect">
-            <a:avLst/>
-          </a:prstGeom>
-          <a:noFill/>
-        </p:spPr>
-        <p:txBody>
-          <a:bodyPr wrap="none" rtlCol="0">
-            <a:spAutoFit/>
-          </a:bodyPr>
-          <a:lstStyle/>
-          <a:p>
-            <a:pPr algn="r"/>
-            <a:r>
-              <a:rPr lang="en-AU" sz="2400" b="1" dirty="0">
-                <a:latin typeface="Print Clearly" panose="00000400000000000000" pitchFamily="2" charset="0"/>
-              </a:rPr>
-              <a:t>private key 2</a:t>
-            </a:r>
-          </a:p>
-          <a:p>
-            <a:pPr algn="r"/>
-            <a:r>
-              <a:rPr lang="en-AU" sz="2400" b="1" dirty="0">
-                <a:latin typeface="Print Clearly" panose="00000400000000000000" pitchFamily="2" charset="0"/>
-              </a:rPr>
-              <a:t>withdrawal key 2</a:t>
-            </a:r>
-          </a:p>
-        </p:txBody>
-      </p:sp>
-      <p:pic>
-        <p:nvPicPr>
-          <p:cNvPr id="30" name="Picture 29" descr="A picture containing drawing&#10;&#10;Description automatically generated">
-            <a:extLst>
-              <a:ext uri="{FF2B5EF4-FFF2-40B4-BE49-F238E27FC236}">
-                <a16:creationId xmlns:a16="http://schemas.microsoft.com/office/drawing/2014/main" id="{23CA7E03-5BEE-4ED3-A657-4E58A9640B9D}"/>
-              </a:ext>
-            </a:extLst>
-          </p:cNvPr>
-          <p:cNvPicPr>
-            <a:picLocks noChangeAspect="1"/>
-          </p:cNvPicPr>
-          <p:nvPr/>
-        </p:nvPicPr>
-        <p:blipFill>
-          <a:blip r:embed="rId10">
-            <a:extLst>
-              <a:ext uri="{28A0092B-C50C-407E-A947-70E740481C1C}">
-                <a14:useLocalDpi xmlns:a14="http://schemas.microsoft.com/office/drawing/2010/main" val="0"/>
-              </a:ext>
-            </a:extLst>
-          </a:blip>
-          <a:stretch>
-            <a:fillRect/>
-          </a:stretch>
-        </p:blipFill>
-        <p:spPr>
-          <a:xfrm>
-            <a:off x="3633152" y="480828"/>
-            <a:ext cx="806886" cy="528649"/>
-          </a:xfrm>
-          <a:prstGeom prst="rect">
-            <a:avLst/>
-          </a:prstGeom>
-        </p:spPr>
-      </p:pic>
-      <p:sp>
-        <p:nvSpPr>
-          <p:cNvPr id="32" name="TextBox 31">
-            <a:extLst>
-              <a:ext uri="{FF2B5EF4-FFF2-40B4-BE49-F238E27FC236}">
-                <a16:creationId xmlns:a16="http://schemas.microsoft.com/office/drawing/2014/main" id="{A4B66F0D-4F70-4872-94C3-4A7864529186}"/>
-              </a:ext>
-            </a:extLst>
-          </p:cNvPr>
-          <p:cNvSpPr txBox="1"/>
-          <p:nvPr/>
-        </p:nvSpPr>
-        <p:spPr>
-          <a:xfrm>
-            <a:off x="1472432" y="471515"/>
-            <a:ext cx="2160720" cy="461665"/>
-          </a:xfrm>
-          <a:prstGeom prst="rect">
-            <a:avLst/>
-          </a:prstGeom>
-          <a:noFill/>
-        </p:spPr>
-        <p:txBody>
-          <a:bodyPr wrap="none" rtlCol="0">
-            <a:spAutoFit/>
-          </a:bodyPr>
-          <a:lstStyle/>
-          <a:p>
-            <a:pPr algn="ctr"/>
-            <a:r>
-              <a:rPr lang="en-AU" sz="2400" b="1" dirty="0">
-                <a:latin typeface="Print Clearly" panose="00000400000000000000" pitchFamily="2" charset="0"/>
-              </a:rPr>
-              <a:t>validator keystore</a:t>
-            </a:r>
-          </a:p>
-        </p:txBody>
-      </p:sp>
-      <p:pic>
-        <p:nvPicPr>
-          <p:cNvPr id="23" name="Graphic 22" descr="Lock">
-            <a:extLst>
-              <a:ext uri="{FF2B5EF4-FFF2-40B4-BE49-F238E27FC236}">
-                <a16:creationId xmlns:a16="http://schemas.microsoft.com/office/drawing/2014/main" id="{65EDD837-6C05-4A3F-B5D6-07B5318F0E53}"/>
-              </a:ext>
-            </a:extLst>
-          </p:cNvPr>
-          <p:cNvPicPr>
-            <a:picLocks noChangeAspect="1"/>
-          </p:cNvPicPr>
-          <p:nvPr/>
-        </p:nvPicPr>
-        <p:blipFill>
-          <a:blip r:embed="rId11">
-            <a:extLst>
-              <a:ext uri="{28A0092B-C50C-407E-A947-70E740481C1C}">
-                <a14:useLocalDpi xmlns:a14="http://schemas.microsoft.com/office/drawing/2010/main" val="0"/>
-              </a:ext>
-              <a:ext uri="{96DAC541-7B7A-43D3-8B79-37D633B846F1}">
-                <asvg:svgBlip xmlns:asvg="http://schemas.microsoft.com/office/drawing/2016/SVG/main" r:embed="rId12"/>
-              </a:ext>
-            </a:extLst>
-          </a:blip>
-          <a:stretch>
-            <a:fillRect/>
-          </a:stretch>
-        </p:blipFill>
-        <p:spPr>
-          <a:xfrm>
-            <a:off x="3638672" y="1419709"/>
-            <a:ext cx="535476" cy="535476"/>
-          </a:xfrm>
-          <a:prstGeom prst="rect">
-            <a:avLst/>
-          </a:prstGeom>
-        </p:spPr>
-      </p:pic>
-      <p:pic>
-        <p:nvPicPr>
-          <p:cNvPr id="37" name="Graphic 36" descr="Lock">
-            <a:extLst>
-              <a:ext uri="{FF2B5EF4-FFF2-40B4-BE49-F238E27FC236}">
-                <a16:creationId xmlns:a16="http://schemas.microsoft.com/office/drawing/2014/main" id="{0125305E-498E-440E-9D81-387D1454F034}"/>
-              </a:ext>
-            </a:extLst>
-          </p:cNvPr>
-          <p:cNvPicPr>
-            <a:picLocks noChangeAspect="1"/>
-          </p:cNvPicPr>
-          <p:nvPr/>
-        </p:nvPicPr>
-        <p:blipFill>
-          <a:blip r:embed="rId11">
-            <a:extLst>
-              <a:ext uri="{28A0092B-C50C-407E-A947-70E740481C1C}">
-                <a14:useLocalDpi xmlns:a14="http://schemas.microsoft.com/office/drawing/2010/main" val="0"/>
-              </a:ext>
-              <a:ext uri="{96DAC541-7B7A-43D3-8B79-37D633B846F1}">
-                <asvg:svgBlip xmlns:asvg="http://schemas.microsoft.com/office/drawing/2016/SVG/main" r:embed="rId12"/>
-              </a:ext>
-            </a:extLst>
-          </a:blip>
-          <a:stretch>
-            <a:fillRect/>
-          </a:stretch>
-        </p:blipFill>
-        <p:spPr>
-          <a:xfrm>
-            <a:off x="3638672" y="2322762"/>
-            <a:ext cx="535476" cy="535476"/>
-          </a:xfrm>
-          <a:prstGeom prst="rect">
-            <a:avLst/>
-          </a:prstGeom>
-        </p:spPr>
-      </p:pic>
       <p:grpSp>
         <p:nvGrpSpPr>
           <p:cNvPr id="43" name="Group 42">
@@ -6989,7 +6794,7 @@
         </p:nvGrpSpPr>
         <p:grpSpPr>
           <a:xfrm>
-            <a:off x="4334495" y="1166149"/>
+            <a:off x="3850786" y="1166149"/>
             <a:ext cx="1628196" cy="1578071"/>
             <a:chOff x="4840971" y="382162"/>
             <a:chExt cx="3130973" cy="3034585"/>
@@ -7096,7 +6901,7 @@
             <p:nvPr/>
           </p:nvPicPr>
           <p:blipFill>
-            <a:blip r:embed="rId13">
+            <a:blip r:embed="rId8">
               <a:extLst>
                 <a:ext uri="{28A0092B-C50C-407E-A947-70E740481C1C}">
                   <a14:useLocalDpi xmlns:a14="http://schemas.microsoft.com/office/drawing/2010/main" val="0"/>
@@ -7133,7 +6938,7 @@
           <p:nvPr/>
         </p:nvPicPr>
         <p:blipFill>
-          <a:blip r:embed="rId14">
+          <a:blip r:embed="rId9">
             <a:extLst>
               <a:ext uri="{28A0092B-C50C-407E-A947-70E740481C1C}">
                 <a14:useLocalDpi xmlns:a14="http://schemas.microsoft.com/office/drawing/2010/main" val="0"/>
@@ -7179,8 +6984,8 @@
         </p:nvSpPr>
         <p:spPr>
           <a:xfrm>
-            <a:off x="562818" y="259080"/>
-            <a:ext cx="8324553" cy="5094911"/>
+            <a:off x="3293165" y="902104"/>
+            <a:ext cx="5594206" cy="4630793"/>
           </a:xfrm>
           <a:prstGeom prst="rect">
             <a:avLst/>
@@ -7228,7 +7033,7 @@
           <p:nvPr/>
         </p:nvPicPr>
         <p:blipFill>
-          <a:blip r:embed="rId15">
+          <a:blip r:embed="rId10">
             <a:extLst>
               <a:ext uri="{28A0092B-C50C-407E-A947-70E740481C1C}">
                 <a14:useLocalDpi xmlns:a14="http://schemas.microsoft.com/office/drawing/2010/main" val="0"/>
@@ -7242,8 +7047,8 @@
         </p:blipFill>
         <p:spPr bwMode="auto">
           <a:xfrm>
-            <a:off x="8630830" y="5119040"/>
-            <a:ext cx="657949" cy="657949"/>
+            <a:off x="8630830" y="5210582"/>
+            <a:ext cx="657949" cy="745314"/>
           </a:xfrm>
           <a:prstGeom prst="rect">
             <a:avLst/>
@@ -7274,7 +7079,7 @@
         </p:nvSpPr>
         <p:spPr>
           <a:xfrm>
-            <a:off x="7282396" y="5272989"/>
+            <a:off x="7282396" y="5451895"/>
             <a:ext cx="1450437" cy="461665"/>
           </a:xfrm>
           <a:prstGeom prst="rect">
@@ -7329,6 +7134,131 @@
             <a:r>
               <a:rPr lang="en-AU" dirty="0"/>
               <a:t>prysm-architecture.png</a:t>
+            </a:r>
+          </a:p>
+        </p:txBody>
+      </p:sp>
+      <p:sp>
+        <p:nvSpPr>
+          <p:cNvPr id="36" name="TextBox 35">
+            <a:extLst>
+              <a:ext uri="{FF2B5EF4-FFF2-40B4-BE49-F238E27FC236}">
+                <a16:creationId xmlns:a16="http://schemas.microsoft.com/office/drawing/2014/main" id="{C9B59773-E30A-4F22-B97F-FB5B39C80EDC}"/>
+              </a:ext>
+            </a:extLst>
+          </p:cNvPr>
+          <p:cNvSpPr txBox="1"/>
+          <p:nvPr/>
+        </p:nvSpPr>
+        <p:spPr>
+          <a:xfrm>
+            <a:off x="6207733" y="3905438"/>
+            <a:ext cx="2359300" cy="1355499"/>
+          </a:xfrm>
+          <a:prstGeom prst="rect">
+            <a:avLst/>
+          </a:prstGeom>
+          <a:noFill/>
+        </p:spPr>
+        <p:txBody>
+          <a:bodyPr wrap="none" rtlCol="0">
+            <a:spAutoFit/>
+          </a:bodyPr>
+          <a:lstStyle/>
+          <a:p>
+            <a:pPr algn="ctr">
+              <a:lnSpc>
+                <a:spcPts val="2500"/>
+              </a:lnSpc>
+            </a:pPr>
+            <a:r>
+              <a:rPr lang="en-AU" dirty="0"/>
+              <a:t>--monitoring-port 8080</a:t>
+            </a:r>
+          </a:p>
+          <a:p>
+            <a:pPr algn="ctr">
+              <a:lnSpc>
+                <a:spcPts val="2500"/>
+              </a:lnSpc>
+            </a:pPr>
+            <a:r>
+              <a:rPr lang="en-AU" dirty="0"/>
+              <a:t>--p2p-udp-port 12000</a:t>
+            </a:r>
+          </a:p>
+          <a:p>
+            <a:pPr algn="ctr">
+              <a:lnSpc>
+                <a:spcPts val="2500"/>
+              </a:lnSpc>
+            </a:pPr>
+            <a:r>
+              <a:rPr lang="en-AU" dirty="0"/>
+              <a:t>--p2p-tcp-port 13000</a:t>
+            </a:r>
+          </a:p>
+          <a:p>
+            <a:pPr algn="ctr">
+              <a:lnSpc>
+                <a:spcPts val="2500"/>
+              </a:lnSpc>
+            </a:pPr>
+            <a:r>
+              <a:rPr lang="en-AU" dirty="0"/>
+              <a:t>--</a:t>
+            </a:r>
+            <a:r>
+              <a:rPr lang="en-AU" dirty="0" err="1"/>
+              <a:t>rpc</a:t>
+            </a:r>
+            <a:r>
+              <a:rPr lang="en-AU" dirty="0"/>
+              <a:t>-port 4000</a:t>
+            </a:r>
+          </a:p>
+        </p:txBody>
+      </p:sp>
+      <p:sp>
+        <p:nvSpPr>
+          <p:cNvPr id="38" name="TextBox 37">
+            <a:extLst>
+              <a:ext uri="{FF2B5EF4-FFF2-40B4-BE49-F238E27FC236}">
+                <a16:creationId xmlns:a16="http://schemas.microsoft.com/office/drawing/2014/main" id="{498C4AA4-8F3A-4BF4-AB34-6F036927A859}"/>
+              </a:ext>
+            </a:extLst>
+          </p:cNvPr>
+          <p:cNvSpPr txBox="1"/>
+          <p:nvPr/>
+        </p:nvSpPr>
+        <p:spPr>
+          <a:xfrm>
+            <a:off x="3928531" y="4911865"/>
+            <a:ext cx="1617752" cy="369332"/>
+          </a:xfrm>
+          <a:prstGeom prst="rect">
+            <a:avLst/>
+          </a:prstGeom>
+          <a:noFill/>
+        </p:spPr>
+        <p:txBody>
+          <a:bodyPr wrap="none" rtlCol="0">
+            <a:spAutoFit/>
+          </a:bodyPr>
+          <a:lstStyle/>
+          <a:p>
+            <a:pPr algn="ctr"/>
+            <a:r>
+              <a:rPr lang="en-AU" dirty="0"/>
+              <a:t>--</a:t>
+            </a:r>
+            <a:r>
+              <a:rPr lang="en-AU" dirty="0" err="1"/>
+              <a:t>rpc</a:t>
+            </a:r>
+            <a:r>
+              <a:rPr lang="en-AU" dirty="0"/>
+              <a:t>-port 5000</a:t>
             </a:r>
           </a:p>
         </p:txBody>
@@ -10326,6 +10256,105 @@
           <a:chExt cx="0" cy="0"/>
         </a:xfrm>
       </p:grpSpPr>
+      <p:sp>
+        <p:nvSpPr>
+          <p:cNvPr id="72" name="TextBox 71">
+            <a:extLst>
+              <a:ext uri="{FF2B5EF4-FFF2-40B4-BE49-F238E27FC236}">
+                <a16:creationId xmlns:a16="http://schemas.microsoft.com/office/drawing/2014/main" id="{CDCEB172-F8E9-49B0-873E-D6291CD94E88}"/>
+              </a:ext>
+            </a:extLst>
+          </p:cNvPr>
+          <p:cNvSpPr txBox="1"/>
+          <p:nvPr/>
+        </p:nvSpPr>
+        <p:spPr>
+          <a:xfrm>
+            <a:off x="638735" y="1683265"/>
+            <a:ext cx="3052566" cy="584775"/>
+          </a:xfrm>
+          <a:prstGeom prst="rect">
+            <a:avLst/>
+          </a:prstGeom>
+          <a:noFill/>
+        </p:spPr>
+        <p:txBody>
+          <a:bodyPr wrap="square" rtlCol="0">
+            <a:spAutoFit/>
+          </a:bodyPr>
+          <a:lstStyle/>
+          <a:p>
+            <a:pPr algn="ctr"/>
+            <a:r>
+              <a:rPr lang="en-AU" sz="1600" b="1" dirty="0">
+                <a:latin typeface="Print Clearly" panose="00000400000000000000" pitchFamily="2" charset="0"/>
+              </a:rPr>
+              <a:t>Raw Transaction Data </a:t>
+            </a:r>
+          </a:p>
+          <a:p>
+            <a:pPr algn="ctr"/>
+            <a:r>
+              <a:rPr lang="en-AU" sz="1600" b="1" dirty="0">
+                <a:latin typeface="Print Clearly" panose="00000400000000000000" pitchFamily="2" charset="0"/>
+              </a:rPr>
+              <a:t>is derived from validator keys</a:t>
+            </a:r>
+          </a:p>
+        </p:txBody>
+      </p:sp>
+      <p:sp>
+        <p:nvSpPr>
+          <p:cNvPr id="28" name="Rectangle 27">
+            <a:extLst>
+              <a:ext uri="{FF2B5EF4-FFF2-40B4-BE49-F238E27FC236}">
+                <a16:creationId xmlns:a16="http://schemas.microsoft.com/office/drawing/2014/main" id="{401AF37B-37F7-47F9-B3C6-D3E1882AB49C}"/>
+              </a:ext>
+            </a:extLst>
+          </p:cNvPr>
+          <p:cNvSpPr/>
+          <p:nvPr/>
+        </p:nvSpPr>
+        <p:spPr>
+          <a:xfrm>
+            <a:off x="3549316" y="253178"/>
+            <a:ext cx="2749605" cy="2441602"/>
+          </a:xfrm>
+          <a:prstGeom prst="rect">
+            <a:avLst/>
+          </a:prstGeom>
+          <a:noFill/>
+          <a:ln>
+            <a:solidFill>
+              <a:schemeClr val="tx1"/>
+            </a:solidFill>
+          </a:ln>
+        </p:spPr>
+        <p:style>
+          <a:lnRef idx="2">
+            <a:schemeClr val="accent1">
+              <a:shade val="50000"/>
+            </a:schemeClr>
+          </a:lnRef>
+          <a:fillRef idx="1">
+            <a:schemeClr val="accent1"/>
+          </a:fillRef>
+          <a:effectRef idx="0">
+            <a:schemeClr val="accent1"/>
+          </a:effectRef>
+          <a:fontRef idx="minor">
+            <a:schemeClr val="lt1"/>
+          </a:fontRef>
+        </p:style>
+        <p:txBody>
+          <a:bodyPr rtlCol="0" anchor="ctr"/>
+          <a:lstStyle/>
+          <a:p>
+            <a:pPr algn="ctr"/>
+            <a:endParaRPr lang="en-AU"/>
+          </a:p>
+        </p:txBody>
+      </p:sp>
       <p:grpSp>
         <p:nvGrpSpPr>
           <p:cNvPr id="8" name="Group 7">
@@ -10340,7 +10369,7 @@
         </p:nvGrpSpPr>
         <p:grpSpPr>
           <a:xfrm>
-            <a:off x="6851062" y="2032739"/>
+            <a:off x="6851062" y="3457434"/>
             <a:ext cx="1628196" cy="1578071"/>
             <a:chOff x="741262" y="388288"/>
             <a:chExt cx="3130973" cy="3034585"/>
@@ -10485,7 +10514,7 @@
         </p:nvCxnSpPr>
         <p:spPr>
           <a:xfrm flipV="1">
-            <a:off x="6092151" y="2727601"/>
+            <a:off x="6092151" y="4152296"/>
             <a:ext cx="762577" cy="1"/>
           </a:xfrm>
           <a:prstGeom prst="straightConnector1">
@@ -10524,7 +10553,7 @@
         </p:nvSpPr>
         <p:spPr>
           <a:xfrm>
-            <a:off x="4515989" y="3518346"/>
+            <a:off x="4515989" y="4943041"/>
             <a:ext cx="1146340" cy="461665"/>
           </a:xfrm>
           <a:prstGeom prst="rect">
@@ -10562,7 +10591,7 @@
         </p:nvSpPr>
         <p:spPr>
           <a:xfrm>
-            <a:off x="6888733" y="3522168"/>
+            <a:off x="6888733" y="4946863"/>
             <a:ext cx="1697901" cy="461665"/>
           </a:xfrm>
           <a:prstGeom prst="rect">
@@ -10602,7 +10631,7 @@
         </p:nvCxnSpPr>
         <p:spPr>
           <a:xfrm>
-            <a:off x="8586634" y="2716351"/>
+            <a:off x="8586634" y="4141046"/>
             <a:ext cx="1286634" cy="0"/>
           </a:xfrm>
           <a:prstGeom prst="straightConnector1">
@@ -10658,7 +10687,7 @@
         </p:blipFill>
         <p:spPr>
           <a:xfrm>
-            <a:off x="9842531" y="1660109"/>
+            <a:off x="9842531" y="3084804"/>
             <a:ext cx="1649491" cy="1649491"/>
           </a:xfrm>
           <a:prstGeom prst="rect">
@@ -10680,7 +10709,7 @@
         </p:nvSpPr>
         <p:spPr>
           <a:xfrm>
-            <a:off x="8981351" y="3034973"/>
+            <a:off x="8981351" y="4340400"/>
             <a:ext cx="3371850" cy="1649491"/>
           </a:xfrm>
           <a:prstGeom prst="rect">
@@ -10733,7 +10762,7 @@
         </p:nvGrpSpPr>
         <p:grpSpPr>
           <a:xfrm>
-            <a:off x="4197335" y="2052780"/>
+            <a:off x="4197335" y="3477475"/>
             <a:ext cx="1628196" cy="1578071"/>
             <a:chOff x="4840971" y="382162"/>
             <a:chExt cx="3130973" cy="3034585"/>
@@ -10876,6 +10905,1930 @@
         </p:nvSpPr>
         <p:spPr>
           <a:xfrm>
+            <a:off x="304800" y="3024895"/>
+            <a:ext cx="8615375" cy="2766083"/>
+          </a:xfrm>
+          <a:prstGeom prst="rect">
+            <a:avLst/>
+          </a:prstGeom>
+          <a:noFill/>
+          <a:ln>
+            <a:prstDash val="sysDash"/>
+          </a:ln>
+        </p:spPr>
+        <p:style>
+          <a:lnRef idx="2">
+            <a:schemeClr val="accent1"/>
+          </a:lnRef>
+          <a:fillRef idx="1">
+            <a:schemeClr val="lt1"/>
+          </a:fillRef>
+          <a:effectRef idx="0">
+            <a:schemeClr val="accent1"/>
+          </a:effectRef>
+          <a:fontRef idx="minor">
+            <a:schemeClr val="dk1"/>
+          </a:fontRef>
+        </p:style>
+        <p:txBody>
+          <a:bodyPr rtlCol="0" anchor="ctr"/>
+          <a:lstStyle/>
+          <a:p>
+            <a:pPr algn="ctr"/>
+            <a:endParaRPr lang="en-AU" b="1"/>
+          </a:p>
+        </p:txBody>
+      </p:sp>
+      <p:pic>
+        <p:nvPicPr>
+          <p:cNvPr id="42" name="Picture 41">
+            <a:extLst>
+              <a:ext uri="{FF2B5EF4-FFF2-40B4-BE49-F238E27FC236}">
+                <a16:creationId xmlns:a16="http://schemas.microsoft.com/office/drawing/2014/main" id="{36AC2954-C794-42A8-8C11-2067BC004A9F}"/>
+              </a:ext>
+            </a:extLst>
+          </p:cNvPr>
+          <p:cNvPicPr>
+            <a:picLocks noChangeAspect="1" noChangeArrowheads="1"/>
+          </p:cNvPicPr>
+          <p:nvPr/>
+        </p:nvPicPr>
+        <p:blipFill>
+          <a:blip r:embed="rId8">
+            <a:extLst>
+              <a:ext uri="{28A0092B-C50C-407E-A947-70E740481C1C}">
+                <a14:useLocalDpi xmlns:a14="http://schemas.microsoft.com/office/drawing/2010/main" val="0"/>
+              </a:ext>
+            </a:extLst>
+          </a:blip>
+          <a:srcRect/>
+          <a:stretch>
+            <a:fillRect/>
+          </a:stretch>
+        </p:blipFill>
+        <p:spPr bwMode="auto">
+          <a:xfrm>
+            <a:off x="8663634" y="5556027"/>
+            <a:ext cx="665813" cy="665813"/>
+          </a:xfrm>
+          <a:prstGeom prst="rect">
+            <a:avLst/>
+          </a:prstGeom>
+          <a:noFill/>
+          <a:extLst>
+            <a:ext uri="{909E8E84-426E-40DD-AFC4-6F175D3DCCD1}">
+              <a14:hiddenFill xmlns:a14="http://schemas.microsoft.com/office/drawing/2010/main">
+                <a:solidFill>
+                  <a:srgbClr val="FFFFFF"/>
+                </a:solidFill>
+              </a14:hiddenFill>
+            </a:ext>
+          </a:extLst>
+        </p:spPr>
+      </p:pic>
+      <p:sp>
+        <p:nvSpPr>
+          <p:cNvPr id="47" name="TextBox 46">
+            <a:extLst>
+              <a:ext uri="{FF2B5EF4-FFF2-40B4-BE49-F238E27FC236}">
+                <a16:creationId xmlns:a16="http://schemas.microsoft.com/office/drawing/2014/main" id="{12DAC4D9-4495-42F2-80E8-71398C5B738E}"/>
+              </a:ext>
+            </a:extLst>
+          </p:cNvPr>
+          <p:cNvSpPr txBox="1"/>
+          <p:nvPr/>
+        </p:nvSpPr>
+        <p:spPr>
+          <a:xfrm>
+            <a:off x="7315200" y="5709976"/>
+            <a:ext cx="1450437" cy="461665"/>
+          </a:xfrm>
+          <a:prstGeom prst="rect">
+            <a:avLst/>
+          </a:prstGeom>
+          <a:noFill/>
+        </p:spPr>
+        <p:txBody>
+          <a:bodyPr wrap="square" rtlCol="0">
+            <a:spAutoFit/>
+          </a:bodyPr>
+          <a:lstStyle/>
+          <a:p>
+            <a:pPr algn="ctr"/>
+            <a:r>
+              <a:rPr lang="en-AU" sz="2400" b="1" dirty="0">
+                <a:latin typeface="Print Clearly" panose="00000400000000000000" pitchFamily="2" charset="0"/>
+              </a:rPr>
+              <a:t>Computer</a:t>
+            </a:r>
+          </a:p>
+        </p:txBody>
+      </p:sp>
+      <p:pic>
+        <p:nvPicPr>
+          <p:cNvPr id="48" name="Picture 47">
+            <a:extLst>
+              <a:ext uri="{FF2B5EF4-FFF2-40B4-BE49-F238E27FC236}">
+                <a16:creationId xmlns:a16="http://schemas.microsoft.com/office/drawing/2014/main" id="{813D71FA-02C3-4810-9BA0-6071952228F1}"/>
+              </a:ext>
+            </a:extLst>
+          </p:cNvPr>
+          <p:cNvPicPr>
+            <a:picLocks noChangeAspect="1" noChangeArrowheads="1"/>
+          </p:cNvPicPr>
+          <p:nvPr/>
+        </p:nvPicPr>
+        <p:blipFill>
+          <a:blip r:embed="rId9">
+            <a:extLst>
+              <a:ext uri="{28A0092B-C50C-407E-A947-70E740481C1C}">
+                <a14:useLocalDpi xmlns:a14="http://schemas.microsoft.com/office/drawing/2010/main" val="0"/>
+              </a:ext>
+            </a:extLst>
+          </a:blip>
+          <a:srcRect/>
+          <a:stretch>
+            <a:fillRect/>
+          </a:stretch>
+        </p:blipFill>
+        <p:spPr bwMode="auto">
+          <a:xfrm>
+            <a:off x="9044795" y="3859295"/>
+            <a:ext cx="487680" cy="487680"/>
+          </a:xfrm>
+          <a:prstGeom prst="rect">
+            <a:avLst/>
+          </a:prstGeom>
+          <a:noFill/>
+          <a:extLst>
+            <a:ext uri="{909E8E84-426E-40DD-AFC4-6F175D3DCCD1}">
+              <a14:hiddenFill xmlns:a14="http://schemas.microsoft.com/office/drawing/2010/main">
+                <a:solidFill>
+                  <a:srgbClr val="FFFFFF"/>
+                </a:solidFill>
+              </a14:hiddenFill>
+            </a:ext>
+          </a:extLst>
+        </p:spPr>
+      </p:pic>
+      <p:sp>
+        <p:nvSpPr>
+          <p:cNvPr id="12" name="TextBox 11">
+            <a:extLst>
+              <a:ext uri="{FF2B5EF4-FFF2-40B4-BE49-F238E27FC236}">
+                <a16:creationId xmlns:a16="http://schemas.microsoft.com/office/drawing/2014/main" id="{1B0F4B40-D494-416A-9B78-F1F18601EAB9}"/>
+              </a:ext>
+            </a:extLst>
+          </p:cNvPr>
+          <p:cNvSpPr txBox="1"/>
+          <p:nvPr/>
+        </p:nvSpPr>
+        <p:spPr>
+          <a:xfrm>
+            <a:off x="54625" y="6408420"/>
+            <a:ext cx="3244835" cy="369332"/>
+          </a:xfrm>
+          <a:prstGeom prst="rect">
+            <a:avLst/>
+          </a:prstGeom>
+          <a:noFill/>
+        </p:spPr>
+        <p:txBody>
+          <a:bodyPr wrap="square" rtlCol="0">
+            <a:spAutoFit/>
+          </a:bodyPr>
+          <a:lstStyle/>
+          <a:p>
+            <a:r>
+              <a:rPr lang="en-AU" dirty="0"/>
+              <a:t>prysm-eth1-deposit.png</a:t>
+            </a:r>
+          </a:p>
+        </p:txBody>
+      </p:sp>
+      <p:sp>
+        <p:nvSpPr>
+          <p:cNvPr id="30" name="Rectangle 29">
+            <a:extLst>
+              <a:ext uri="{FF2B5EF4-FFF2-40B4-BE49-F238E27FC236}">
+                <a16:creationId xmlns:a16="http://schemas.microsoft.com/office/drawing/2014/main" id="{2E43015C-CBDF-492C-8A00-976D9E2499B2}"/>
+              </a:ext>
+            </a:extLst>
+          </p:cNvPr>
+          <p:cNvSpPr/>
+          <p:nvPr/>
+        </p:nvSpPr>
+        <p:spPr>
+          <a:xfrm>
+            <a:off x="576566" y="3894593"/>
+            <a:ext cx="3230084" cy="1127223"/>
+          </a:xfrm>
+          <a:prstGeom prst="rect">
+            <a:avLst/>
+          </a:prstGeom>
+          <a:noFill/>
+          <a:ln>
+            <a:solidFill>
+              <a:schemeClr val="tx1"/>
+            </a:solidFill>
+          </a:ln>
+        </p:spPr>
+        <p:style>
+          <a:lnRef idx="2">
+            <a:schemeClr val="accent1">
+              <a:shade val="50000"/>
+            </a:schemeClr>
+          </a:lnRef>
+          <a:fillRef idx="1">
+            <a:schemeClr val="accent1"/>
+          </a:fillRef>
+          <a:effectRef idx="0">
+            <a:schemeClr val="accent1"/>
+          </a:effectRef>
+          <a:fontRef idx="minor">
+            <a:schemeClr val="lt1"/>
+          </a:fontRef>
+        </p:style>
+        <p:txBody>
+          <a:bodyPr rtlCol="0" anchor="ctr"/>
+          <a:lstStyle/>
+          <a:p>
+            <a:pPr algn="ctr"/>
+            <a:endParaRPr lang="en-AU" b="1"/>
+          </a:p>
+        </p:txBody>
+      </p:sp>
+      <p:pic>
+        <p:nvPicPr>
+          <p:cNvPr id="31" name="Graphic 30">
+            <a:extLst>
+              <a:ext uri="{FF2B5EF4-FFF2-40B4-BE49-F238E27FC236}">
+                <a16:creationId xmlns:a16="http://schemas.microsoft.com/office/drawing/2014/main" id="{18CB3183-CAF4-4FC8-A11C-DB7250FB6E3F}"/>
+              </a:ext>
+            </a:extLst>
+          </p:cNvPr>
+          <p:cNvPicPr>
+            <a:picLocks noChangeAspect="1"/>
+          </p:cNvPicPr>
+          <p:nvPr/>
+        </p:nvPicPr>
+        <p:blipFill>
+          <a:blip r:embed="rId10">
+            <a:extLst>
+              <a:ext uri="{28A0092B-C50C-407E-A947-70E740481C1C}">
+                <a14:useLocalDpi xmlns:a14="http://schemas.microsoft.com/office/drawing/2010/main" val="0"/>
+              </a:ext>
+              <a:ext uri="{96DAC541-7B7A-43D3-8B79-37D633B846F1}">
+                <asvg:svgBlip xmlns:asvg="http://schemas.microsoft.com/office/drawing/2016/SVG/main" r:embed="rId11"/>
+              </a:ext>
+            </a:extLst>
+          </a:blip>
+          <a:stretch>
+            <a:fillRect/>
+          </a:stretch>
+        </p:blipFill>
+        <p:spPr>
+          <a:xfrm>
+            <a:off x="2805736" y="4037813"/>
+            <a:ext cx="806886" cy="806886"/>
+          </a:xfrm>
+          <a:prstGeom prst="rect">
+            <a:avLst/>
+          </a:prstGeom>
+        </p:spPr>
+      </p:pic>
+      <p:sp>
+        <p:nvSpPr>
+          <p:cNvPr id="32" name="TextBox 31">
+            <a:extLst>
+              <a:ext uri="{FF2B5EF4-FFF2-40B4-BE49-F238E27FC236}">
+                <a16:creationId xmlns:a16="http://schemas.microsoft.com/office/drawing/2014/main" id="{21C5E713-5E82-4108-B775-6FC3EB96FD5E}"/>
+              </a:ext>
+            </a:extLst>
+          </p:cNvPr>
+          <p:cNvSpPr txBox="1"/>
+          <p:nvPr/>
+        </p:nvSpPr>
+        <p:spPr>
+          <a:xfrm>
+            <a:off x="638735" y="4013702"/>
+            <a:ext cx="2063129" cy="830997"/>
+          </a:xfrm>
+          <a:prstGeom prst="rect">
+            <a:avLst/>
+          </a:prstGeom>
+          <a:noFill/>
+        </p:spPr>
+        <p:txBody>
+          <a:bodyPr wrap="none" rtlCol="0">
+            <a:spAutoFit/>
+          </a:bodyPr>
+          <a:lstStyle/>
+          <a:p>
+            <a:pPr algn="r"/>
+            <a:r>
+              <a:rPr lang="en-AU" sz="2400" b="1" dirty="0">
+                <a:latin typeface="Print Clearly" panose="00000400000000000000" pitchFamily="2" charset="0"/>
+              </a:rPr>
+              <a:t>private key 1</a:t>
+            </a:r>
+          </a:p>
+          <a:p>
+            <a:pPr algn="r"/>
+            <a:r>
+              <a:rPr lang="en-AU" sz="2400" b="1" dirty="0">
+                <a:latin typeface="Print Clearly" panose="00000400000000000000" pitchFamily="2" charset="0"/>
+              </a:rPr>
+              <a:t>withdrawal key 1</a:t>
+            </a:r>
+          </a:p>
+        </p:txBody>
+      </p:sp>
+      <p:pic>
+        <p:nvPicPr>
+          <p:cNvPr id="35" name="Picture 34" descr="A picture containing drawing&#10;&#10;Description automatically generated">
+            <a:extLst>
+              <a:ext uri="{FF2B5EF4-FFF2-40B4-BE49-F238E27FC236}">
+                <a16:creationId xmlns:a16="http://schemas.microsoft.com/office/drawing/2014/main" id="{5930B816-372D-47C7-83CE-282D0CD1FF17}"/>
+              </a:ext>
+            </a:extLst>
+          </p:cNvPr>
+          <p:cNvPicPr>
+            <a:picLocks noChangeAspect="1"/>
+          </p:cNvPicPr>
+          <p:nvPr/>
+        </p:nvPicPr>
+        <p:blipFill>
+          <a:blip r:embed="rId12">
+            <a:extLst>
+              <a:ext uri="{28A0092B-C50C-407E-A947-70E740481C1C}">
+                <a14:useLocalDpi xmlns:a14="http://schemas.microsoft.com/office/drawing/2010/main" val="0"/>
+              </a:ext>
+            </a:extLst>
+          </a:blip>
+          <a:stretch>
+            <a:fillRect/>
+          </a:stretch>
+        </p:blipFill>
+        <p:spPr>
+          <a:xfrm>
+            <a:off x="3209179" y="3466509"/>
+            <a:ext cx="806886" cy="528649"/>
+          </a:xfrm>
+          <a:prstGeom prst="rect">
+            <a:avLst/>
+          </a:prstGeom>
+        </p:spPr>
+      </p:pic>
+      <p:sp>
+        <p:nvSpPr>
+          <p:cNvPr id="36" name="TextBox 35">
+            <a:extLst>
+              <a:ext uri="{FF2B5EF4-FFF2-40B4-BE49-F238E27FC236}">
+                <a16:creationId xmlns:a16="http://schemas.microsoft.com/office/drawing/2014/main" id="{6F530076-9D6E-4F3F-AF0A-52CA75D88D9C}"/>
+              </a:ext>
+            </a:extLst>
+          </p:cNvPr>
+          <p:cNvSpPr txBox="1"/>
+          <p:nvPr/>
+        </p:nvSpPr>
+        <p:spPr>
+          <a:xfrm>
+            <a:off x="1048459" y="3457196"/>
+            <a:ext cx="2160720" cy="461665"/>
+          </a:xfrm>
+          <a:prstGeom prst="rect">
+            <a:avLst/>
+          </a:prstGeom>
+          <a:noFill/>
+        </p:spPr>
+        <p:txBody>
+          <a:bodyPr wrap="none" rtlCol="0">
+            <a:spAutoFit/>
+          </a:bodyPr>
+          <a:lstStyle/>
+          <a:p>
+            <a:pPr algn="ctr"/>
+            <a:r>
+              <a:rPr lang="en-AU" sz="2400" b="1" dirty="0">
+                <a:latin typeface="Print Clearly" panose="00000400000000000000" pitchFamily="2" charset="0"/>
+              </a:rPr>
+              <a:t>validator keystore</a:t>
+            </a:r>
+          </a:p>
+        </p:txBody>
+      </p:sp>
+      <p:pic>
+        <p:nvPicPr>
+          <p:cNvPr id="37" name="Graphic 36" descr="Lock">
+            <a:extLst>
+              <a:ext uri="{FF2B5EF4-FFF2-40B4-BE49-F238E27FC236}">
+                <a16:creationId xmlns:a16="http://schemas.microsoft.com/office/drawing/2014/main" id="{2CAAB09A-64E9-4657-A82E-D57BF9B23A4E}"/>
+              </a:ext>
+            </a:extLst>
+          </p:cNvPr>
+          <p:cNvPicPr>
+            <a:picLocks noChangeAspect="1"/>
+          </p:cNvPicPr>
+          <p:nvPr/>
+        </p:nvPicPr>
+        <p:blipFill>
+          <a:blip r:embed="rId13">
+            <a:extLst>
+              <a:ext uri="{28A0092B-C50C-407E-A947-70E740481C1C}">
+                <a14:useLocalDpi xmlns:a14="http://schemas.microsoft.com/office/drawing/2010/main" val="0"/>
+              </a:ext>
+              <a:ext uri="{96DAC541-7B7A-43D3-8B79-37D633B846F1}">
+                <asvg:svgBlip xmlns:asvg="http://schemas.microsoft.com/office/drawing/2016/SVG/main" r:embed="rId14"/>
+              </a:ext>
+            </a:extLst>
+          </a:blip>
+          <a:stretch>
+            <a:fillRect/>
+          </a:stretch>
+        </p:blipFill>
+        <p:spPr>
+          <a:xfrm>
+            <a:off x="3214699" y="4405390"/>
+            <a:ext cx="535476" cy="535476"/>
+          </a:xfrm>
+          <a:prstGeom prst="rect">
+            <a:avLst/>
+          </a:prstGeom>
+        </p:spPr>
+      </p:pic>
+      <p:cxnSp>
+        <p:nvCxnSpPr>
+          <p:cNvPr id="29" name="Straight Arrow Connector 28">
+            <a:extLst>
+              <a:ext uri="{FF2B5EF4-FFF2-40B4-BE49-F238E27FC236}">
+                <a16:creationId xmlns:a16="http://schemas.microsoft.com/office/drawing/2014/main" id="{DFC973F3-DD65-496E-912B-CEF188D9D57D}"/>
+              </a:ext>
+            </a:extLst>
+          </p:cNvPr>
+          <p:cNvCxnSpPr>
+            <a:cxnSpLocks/>
+          </p:cNvCxnSpPr>
+          <p:nvPr/>
+        </p:nvCxnSpPr>
+        <p:spPr>
+          <a:xfrm flipV="1">
+            <a:off x="5083956" y="2715106"/>
+            <a:ext cx="0" cy="682775"/>
+          </a:xfrm>
+          <a:prstGeom prst="straightConnector1">
+            <a:avLst/>
+          </a:prstGeom>
+          <a:ln w="31750">
+            <a:tailEnd type="triangle"/>
+          </a:ln>
+        </p:spPr>
+        <p:style>
+          <a:lnRef idx="3">
+            <a:schemeClr val="dk1"/>
+          </a:lnRef>
+          <a:fillRef idx="0">
+            <a:schemeClr val="dk1"/>
+          </a:fillRef>
+          <a:effectRef idx="2">
+            <a:schemeClr val="dk1"/>
+          </a:effectRef>
+          <a:fontRef idx="minor">
+            <a:schemeClr val="tx1"/>
+          </a:fontRef>
+        </p:style>
+      </p:cxnSp>
+      <p:sp>
+        <p:nvSpPr>
+          <p:cNvPr id="3" name="TextBox 2">
+            <a:extLst>
+              <a:ext uri="{FF2B5EF4-FFF2-40B4-BE49-F238E27FC236}">
+                <a16:creationId xmlns:a16="http://schemas.microsoft.com/office/drawing/2014/main" id="{35E8AFAD-FB63-4FED-804E-40A8EB1E6848}"/>
+              </a:ext>
+            </a:extLst>
+          </p:cNvPr>
+          <p:cNvSpPr txBox="1"/>
+          <p:nvPr/>
+        </p:nvSpPr>
+        <p:spPr>
+          <a:xfrm>
+            <a:off x="3592040" y="1405277"/>
+            <a:ext cx="2749604" cy="1323439"/>
+          </a:xfrm>
+          <a:prstGeom prst="rect">
+            <a:avLst/>
+          </a:prstGeom>
+          <a:noFill/>
+        </p:spPr>
+        <p:txBody>
+          <a:bodyPr wrap="square" rtlCol="0">
+            <a:spAutoFit/>
+          </a:bodyPr>
+          <a:lstStyle/>
+          <a:p>
+            <a:r>
+              <a:rPr lang="en-AU" sz="1000" dirty="0"/>
+              <a:t>==========Raw Transaction Data============</a:t>
+            </a:r>
+          </a:p>
+          <a:p>
+            <a:endParaRPr lang="en-AU" sz="1000" dirty="0"/>
+          </a:p>
+          <a:p>
+            <a:r>
+              <a:rPr lang="en-AU" sz="1000" dirty="0"/>
+              <a:t>0x200000000000000000000000000000000000000000000000000000000000000000000000000006081e9e0000000095bccce6f600000000000000000000000000000000000000000000000…b5fcb</a:t>
+            </a:r>
+          </a:p>
+          <a:p>
+            <a:endParaRPr lang="en-AU" sz="1000" dirty="0"/>
+          </a:p>
+          <a:p>
+            <a:r>
+              <a:rPr lang="en-AU" sz="1000" dirty="0"/>
+              <a:t>========================================</a:t>
+            </a:r>
+          </a:p>
+        </p:txBody>
+      </p:sp>
+      <p:sp>
+        <p:nvSpPr>
+          <p:cNvPr id="6" name="Rectangle 5">
+            <a:extLst>
+              <a:ext uri="{FF2B5EF4-FFF2-40B4-BE49-F238E27FC236}">
+                <a16:creationId xmlns:a16="http://schemas.microsoft.com/office/drawing/2014/main" id="{9E5F075F-7508-4919-99FE-6EA835AFBBB2}"/>
+              </a:ext>
+            </a:extLst>
+          </p:cNvPr>
+          <p:cNvSpPr/>
+          <p:nvPr/>
+        </p:nvSpPr>
+        <p:spPr>
+          <a:xfrm>
+            <a:off x="7040930" y="1732986"/>
+            <a:ext cx="2428806" cy="307777"/>
+          </a:xfrm>
+          <a:prstGeom prst="rect">
+            <a:avLst/>
+          </a:prstGeom>
+        </p:spPr>
+        <p:txBody>
+          <a:bodyPr wrap="none">
+            <a:spAutoFit/>
+          </a:bodyPr>
+          <a:lstStyle/>
+          <a:p>
+            <a:r>
+              <a:rPr lang="en-AU" sz="1400" dirty="0">
+                <a:hlinkClick r:id="rId15"/>
+              </a:rPr>
+              <a:t>https://prylabs.net/participate</a:t>
+            </a:r>
+            <a:endParaRPr lang="en-AU" sz="1400" dirty="0"/>
+          </a:p>
+        </p:txBody>
+      </p:sp>
+      <p:cxnSp>
+        <p:nvCxnSpPr>
+          <p:cNvPr id="49" name="Straight Arrow Connector 48">
+            <a:extLst>
+              <a:ext uri="{FF2B5EF4-FFF2-40B4-BE49-F238E27FC236}">
+                <a16:creationId xmlns:a16="http://schemas.microsoft.com/office/drawing/2014/main" id="{819C4EAA-7F32-4A5A-B94E-6D47CFF242FF}"/>
+              </a:ext>
+            </a:extLst>
+          </p:cNvPr>
+          <p:cNvCxnSpPr>
+            <a:cxnSpLocks/>
+          </p:cNvCxnSpPr>
+          <p:nvPr/>
+        </p:nvCxnSpPr>
+        <p:spPr>
+          <a:xfrm flipV="1">
+            <a:off x="6356480" y="1419868"/>
+            <a:ext cx="599706" cy="2"/>
+          </a:xfrm>
+          <a:prstGeom prst="straightConnector1">
+            <a:avLst/>
+          </a:prstGeom>
+          <a:ln w="31750">
+            <a:tailEnd type="triangle"/>
+          </a:ln>
+        </p:spPr>
+        <p:style>
+          <a:lnRef idx="3">
+            <a:schemeClr val="dk1"/>
+          </a:lnRef>
+          <a:fillRef idx="0">
+            <a:schemeClr val="dk1"/>
+          </a:fillRef>
+          <a:effectRef idx="2">
+            <a:schemeClr val="dk1"/>
+          </a:effectRef>
+          <a:fontRef idx="minor">
+            <a:schemeClr val="tx1"/>
+          </a:fontRef>
+        </p:style>
+      </p:cxnSp>
+      <p:pic>
+        <p:nvPicPr>
+          <p:cNvPr id="22" name="Graphic 21">
+            <a:extLst>
+              <a:ext uri="{FF2B5EF4-FFF2-40B4-BE49-F238E27FC236}">
+                <a16:creationId xmlns:a16="http://schemas.microsoft.com/office/drawing/2014/main" id="{3568B5BD-8ED1-46B1-A172-4D266A8D94B9}"/>
+              </a:ext>
+            </a:extLst>
+          </p:cNvPr>
+          <p:cNvPicPr>
+            <a:picLocks noChangeAspect="1"/>
+          </p:cNvPicPr>
+          <p:nvPr/>
+        </p:nvPicPr>
+        <p:blipFill>
+          <a:blip r:embed="rId16">
+            <a:extLst>
+              <a:ext uri="{28A0092B-C50C-407E-A947-70E740481C1C}">
+                <a14:useLocalDpi xmlns:a14="http://schemas.microsoft.com/office/drawing/2010/main" val="0"/>
+              </a:ext>
+              <a:ext uri="{96DAC541-7B7A-43D3-8B79-37D633B846F1}">
+                <asvg:svgBlip xmlns:asvg="http://schemas.microsoft.com/office/drawing/2016/SVG/main" r:embed="rId17"/>
+              </a:ext>
+            </a:extLst>
+          </a:blip>
+          <a:stretch>
+            <a:fillRect/>
+          </a:stretch>
+        </p:blipFill>
+        <p:spPr>
+          <a:xfrm>
+            <a:off x="7234123" y="498785"/>
+            <a:ext cx="2057329" cy="394720"/>
+          </a:xfrm>
+          <a:prstGeom prst="rect">
+            <a:avLst/>
+          </a:prstGeom>
+        </p:spPr>
+      </p:pic>
+      <p:pic>
+        <p:nvPicPr>
+          <p:cNvPr id="26" name="Graphic 25">
+            <a:extLst>
+              <a:ext uri="{FF2B5EF4-FFF2-40B4-BE49-F238E27FC236}">
+                <a16:creationId xmlns:a16="http://schemas.microsoft.com/office/drawing/2014/main" id="{639D92D8-5763-4E5D-B825-3B81ECE8FB9D}"/>
+              </a:ext>
+            </a:extLst>
+          </p:cNvPr>
+          <p:cNvPicPr>
+            <a:picLocks noChangeAspect="1"/>
+          </p:cNvPicPr>
+          <p:nvPr/>
+        </p:nvPicPr>
+        <p:blipFill rotWithShape="1">
+          <a:blip r:embed="rId18">
+            <a:extLst>
+              <a:ext uri="{28A0092B-C50C-407E-A947-70E740481C1C}">
+                <a14:useLocalDpi xmlns:a14="http://schemas.microsoft.com/office/drawing/2010/main" val="0"/>
+              </a:ext>
+              <a:ext uri="{96DAC541-7B7A-43D3-8B79-37D633B846F1}">
+                <asvg:svgBlip xmlns:asvg="http://schemas.microsoft.com/office/drawing/2016/SVG/main" r:embed="rId19"/>
+              </a:ext>
+            </a:extLst>
+          </a:blip>
+          <a:srcRect t="33433" b="34479"/>
+          <a:stretch/>
+        </p:blipFill>
+        <p:spPr>
+          <a:xfrm>
+            <a:off x="7130901" y="922102"/>
+            <a:ext cx="2248863" cy="721618"/>
+          </a:xfrm>
+          <a:prstGeom prst="rect">
+            <a:avLst/>
+          </a:prstGeom>
+        </p:spPr>
+      </p:pic>
+      <p:grpSp>
+        <p:nvGrpSpPr>
+          <p:cNvPr id="27" name="Group 26">
+            <a:extLst>
+              <a:ext uri="{FF2B5EF4-FFF2-40B4-BE49-F238E27FC236}">
+                <a16:creationId xmlns:a16="http://schemas.microsoft.com/office/drawing/2014/main" id="{083BD0AF-B8A4-4B10-BD27-B43BF555D164}"/>
+              </a:ext>
+            </a:extLst>
+          </p:cNvPr>
+          <p:cNvGrpSpPr/>
+          <p:nvPr/>
+        </p:nvGrpSpPr>
+        <p:grpSpPr>
+          <a:xfrm>
+            <a:off x="3592040" y="260965"/>
+            <a:ext cx="2893817" cy="1063644"/>
+            <a:chOff x="3904025" y="253178"/>
+            <a:chExt cx="2893817" cy="1063644"/>
+          </a:xfrm>
+        </p:grpSpPr>
+        <p:pic>
+          <p:nvPicPr>
+            <p:cNvPr id="57" name="Graphic 56">
+              <a:extLst>
+                <a:ext uri="{FF2B5EF4-FFF2-40B4-BE49-F238E27FC236}">
+                  <a16:creationId xmlns:a16="http://schemas.microsoft.com/office/drawing/2014/main" id="{9A2FCECF-F215-4EC4-81C4-7E301F0C3505}"/>
+                </a:ext>
+              </a:extLst>
+            </p:cNvPr>
+            <p:cNvPicPr>
+              <a:picLocks noChangeAspect="1"/>
+            </p:cNvPicPr>
+            <p:nvPr/>
+          </p:nvPicPr>
+          <p:blipFill>
+            <a:blip r:embed="rId5">
+              <a:extLst>
+                <a:ext uri="{28A0092B-C50C-407E-A947-70E740481C1C}">
+                  <a14:useLocalDpi xmlns:a14="http://schemas.microsoft.com/office/drawing/2010/main" val="0"/>
+                </a:ext>
+                <a:ext uri="{96DAC541-7B7A-43D3-8B79-37D633B846F1}">
+                  <asvg:svgBlip xmlns:asvg="http://schemas.microsoft.com/office/drawing/2016/SVG/main" r:embed="rId6"/>
+                </a:ext>
+              </a:extLst>
+            </a:blip>
+            <a:stretch>
+              <a:fillRect/>
+            </a:stretch>
+          </p:blipFill>
+          <p:spPr>
+            <a:xfrm>
+              <a:off x="3904025" y="253178"/>
+              <a:ext cx="1063644" cy="1063644"/>
+            </a:xfrm>
+            <a:prstGeom prst="rect">
+              <a:avLst/>
+            </a:prstGeom>
+          </p:spPr>
+        </p:pic>
+        <p:sp>
+          <p:nvSpPr>
+            <p:cNvPr id="58" name="TextBox 57">
+              <a:extLst>
+                <a:ext uri="{FF2B5EF4-FFF2-40B4-BE49-F238E27FC236}">
+                  <a16:creationId xmlns:a16="http://schemas.microsoft.com/office/drawing/2014/main" id="{51E9CBE7-7F32-4FC7-8416-884AB9B6B639}"/>
+                </a:ext>
+              </a:extLst>
+            </p:cNvPr>
+            <p:cNvSpPr txBox="1"/>
+            <p:nvPr/>
+          </p:nvSpPr>
+          <p:spPr>
+            <a:xfrm>
+              <a:off x="4326446" y="314927"/>
+              <a:ext cx="2471396" cy="771558"/>
+            </a:xfrm>
+            <a:prstGeom prst="rect">
+              <a:avLst/>
+            </a:prstGeom>
+            <a:noFill/>
+          </p:spPr>
+          <p:txBody>
+            <a:bodyPr wrap="square" rtlCol="0">
+              <a:spAutoFit/>
+            </a:bodyPr>
+            <a:lstStyle/>
+            <a:p>
+              <a:pPr algn="ctr">
+                <a:lnSpc>
+                  <a:spcPts val="6000"/>
+                </a:lnSpc>
+              </a:pPr>
+              <a:r>
+                <a:rPr lang="en-AU" sz="3200" b="1" dirty="0">
+                  <a:latin typeface="Print Clearly" panose="00000400000000000000" pitchFamily="2" charset="0"/>
+                </a:rPr>
+                <a:t>X 32 ETH</a:t>
+              </a:r>
+            </a:p>
+          </p:txBody>
+        </p:sp>
+      </p:grpSp>
+      <p:sp>
+        <p:nvSpPr>
+          <p:cNvPr id="59" name="TextBox 58">
+            <a:extLst>
+              <a:ext uri="{FF2B5EF4-FFF2-40B4-BE49-F238E27FC236}">
+                <a16:creationId xmlns:a16="http://schemas.microsoft.com/office/drawing/2014/main" id="{960D331D-B568-48A1-A91C-087893310107}"/>
+              </a:ext>
+            </a:extLst>
+          </p:cNvPr>
+          <p:cNvSpPr txBox="1"/>
+          <p:nvPr/>
+        </p:nvSpPr>
+        <p:spPr>
+          <a:xfrm>
+            <a:off x="4728340" y="953992"/>
+            <a:ext cx="394796" cy="584775"/>
+          </a:xfrm>
+          <a:prstGeom prst="rect">
+            <a:avLst/>
+          </a:prstGeom>
+          <a:noFill/>
+        </p:spPr>
+        <p:txBody>
+          <a:bodyPr wrap="square" rtlCol="0">
+            <a:spAutoFit/>
+          </a:bodyPr>
+          <a:lstStyle/>
+          <a:p>
+            <a:pPr algn="ctr"/>
+            <a:r>
+              <a:rPr lang="en-AU" sz="3200" b="1" dirty="0">
+                <a:latin typeface="Print Clearly" panose="00000400000000000000" pitchFamily="2" charset="0"/>
+              </a:rPr>
+              <a:t>+</a:t>
+            </a:r>
+          </a:p>
+        </p:txBody>
+      </p:sp>
+      <p:sp>
+        <p:nvSpPr>
+          <p:cNvPr id="64" name="Rectangle 63">
+            <a:extLst>
+              <a:ext uri="{FF2B5EF4-FFF2-40B4-BE49-F238E27FC236}">
+                <a16:creationId xmlns:a16="http://schemas.microsoft.com/office/drawing/2014/main" id="{DDE12984-2C72-48D0-AE48-CCB6B504F7C4}"/>
+              </a:ext>
+            </a:extLst>
+          </p:cNvPr>
+          <p:cNvSpPr/>
+          <p:nvPr/>
+        </p:nvSpPr>
+        <p:spPr>
+          <a:xfrm>
+            <a:off x="6998909" y="273507"/>
+            <a:ext cx="2470827" cy="2441602"/>
+          </a:xfrm>
+          <a:prstGeom prst="rect">
+            <a:avLst/>
+          </a:prstGeom>
+          <a:noFill/>
+          <a:ln>
+            <a:solidFill>
+              <a:schemeClr val="tx1"/>
+            </a:solidFill>
+          </a:ln>
+        </p:spPr>
+        <p:style>
+          <a:lnRef idx="2">
+            <a:schemeClr val="accent1">
+              <a:shade val="50000"/>
+            </a:schemeClr>
+          </a:lnRef>
+          <a:fillRef idx="1">
+            <a:schemeClr val="accent1"/>
+          </a:fillRef>
+          <a:effectRef idx="0">
+            <a:schemeClr val="accent1"/>
+          </a:effectRef>
+          <a:fontRef idx="minor">
+            <a:schemeClr val="lt1"/>
+          </a:fontRef>
+        </p:style>
+        <p:txBody>
+          <a:bodyPr rtlCol="0" anchor="ctr"/>
+          <a:lstStyle/>
+          <a:p>
+            <a:pPr algn="ctr"/>
+            <a:endParaRPr lang="en-AU"/>
+          </a:p>
+        </p:txBody>
+      </p:sp>
+      <p:pic>
+        <p:nvPicPr>
+          <p:cNvPr id="66" name="Graphic 65" descr="Scroll">
+            <a:extLst>
+              <a:ext uri="{FF2B5EF4-FFF2-40B4-BE49-F238E27FC236}">
+                <a16:creationId xmlns:a16="http://schemas.microsoft.com/office/drawing/2014/main" id="{1F2071BB-D45D-412A-9410-648B791C1E25}"/>
+              </a:ext>
+            </a:extLst>
+          </p:cNvPr>
+          <p:cNvPicPr>
+            <a:picLocks noChangeAspect="1"/>
+          </p:cNvPicPr>
+          <p:nvPr/>
+        </p:nvPicPr>
+        <p:blipFill>
+          <a:blip r:embed="rId20">
+            <a:extLst>
+              <a:ext uri="{28A0092B-C50C-407E-A947-70E740481C1C}">
+                <a14:useLocalDpi xmlns:a14="http://schemas.microsoft.com/office/drawing/2010/main" val="0"/>
+              </a:ext>
+              <a:ext uri="{96DAC541-7B7A-43D3-8B79-37D633B846F1}">
+                <asvg:svgBlip xmlns:asvg="http://schemas.microsoft.com/office/drawing/2016/SVG/main" r:embed="rId21"/>
+              </a:ext>
+            </a:extLst>
+          </a:blip>
+          <a:stretch>
+            <a:fillRect/>
+          </a:stretch>
+        </p:blipFill>
+        <p:spPr>
+          <a:xfrm>
+            <a:off x="10037029" y="843221"/>
+            <a:ext cx="1123692" cy="1123692"/>
+          </a:xfrm>
+          <a:prstGeom prst="rect">
+            <a:avLst/>
+          </a:prstGeom>
+        </p:spPr>
+      </p:pic>
+      <p:sp>
+        <p:nvSpPr>
+          <p:cNvPr id="67" name="TextBox 66">
+            <a:extLst>
+              <a:ext uri="{FF2B5EF4-FFF2-40B4-BE49-F238E27FC236}">
+                <a16:creationId xmlns:a16="http://schemas.microsoft.com/office/drawing/2014/main" id="{B80CC762-2E3A-4CC9-A774-A9829E74070B}"/>
+              </a:ext>
+            </a:extLst>
+          </p:cNvPr>
+          <p:cNvSpPr txBox="1"/>
+          <p:nvPr/>
+        </p:nvSpPr>
+        <p:spPr>
+          <a:xfrm>
+            <a:off x="9403130" y="333523"/>
+            <a:ext cx="2391489" cy="584775"/>
+          </a:xfrm>
+          <a:prstGeom prst="rect">
+            <a:avLst/>
+          </a:prstGeom>
+          <a:noFill/>
+        </p:spPr>
+        <p:txBody>
+          <a:bodyPr wrap="square" rtlCol="0">
+            <a:spAutoFit/>
+          </a:bodyPr>
+          <a:lstStyle/>
+          <a:p>
+            <a:pPr algn="ctr"/>
+            <a:r>
+              <a:rPr lang="en-AU" sz="1600" b="1" dirty="0">
+                <a:latin typeface="Print Clearly" panose="00000400000000000000" pitchFamily="2" charset="0"/>
+              </a:rPr>
+              <a:t>Validator deposit contract</a:t>
+            </a:r>
+          </a:p>
+          <a:p>
+            <a:pPr algn="ctr"/>
+            <a:r>
+              <a:rPr lang="en-AU" sz="1600" b="1" dirty="0">
+                <a:latin typeface="Print Clearly" panose="00000400000000000000" pitchFamily="2" charset="0"/>
+              </a:rPr>
+              <a:t>(on ETH1 Chain)</a:t>
+            </a:r>
+          </a:p>
+        </p:txBody>
+      </p:sp>
+      <p:cxnSp>
+        <p:nvCxnSpPr>
+          <p:cNvPr id="68" name="Straight Arrow Connector 67">
+            <a:extLst>
+              <a:ext uri="{FF2B5EF4-FFF2-40B4-BE49-F238E27FC236}">
+                <a16:creationId xmlns:a16="http://schemas.microsoft.com/office/drawing/2014/main" id="{45C568A6-3ED7-4B55-9959-228D8A0F7607}"/>
+              </a:ext>
+            </a:extLst>
+          </p:cNvPr>
+          <p:cNvCxnSpPr>
+            <a:cxnSpLocks/>
+          </p:cNvCxnSpPr>
+          <p:nvPr/>
+        </p:nvCxnSpPr>
+        <p:spPr>
+          <a:xfrm flipV="1">
+            <a:off x="898972" y="1966913"/>
+            <a:ext cx="0" cy="1927680"/>
+          </a:xfrm>
+          <a:prstGeom prst="straightConnector1">
+            <a:avLst/>
+          </a:prstGeom>
+          <a:ln w="31750">
+            <a:prstDash val="sysDot"/>
+            <a:tailEnd type="none"/>
+          </a:ln>
+        </p:spPr>
+        <p:style>
+          <a:lnRef idx="3">
+            <a:schemeClr val="dk1"/>
+          </a:lnRef>
+          <a:fillRef idx="0">
+            <a:schemeClr val="dk1"/>
+          </a:fillRef>
+          <a:effectRef idx="2">
+            <a:schemeClr val="dk1"/>
+          </a:effectRef>
+          <a:fontRef idx="minor">
+            <a:schemeClr val="tx1"/>
+          </a:fontRef>
+        </p:style>
+      </p:cxnSp>
+      <p:cxnSp>
+        <p:nvCxnSpPr>
+          <p:cNvPr id="69" name="Straight Arrow Connector 68">
+            <a:extLst>
+              <a:ext uri="{FF2B5EF4-FFF2-40B4-BE49-F238E27FC236}">
+                <a16:creationId xmlns:a16="http://schemas.microsoft.com/office/drawing/2014/main" id="{942F1D4F-2AEA-4990-8515-408A306DD154}"/>
+              </a:ext>
+            </a:extLst>
+          </p:cNvPr>
+          <p:cNvCxnSpPr>
+            <a:cxnSpLocks/>
+          </p:cNvCxnSpPr>
+          <p:nvPr/>
+        </p:nvCxnSpPr>
+        <p:spPr>
+          <a:xfrm>
+            <a:off x="898972" y="1985212"/>
+            <a:ext cx="2650344" cy="0"/>
+          </a:xfrm>
+          <a:prstGeom prst="straightConnector1">
+            <a:avLst/>
+          </a:prstGeom>
+          <a:ln w="31750">
+            <a:prstDash val="sysDot"/>
+            <a:tailEnd type="triangle"/>
+          </a:ln>
+        </p:spPr>
+        <p:style>
+          <a:lnRef idx="3">
+            <a:schemeClr val="dk1"/>
+          </a:lnRef>
+          <a:fillRef idx="0">
+            <a:schemeClr val="dk1"/>
+          </a:fillRef>
+          <a:effectRef idx="2">
+            <a:schemeClr val="dk1"/>
+          </a:effectRef>
+          <a:fontRef idx="minor">
+            <a:schemeClr val="tx1"/>
+          </a:fontRef>
+        </p:style>
+      </p:cxnSp>
+      <p:cxnSp>
+        <p:nvCxnSpPr>
+          <p:cNvPr id="73" name="Straight Arrow Connector 72">
+            <a:extLst>
+              <a:ext uri="{FF2B5EF4-FFF2-40B4-BE49-F238E27FC236}">
+                <a16:creationId xmlns:a16="http://schemas.microsoft.com/office/drawing/2014/main" id="{8BE4941F-39B7-44A5-86BA-EB053F0F2BA2}"/>
+              </a:ext>
+            </a:extLst>
+          </p:cNvPr>
+          <p:cNvCxnSpPr>
+            <a:cxnSpLocks/>
+          </p:cNvCxnSpPr>
+          <p:nvPr/>
+        </p:nvCxnSpPr>
+        <p:spPr>
+          <a:xfrm flipV="1">
+            <a:off x="9521935" y="1368891"/>
+            <a:ext cx="599706" cy="2"/>
+          </a:xfrm>
+          <a:prstGeom prst="straightConnector1">
+            <a:avLst/>
+          </a:prstGeom>
+          <a:ln w="31750">
+            <a:tailEnd type="triangle"/>
+          </a:ln>
+        </p:spPr>
+        <p:style>
+          <a:lnRef idx="3">
+            <a:schemeClr val="dk1"/>
+          </a:lnRef>
+          <a:fillRef idx="0">
+            <a:schemeClr val="dk1"/>
+          </a:fillRef>
+          <a:effectRef idx="2">
+            <a:schemeClr val="dk1"/>
+          </a:effectRef>
+          <a:fontRef idx="minor">
+            <a:schemeClr val="tx1"/>
+          </a:fontRef>
+        </p:style>
+      </p:cxnSp>
+      <p:cxnSp>
+        <p:nvCxnSpPr>
+          <p:cNvPr id="77" name="Straight Arrow Connector 76">
+            <a:extLst>
+              <a:ext uri="{FF2B5EF4-FFF2-40B4-BE49-F238E27FC236}">
+                <a16:creationId xmlns:a16="http://schemas.microsoft.com/office/drawing/2014/main" id="{AF422683-6BE2-41C5-8BA5-F48BBA6CA4D2}"/>
+              </a:ext>
+            </a:extLst>
+          </p:cNvPr>
+          <p:cNvCxnSpPr>
+            <a:cxnSpLocks/>
+            <a:stCxn id="61" idx="0"/>
+            <a:endCxn id="78" idx="2"/>
+          </p:cNvCxnSpPr>
+          <p:nvPr/>
+        </p:nvCxnSpPr>
+        <p:spPr>
+          <a:xfrm flipH="1" flipV="1">
+            <a:off x="10663547" y="2499297"/>
+            <a:ext cx="3730" cy="585507"/>
+          </a:xfrm>
+          <a:prstGeom prst="straightConnector1">
+            <a:avLst/>
+          </a:prstGeom>
+          <a:ln w="31750">
+            <a:tailEnd type="triangle"/>
+          </a:ln>
+        </p:spPr>
+        <p:style>
+          <a:lnRef idx="3">
+            <a:schemeClr val="dk1"/>
+          </a:lnRef>
+          <a:fillRef idx="0">
+            <a:schemeClr val="dk1"/>
+          </a:fillRef>
+          <a:effectRef idx="2">
+            <a:schemeClr val="dk1"/>
+          </a:effectRef>
+          <a:fontRef idx="minor">
+            <a:schemeClr val="tx1"/>
+          </a:fontRef>
+        </p:style>
+      </p:cxnSp>
+      <p:sp>
+        <p:nvSpPr>
+          <p:cNvPr id="78" name="TextBox 77">
+            <a:extLst>
+              <a:ext uri="{FF2B5EF4-FFF2-40B4-BE49-F238E27FC236}">
+                <a16:creationId xmlns:a16="http://schemas.microsoft.com/office/drawing/2014/main" id="{40069317-0AB8-4A29-867D-EE6C9C9EC78A}"/>
+              </a:ext>
+            </a:extLst>
+          </p:cNvPr>
+          <p:cNvSpPr txBox="1"/>
+          <p:nvPr/>
+        </p:nvSpPr>
+        <p:spPr>
+          <a:xfrm>
+            <a:off x="9532475" y="1914522"/>
+            <a:ext cx="2262143" cy="584775"/>
+          </a:xfrm>
+          <a:prstGeom prst="rect">
+            <a:avLst/>
+          </a:prstGeom>
+          <a:noFill/>
+        </p:spPr>
+        <p:txBody>
+          <a:bodyPr wrap="square" rtlCol="0">
+            <a:spAutoFit/>
+          </a:bodyPr>
+          <a:lstStyle/>
+          <a:p>
+            <a:pPr algn="ctr"/>
+            <a:r>
+              <a:rPr lang="en-AU" sz="1600" b="1" dirty="0">
+                <a:latin typeface="Print Clearly" panose="00000400000000000000" pitchFamily="2" charset="0"/>
+              </a:rPr>
+              <a:t>ETH2 nodes watch for new deposits</a:t>
+            </a:r>
+          </a:p>
+        </p:txBody>
+      </p:sp>
+      <p:cxnSp>
+        <p:nvCxnSpPr>
+          <p:cNvPr id="79" name="Straight Arrow Connector 78">
+            <a:extLst>
+              <a:ext uri="{FF2B5EF4-FFF2-40B4-BE49-F238E27FC236}">
+                <a16:creationId xmlns:a16="http://schemas.microsoft.com/office/drawing/2014/main" id="{DADE9C38-43C0-4BBE-87DD-348CA9A8F264}"/>
+              </a:ext>
+            </a:extLst>
+          </p:cNvPr>
+          <p:cNvCxnSpPr>
+            <a:cxnSpLocks/>
+          </p:cNvCxnSpPr>
+          <p:nvPr/>
+        </p:nvCxnSpPr>
+        <p:spPr>
+          <a:xfrm>
+            <a:off x="103635" y="2918040"/>
+            <a:ext cx="12035025" cy="0"/>
+          </a:xfrm>
+          <a:prstGeom prst="straightConnector1">
+            <a:avLst/>
+          </a:prstGeom>
+          <a:ln w="31750">
+            <a:solidFill>
+              <a:schemeClr val="tx1"/>
+            </a:solidFill>
+            <a:prstDash val="lgDash"/>
+            <a:tailEnd type="none"/>
+          </a:ln>
+        </p:spPr>
+        <p:style>
+          <a:lnRef idx="3">
+            <a:schemeClr val="dk1"/>
+          </a:lnRef>
+          <a:fillRef idx="0">
+            <a:schemeClr val="dk1"/>
+          </a:fillRef>
+          <a:effectRef idx="2">
+            <a:schemeClr val="dk1"/>
+          </a:effectRef>
+          <a:fontRef idx="minor">
+            <a:schemeClr val="tx1"/>
+          </a:fontRef>
+        </p:style>
+      </p:cxnSp>
+      <p:sp>
+        <p:nvSpPr>
+          <p:cNvPr id="84" name="TextBox 83">
+            <a:extLst>
+              <a:ext uri="{FF2B5EF4-FFF2-40B4-BE49-F238E27FC236}">
+                <a16:creationId xmlns:a16="http://schemas.microsoft.com/office/drawing/2014/main" id="{6E5E5F18-FF46-49FE-8E57-DAF142D8E107}"/>
+              </a:ext>
+            </a:extLst>
+          </p:cNvPr>
+          <p:cNvSpPr txBox="1"/>
+          <p:nvPr/>
+        </p:nvSpPr>
+        <p:spPr>
+          <a:xfrm>
+            <a:off x="10779005" y="2198952"/>
+            <a:ext cx="1649491" cy="771558"/>
+          </a:xfrm>
+          <a:prstGeom prst="rect">
+            <a:avLst/>
+          </a:prstGeom>
+          <a:noFill/>
+        </p:spPr>
+        <p:txBody>
+          <a:bodyPr wrap="square" rtlCol="0">
+            <a:spAutoFit/>
+          </a:bodyPr>
+          <a:lstStyle/>
+          <a:p>
+            <a:pPr algn="ctr">
+              <a:lnSpc>
+                <a:spcPts val="6000"/>
+              </a:lnSpc>
+            </a:pPr>
+            <a:r>
+              <a:rPr lang="en-AU" sz="3200" b="1" dirty="0">
+                <a:latin typeface="Print Clearly" panose="00000400000000000000" pitchFamily="2" charset="0"/>
+              </a:rPr>
+              <a:t>ETH1</a:t>
+            </a:r>
+          </a:p>
+        </p:txBody>
+      </p:sp>
+      <p:sp>
+        <p:nvSpPr>
+          <p:cNvPr id="85" name="TextBox 84">
+            <a:extLst>
+              <a:ext uri="{FF2B5EF4-FFF2-40B4-BE49-F238E27FC236}">
+                <a16:creationId xmlns:a16="http://schemas.microsoft.com/office/drawing/2014/main" id="{736E03D9-7C17-4F62-A4EB-99A133621B10}"/>
+              </a:ext>
+            </a:extLst>
+          </p:cNvPr>
+          <p:cNvSpPr txBox="1"/>
+          <p:nvPr/>
+        </p:nvSpPr>
+        <p:spPr>
+          <a:xfrm>
+            <a:off x="10787904" y="2673723"/>
+            <a:ext cx="1649491" cy="771558"/>
+          </a:xfrm>
+          <a:prstGeom prst="rect">
+            <a:avLst/>
+          </a:prstGeom>
+          <a:noFill/>
+        </p:spPr>
+        <p:txBody>
+          <a:bodyPr wrap="square" rtlCol="0">
+            <a:spAutoFit/>
+          </a:bodyPr>
+          <a:lstStyle/>
+          <a:p>
+            <a:pPr algn="ctr">
+              <a:lnSpc>
+                <a:spcPts val="6000"/>
+              </a:lnSpc>
+            </a:pPr>
+            <a:r>
+              <a:rPr lang="en-AU" sz="3200" b="1" dirty="0">
+                <a:latin typeface="Print Clearly" panose="00000400000000000000" pitchFamily="2" charset="0"/>
+              </a:rPr>
+              <a:t>ETH2</a:t>
+            </a:r>
+          </a:p>
+        </p:txBody>
+      </p:sp>
+      <p:pic>
+        <p:nvPicPr>
+          <p:cNvPr id="88" name="Picture 87">
+            <a:extLst>
+              <a:ext uri="{FF2B5EF4-FFF2-40B4-BE49-F238E27FC236}">
+                <a16:creationId xmlns:a16="http://schemas.microsoft.com/office/drawing/2014/main" id="{A781CB39-5CFA-46F4-B86E-402F5ED8B396}"/>
+              </a:ext>
+            </a:extLst>
+          </p:cNvPr>
+          <p:cNvPicPr>
+            <a:picLocks noChangeAspect="1"/>
+          </p:cNvPicPr>
+          <p:nvPr/>
+        </p:nvPicPr>
+        <p:blipFill>
+          <a:blip r:embed="rId22"/>
+          <a:stretch>
+            <a:fillRect/>
+          </a:stretch>
+        </p:blipFill>
+        <p:spPr>
+          <a:xfrm>
+            <a:off x="7238959" y="2125917"/>
+            <a:ext cx="1990725" cy="419100"/>
+          </a:xfrm>
+          <a:prstGeom prst="rect">
+            <a:avLst/>
+          </a:prstGeom>
+        </p:spPr>
+      </p:pic>
+    </p:spTree>
+    <p:extLst>
+      <p:ext uri="{BB962C8B-B14F-4D97-AF65-F5344CB8AC3E}">
+        <p14:creationId xmlns:p14="http://schemas.microsoft.com/office/powerpoint/2010/main" val="2167348368"/>
+      </p:ext>
+    </p:extLst>
+  </p:cSld>
+  <p:clrMapOvr>
+    <a:masterClrMapping/>
+  </p:clrMapOvr>
+</p:sld>
+</file>
+
+<file path=ppt/slides/slide7.xml><?xml version="1.0" encoding="utf-8"?>
+<p:sld xmlns:a="http://schemas.openxmlformats.org/drawingml/2006/main" xmlns:r="http://schemas.openxmlformats.org/officeDocument/2006/relationships" xmlns:p="http://schemas.openxmlformats.org/presentationml/2006/main">
+  <p:cSld>
+    <p:spTree>
+      <p:nvGrpSpPr>
+        <p:cNvPr id="1" name=""/>
+        <p:cNvGrpSpPr/>
+        <p:nvPr/>
+      </p:nvGrpSpPr>
+      <p:grpSpPr>
+        <a:xfrm>
+          <a:off x="0" y="0"/>
+          <a:ext cx="0" cy="0"/>
+          <a:chOff x="0" y="0"/>
+          <a:chExt cx="0" cy="0"/>
+        </a:xfrm>
+      </p:grpSpPr>
+      <p:grpSp>
+        <p:nvGrpSpPr>
+          <p:cNvPr id="8" name="Group 7">
+            <a:extLst>
+              <a:ext uri="{FF2B5EF4-FFF2-40B4-BE49-F238E27FC236}">
+                <a16:creationId xmlns:a16="http://schemas.microsoft.com/office/drawing/2014/main" id="{CD12FEB9-4600-4DD6-B8FF-7D7E0AE237AA}"/>
+              </a:ext>
+            </a:extLst>
+          </p:cNvPr>
+          <p:cNvGrpSpPr/>
+          <p:nvPr/>
+        </p:nvGrpSpPr>
+        <p:grpSpPr>
+          <a:xfrm>
+            <a:off x="6851062" y="2032739"/>
+            <a:ext cx="1628196" cy="1578071"/>
+            <a:chOff x="741262" y="388288"/>
+            <a:chExt cx="3130973" cy="3034585"/>
+          </a:xfrm>
+        </p:grpSpPr>
+        <p:pic>
+          <p:nvPicPr>
+            <p:cNvPr id="9" name="Graphic 8">
+              <a:extLst>
+                <a:ext uri="{FF2B5EF4-FFF2-40B4-BE49-F238E27FC236}">
+                  <a16:creationId xmlns:a16="http://schemas.microsoft.com/office/drawing/2014/main" id="{A3E9F70B-FE03-40A4-907D-EEA4E046540F}"/>
+                </a:ext>
+              </a:extLst>
+            </p:cNvPr>
+            <p:cNvPicPr>
+              <a:picLocks noChangeAspect="1"/>
+            </p:cNvPicPr>
+            <p:nvPr/>
+          </p:nvPicPr>
+          <p:blipFill>
+            <a:blip r:embed="rId2">
+              <a:extLst>
+                <a:ext uri="{28A0092B-C50C-407E-A947-70E740481C1C}">
+                  <a14:useLocalDpi xmlns:a14="http://schemas.microsoft.com/office/drawing/2010/main" val="0"/>
+                </a:ext>
+                <a:ext uri="{96DAC541-7B7A-43D3-8B79-37D633B846F1}">
+                  <asvg:svgBlip xmlns:asvg="http://schemas.microsoft.com/office/drawing/2016/SVG/main" r:embed="rId3"/>
+                </a:ext>
+              </a:extLst>
+            </a:blip>
+            <a:stretch>
+              <a:fillRect/>
+            </a:stretch>
+          </p:blipFill>
+          <p:spPr>
+            <a:xfrm>
+              <a:off x="741262" y="388288"/>
+              <a:ext cx="3130973" cy="2629132"/>
+            </a:xfrm>
+            <a:prstGeom prst="rect">
+              <a:avLst/>
+            </a:prstGeom>
+          </p:spPr>
+        </p:pic>
+        <p:sp>
+          <p:nvSpPr>
+            <p:cNvPr id="10" name="Oval 9">
+              <a:extLst>
+                <a:ext uri="{FF2B5EF4-FFF2-40B4-BE49-F238E27FC236}">
+                  <a16:creationId xmlns:a16="http://schemas.microsoft.com/office/drawing/2014/main" id="{983F10B2-3827-4032-B444-01F3746B11BB}"/>
+                </a:ext>
+              </a:extLst>
+            </p:cNvPr>
+            <p:cNvSpPr/>
+            <p:nvPr/>
+          </p:nvSpPr>
+          <p:spPr>
+            <a:xfrm>
+              <a:off x="2446209" y="1996847"/>
+              <a:ext cx="1426026" cy="1426026"/>
+            </a:xfrm>
+            <a:prstGeom prst="ellipse">
+              <a:avLst/>
+            </a:prstGeom>
+            <a:solidFill>
+              <a:srgbClr val="24B0FF"/>
+            </a:solidFill>
+          </p:spPr>
+          <p:style>
+            <a:lnRef idx="1">
+              <a:schemeClr val="accent1"/>
+            </a:lnRef>
+            <a:fillRef idx="2">
+              <a:schemeClr val="accent1"/>
+            </a:fillRef>
+            <a:effectRef idx="1">
+              <a:schemeClr val="accent1"/>
+            </a:effectRef>
+            <a:fontRef idx="minor">
+              <a:schemeClr val="dk1"/>
+            </a:fontRef>
+          </p:style>
+          <p:txBody>
+            <a:bodyPr rtlCol="0" anchor="ctr"/>
+            <a:lstStyle/>
+            <a:p>
+              <a:pPr algn="ctr"/>
+              <a:endParaRPr lang="en-AU" b="1"/>
+            </a:p>
+          </p:txBody>
+        </p:sp>
+        <p:pic>
+          <p:nvPicPr>
+            <p:cNvPr id="11" name="Picture 10" descr="A red and white sign&#10;&#10;Description automatically generated">
+              <a:extLst>
+                <a:ext uri="{FF2B5EF4-FFF2-40B4-BE49-F238E27FC236}">
+                  <a16:creationId xmlns:a16="http://schemas.microsoft.com/office/drawing/2014/main" id="{F02C149A-E88B-4FE3-81F4-8C68619356F9}"/>
+                </a:ext>
+              </a:extLst>
+            </p:cNvPr>
+            <p:cNvPicPr>
+              <a:picLocks noChangeAspect="1"/>
+            </p:cNvPicPr>
+            <p:nvPr/>
+          </p:nvPicPr>
+          <p:blipFill>
+            <a:blip r:embed="rId4">
+              <a:extLst>
+                <a:ext uri="{28A0092B-C50C-407E-A947-70E740481C1C}">
+                  <a14:useLocalDpi xmlns:a14="http://schemas.microsoft.com/office/drawing/2010/main" val="0"/>
+                </a:ext>
+              </a:extLst>
+            </a:blip>
+            <a:stretch>
+              <a:fillRect/>
+            </a:stretch>
+          </p:blipFill>
+          <p:spPr>
+            <a:xfrm>
+              <a:off x="2617887" y="2162399"/>
+              <a:ext cx="1082670" cy="1082670"/>
+            </a:xfrm>
+            <a:prstGeom prst="rect">
+              <a:avLst/>
+            </a:prstGeom>
+          </p:spPr>
+        </p:pic>
+      </p:grpSp>
+      <p:cxnSp>
+        <p:nvCxnSpPr>
+          <p:cNvPr id="17" name="Straight Arrow Connector 16">
+            <a:extLst>
+              <a:ext uri="{FF2B5EF4-FFF2-40B4-BE49-F238E27FC236}">
+                <a16:creationId xmlns:a16="http://schemas.microsoft.com/office/drawing/2014/main" id="{4EEEC1E6-0E34-4EF3-92F9-3B1F90E7E989}"/>
+              </a:ext>
+            </a:extLst>
+          </p:cNvPr>
+          <p:cNvCxnSpPr>
+            <a:cxnSpLocks/>
+          </p:cNvCxnSpPr>
+          <p:nvPr/>
+        </p:nvCxnSpPr>
+        <p:spPr>
+          <a:xfrm flipV="1">
+            <a:off x="6092151" y="2727601"/>
+            <a:ext cx="762577" cy="1"/>
+          </a:xfrm>
+          <a:prstGeom prst="straightConnector1">
+            <a:avLst/>
+          </a:prstGeom>
+          <a:ln w="31750">
+            <a:tailEnd type="triangle"/>
+          </a:ln>
+        </p:spPr>
+        <p:style>
+          <a:lnRef idx="3">
+            <a:schemeClr val="dk1"/>
+          </a:lnRef>
+          <a:fillRef idx="0">
+            <a:schemeClr val="dk1"/>
+          </a:fillRef>
+          <a:effectRef idx="2">
+            <a:schemeClr val="dk1"/>
+          </a:effectRef>
+          <a:fontRef idx="minor">
+            <a:schemeClr val="tx1"/>
+          </a:fontRef>
+        </p:style>
+      </p:cxnSp>
+      <p:sp>
+        <p:nvSpPr>
+          <p:cNvPr id="39" name="TextBox 38">
+            <a:extLst>
+              <a:ext uri="{FF2B5EF4-FFF2-40B4-BE49-F238E27FC236}">
+                <a16:creationId xmlns:a16="http://schemas.microsoft.com/office/drawing/2014/main" id="{C4B40597-E915-4564-87D0-D6C9A11443C8}"/>
+              </a:ext>
+            </a:extLst>
+          </p:cNvPr>
+          <p:cNvSpPr txBox="1"/>
+          <p:nvPr/>
+        </p:nvSpPr>
+        <p:spPr>
+          <a:xfrm>
+            <a:off x="4515989" y="3518346"/>
+            <a:ext cx="1146340" cy="461665"/>
+          </a:xfrm>
+          <a:prstGeom prst="rect">
+            <a:avLst/>
+          </a:prstGeom>
+          <a:noFill/>
+        </p:spPr>
+        <p:txBody>
+          <a:bodyPr wrap="none" rtlCol="0">
+            <a:spAutoFit/>
+          </a:bodyPr>
+          <a:lstStyle/>
+          <a:p>
+            <a:pPr algn="ctr"/>
+            <a:r>
+              <a:rPr lang="en-AU" sz="2400" b="1" dirty="0">
+                <a:latin typeface="Print Clearly" panose="00000400000000000000" pitchFamily="2" charset="0"/>
+              </a:rPr>
+              <a:t>validator</a:t>
+            </a:r>
+          </a:p>
+        </p:txBody>
+      </p:sp>
+      <p:sp>
+        <p:nvSpPr>
+          <p:cNvPr id="41" name="TextBox 40">
+            <a:extLst>
+              <a:ext uri="{FF2B5EF4-FFF2-40B4-BE49-F238E27FC236}">
+                <a16:creationId xmlns:a16="http://schemas.microsoft.com/office/drawing/2014/main" id="{05D8E4F4-B7D8-43B3-B24E-1F307573569E}"/>
+              </a:ext>
+            </a:extLst>
+          </p:cNvPr>
+          <p:cNvSpPr txBox="1"/>
+          <p:nvPr/>
+        </p:nvSpPr>
+        <p:spPr>
+          <a:xfrm>
+            <a:off x="6888733" y="3522168"/>
+            <a:ext cx="1697901" cy="461665"/>
+          </a:xfrm>
+          <a:prstGeom prst="rect">
+            <a:avLst/>
+          </a:prstGeom>
+          <a:noFill/>
+        </p:spPr>
+        <p:txBody>
+          <a:bodyPr wrap="none" rtlCol="0">
+            <a:spAutoFit/>
+          </a:bodyPr>
+          <a:lstStyle/>
+          <a:p>
+            <a:pPr algn="ctr"/>
+            <a:r>
+              <a:rPr lang="en-AU" sz="2400" b="1" dirty="0">
+                <a:latin typeface="Print Clearly" panose="00000400000000000000" pitchFamily="2" charset="0"/>
+              </a:rPr>
+              <a:t>beacon chain</a:t>
+            </a:r>
+          </a:p>
+        </p:txBody>
+      </p:sp>
+      <p:cxnSp>
+        <p:nvCxnSpPr>
+          <p:cNvPr id="50" name="Straight Arrow Connector 49">
+            <a:extLst>
+              <a:ext uri="{FF2B5EF4-FFF2-40B4-BE49-F238E27FC236}">
+                <a16:creationId xmlns:a16="http://schemas.microsoft.com/office/drawing/2014/main" id="{EDB8BD11-732F-4737-B870-59A1D4BC0E34}"/>
+              </a:ext>
+            </a:extLst>
+          </p:cNvPr>
+          <p:cNvCxnSpPr>
+            <a:cxnSpLocks/>
+          </p:cNvCxnSpPr>
+          <p:nvPr/>
+        </p:nvCxnSpPr>
+        <p:spPr>
+          <a:xfrm>
+            <a:off x="8586634" y="2716351"/>
+            <a:ext cx="1286634" cy="0"/>
+          </a:xfrm>
+          <a:prstGeom prst="straightConnector1">
+            <a:avLst/>
+          </a:prstGeom>
+          <a:ln w="31750">
+            <a:tailEnd type="triangle"/>
+          </a:ln>
+        </p:spPr>
+        <p:style>
+          <a:lnRef idx="3">
+            <a:schemeClr val="dk1"/>
+          </a:lnRef>
+          <a:fillRef idx="0">
+            <a:schemeClr val="dk1"/>
+          </a:fillRef>
+          <a:effectRef idx="2">
+            <a:schemeClr val="dk1"/>
+          </a:effectRef>
+          <a:fontRef idx="minor">
+            <a:schemeClr val="tx1"/>
+          </a:fontRef>
+        </p:style>
+      </p:cxnSp>
+      <p:pic>
+        <p:nvPicPr>
+          <p:cNvPr id="61" name="Graphic 60">
+            <a:extLst>
+              <a:ext uri="{FF2B5EF4-FFF2-40B4-BE49-F238E27FC236}">
+                <a16:creationId xmlns:a16="http://schemas.microsoft.com/office/drawing/2014/main" id="{89C79DB6-947D-4CDA-BF91-CBA45AEB5B3B}"/>
+              </a:ext>
+            </a:extLst>
+          </p:cNvPr>
+          <p:cNvPicPr>
+            <a:picLocks noChangeAspect="1"/>
+          </p:cNvPicPr>
+          <p:nvPr/>
+        </p:nvPicPr>
+        <p:blipFill>
+          <a:blip r:embed="rId5">
+            <a:extLst>
+              <a:ext uri="{28A0092B-C50C-407E-A947-70E740481C1C}">
+                <a14:useLocalDpi xmlns:a14="http://schemas.microsoft.com/office/drawing/2010/main" val="0"/>
+              </a:ext>
+              <a:ext uri="{96DAC541-7B7A-43D3-8B79-37D633B846F1}">
+                <asvg:svgBlip xmlns:asvg="http://schemas.microsoft.com/office/drawing/2016/SVG/main" r:embed="rId6"/>
+              </a:ext>
+            </a:extLst>
+          </a:blip>
+          <a:stretch>
+            <a:fillRect/>
+          </a:stretch>
+        </p:blipFill>
+        <p:spPr>
+          <a:xfrm>
+            <a:off x="9842531" y="1660109"/>
+            <a:ext cx="1649491" cy="1649491"/>
+          </a:xfrm>
+          <a:prstGeom prst="rect">
+            <a:avLst/>
+          </a:prstGeom>
+        </p:spPr>
+      </p:pic>
+      <p:sp>
+        <p:nvSpPr>
+          <p:cNvPr id="65" name="TextBox 64">
+            <a:extLst>
+              <a:ext uri="{FF2B5EF4-FFF2-40B4-BE49-F238E27FC236}">
+                <a16:creationId xmlns:a16="http://schemas.microsoft.com/office/drawing/2014/main" id="{956D8416-70C7-4E16-959B-9F8339D658F5}"/>
+              </a:ext>
+            </a:extLst>
+          </p:cNvPr>
+          <p:cNvSpPr txBox="1"/>
+          <p:nvPr/>
+        </p:nvSpPr>
+        <p:spPr>
+          <a:xfrm>
+            <a:off x="8981351" y="3034973"/>
+            <a:ext cx="3371850" cy="1649491"/>
+          </a:xfrm>
+          <a:prstGeom prst="rect">
+            <a:avLst/>
+          </a:prstGeom>
+          <a:noFill/>
+        </p:spPr>
+        <p:txBody>
+          <a:bodyPr wrap="square" rtlCol="0">
+            <a:spAutoFit/>
+          </a:bodyPr>
+          <a:lstStyle/>
+          <a:p>
+            <a:pPr algn="ctr">
+              <a:lnSpc>
+                <a:spcPts val="6000"/>
+              </a:lnSpc>
+            </a:pPr>
+            <a:r>
+              <a:rPr lang="en-AU" sz="4800" b="1" dirty="0">
+                <a:latin typeface="Print Clearly" panose="00000400000000000000" pitchFamily="2" charset="0"/>
+              </a:rPr>
+              <a:t>ethereum</a:t>
+            </a:r>
+            <a:br>
+              <a:rPr lang="en-AU" sz="4800" b="1" dirty="0">
+                <a:latin typeface="Print Clearly" panose="00000400000000000000" pitchFamily="2" charset="0"/>
+              </a:rPr>
+            </a:br>
+            <a:r>
+              <a:rPr lang="en-AU" sz="4800" b="1" dirty="0">
+                <a:latin typeface="Print Clearly" panose="00000400000000000000" pitchFamily="2" charset="0"/>
+              </a:rPr>
+              <a:t>2.0</a:t>
+            </a:r>
+          </a:p>
+        </p:txBody>
+      </p:sp>
+      <p:grpSp>
+        <p:nvGrpSpPr>
+          <p:cNvPr id="43" name="Group 42">
+            <a:extLst>
+              <a:ext uri="{FF2B5EF4-FFF2-40B4-BE49-F238E27FC236}">
+                <a16:creationId xmlns:a16="http://schemas.microsoft.com/office/drawing/2014/main" id="{4F20827E-0A8C-473F-996C-35F562A28FB9}"/>
+              </a:ext>
+            </a:extLst>
+          </p:cNvPr>
+          <p:cNvGrpSpPr/>
+          <p:nvPr/>
+        </p:nvGrpSpPr>
+        <p:grpSpPr>
+          <a:xfrm>
+            <a:off x="4197335" y="2052780"/>
+            <a:ext cx="1628196" cy="1578071"/>
+            <a:chOff x="4840971" y="382162"/>
+            <a:chExt cx="3130973" cy="3034585"/>
+          </a:xfrm>
+        </p:grpSpPr>
+        <p:pic>
+          <p:nvPicPr>
+            <p:cNvPr id="44" name="Graphic 43">
+              <a:extLst>
+                <a:ext uri="{FF2B5EF4-FFF2-40B4-BE49-F238E27FC236}">
+                  <a16:creationId xmlns:a16="http://schemas.microsoft.com/office/drawing/2014/main" id="{3375C483-78F1-4B25-BBCA-FB679006D4D8}"/>
+                </a:ext>
+              </a:extLst>
+            </p:cNvPr>
+            <p:cNvPicPr>
+              <a:picLocks noChangeAspect="1"/>
+            </p:cNvPicPr>
+            <p:nvPr/>
+          </p:nvPicPr>
+          <p:blipFill>
+            <a:blip r:embed="rId2">
+              <a:extLst>
+                <a:ext uri="{28A0092B-C50C-407E-A947-70E740481C1C}">
+                  <a14:useLocalDpi xmlns:a14="http://schemas.microsoft.com/office/drawing/2010/main" val="0"/>
+                </a:ext>
+                <a:ext uri="{96DAC541-7B7A-43D3-8B79-37D633B846F1}">
+                  <asvg:svgBlip xmlns:asvg="http://schemas.microsoft.com/office/drawing/2016/SVG/main" r:embed="rId3"/>
+                </a:ext>
+              </a:extLst>
+            </a:blip>
+            <a:stretch>
+              <a:fillRect/>
+            </a:stretch>
+          </p:blipFill>
+          <p:spPr>
+            <a:xfrm>
+              <a:off x="4840971" y="382162"/>
+              <a:ext cx="3130973" cy="2629132"/>
+            </a:xfrm>
+            <a:prstGeom prst="rect">
+              <a:avLst/>
+            </a:prstGeom>
+          </p:spPr>
+        </p:pic>
+        <p:sp>
+          <p:nvSpPr>
+            <p:cNvPr id="45" name="Oval 44">
+              <a:extLst>
+                <a:ext uri="{FF2B5EF4-FFF2-40B4-BE49-F238E27FC236}">
+                  <a16:creationId xmlns:a16="http://schemas.microsoft.com/office/drawing/2014/main" id="{ECEDB67F-C5F1-4A41-856A-15DCB3C93C7F}"/>
+                </a:ext>
+              </a:extLst>
+            </p:cNvPr>
+            <p:cNvSpPr/>
+            <p:nvPr/>
+          </p:nvSpPr>
+          <p:spPr>
+            <a:xfrm>
+              <a:off x="6545918" y="1990721"/>
+              <a:ext cx="1426026" cy="1426026"/>
+            </a:xfrm>
+            <a:prstGeom prst="ellipse">
+              <a:avLst/>
+            </a:prstGeom>
+            <a:solidFill>
+              <a:srgbClr val="FFE596"/>
+            </a:solidFill>
+          </p:spPr>
+          <p:style>
+            <a:lnRef idx="1">
+              <a:schemeClr val="accent1"/>
+            </a:lnRef>
+            <a:fillRef idx="2">
+              <a:schemeClr val="accent1"/>
+            </a:fillRef>
+            <a:effectRef idx="1">
+              <a:schemeClr val="accent1"/>
+            </a:effectRef>
+            <a:fontRef idx="minor">
+              <a:schemeClr val="dk1"/>
+            </a:fontRef>
+          </p:style>
+          <p:txBody>
+            <a:bodyPr rtlCol="0" anchor="ctr"/>
+            <a:lstStyle/>
+            <a:p>
+              <a:pPr algn="ctr"/>
+              <a:endParaRPr lang="en-AU" b="1"/>
+            </a:p>
+          </p:txBody>
+        </p:sp>
+        <p:pic>
+          <p:nvPicPr>
+            <p:cNvPr id="46" name="Picture 45" descr="A picture containing dark, light, night, black&#10;&#10;Description automatically generated">
+              <a:extLst>
+                <a:ext uri="{FF2B5EF4-FFF2-40B4-BE49-F238E27FC236}">
+                  <a16:creationId xmlns:a16="http://schemas.microsoft.com/office/drawing/2014/main" id="{7957E2AF-BB49-4B69-9B99-163749ACB180}"/>
+                </a:ext>
+              </a:extLst>
+            </p:cNvPr>
+            <p:cNvPicPr>
+              <a:picLocks noChangeAspect="1"/>
+            </p:cNvPicPr>
+            <p:nvPr/>
+          </p:nvPicPr>
+          <p:blipFill>
+            <a:blip r:embed="rId7">
+              <a:extLst>
+                <a:ext uri="{28A0092B-C50C-407E-A947-70E740481C1C}">
+                  <a14:useLocalDpi xmlns:a14="http://schemas.microsoft.com/office/drawing/2010/main" val="0"/>
+                </a:ext>
+              </a:extLst>
+            </a:blip>
+            <a:stretch>
+              <a:fillRect/>
+            </a:stretch>
+          </p:blipFill>
+          <p:spPr>
+            <a:xfrm>
+              <a:off x="6697085" y="2141888"/>
+              <a:ext cx="1123692" cy="1123692"/>
+            </a:xfrm>
+            <a:prstGeom prst="rect">
+              <a:avLst/>
+            </a:prstGeom>
+          </p:spPr>
+        </p:pic>
+      </p:grpSp>
+      <p:sp>
+        <p:nvSpPr>
+          <p:cNvPr id="38" name="Rectangle 37">
+            <a:extLst>
+              <a:ext uri="{FF2B5EF4-FFF2-40B4-BE49-F238E27FC236}">
+                <a16:creationId xmlns:a16="http://schemas.microsoft.com/office/drawing/2014/main" id="{29E3728E-AE64-4B8E-984F-5341D251965D}"/>
+              </a:ext>
+            </a:extLst>
+          </p:cNvPr>
+          <p:cNvSpPr/>
+          <p:nvPr/>
+        </p:nvSpPr>
+        <p:spPr>
+          <a:xfrm>
             <a:off x="304800" y="1600200"/>
             <a:ext cx="8615375" cy="2766083"/>
           </a:xfrm>
@@ -11592,7 +13545,7 @@
 </p:sld>
 </file>
 
-<file path=ppt/slides/slide7.xml><?xml version="1.0" encoding="utf-8"?>
+<file path=ppt/slides/slide8.xml><?xml version="1.0" encoding="utf-8"?>
 <p:sld xmlns:a="http://schemas.openxmlformats.org/drawingml/2006/main" xmlns:r="http://schemas.openxmlformats.org/officeDocument/2006/relationships" xmlns:p="http://schemas.openxmlformats.org/presentationml/2006/main">
   <p:cSld>
     <p:spTree>
@@ -12604,7 +14557,7 @@
 </p:sld>
 </file>
 
-<file path=ppt/slides/slide8.xml><?xml version="1.0" encoding="utf-8"?>
+<file path=ppt/slides/slide9.xml><?xml version="1.0" encoding="utf-8"?>
 <p:sld xmlns:a="http://schemas.openxmlformats.org/drawingml/2006/main" xmlns:r="http://schemas.openxmlformats.org/officeDocument/2006/relationships" xmlns:p="http://schemas.openxmlformats.org/presentationml/2006/main">
   <p:cSld>
     <p:spTree>
@@ -13187,108 +15140,6 @@
     <p:extLst>
       <p:ext uri="{BB962C8B-B14F-4D97-AF65-F5344CB8AC3E}">
         <p14:creationId xmlns:p14="http://schemas.microsoft.com/office/powerpoint/2010/main" val="978491824"/>
-      </p:ext>
-    </p:extLst>
-  </p:cSld>
-  <p:clrMapOvr>
-    <a:masterClrMapping/>
-  </p:clrMapOvr>
-</p:sld>
-</file>
-
-<file path=ppt/slides/slide9.xml><?xml version="1.0" encoding="utf-8"?>
-<p:sld xmlns:a="http://schemas.openxmlformats.org/drawingml/2006/main" xmlns:r="http://schemas.openxmlformats.org/officeDocument/2006/relationships" xmlns:p="http://schemas.openxmlformats.org/presentationml/2006/main">
-  <p:cSld>
-    <p:spTree>
-      <p:nvGrpSpPr>
-        <p:cNvPr id="1" name=""/>
-        <p:cNvGrpSpPr/>
-        <p:nvPr/>
-      </p:nvGrpSpPr>
-      <p:grpSpPr>
-        <a:xfrm>
-          <a:off x="0" y="0"/>
-          <a:ext cx="0" cy="0"/>
-          <a:chOff x="0" y="0"/>
-          <a:chExt cx="0" cy="0"/>
-        </a:xfrm>
-      </p:grpSpPr>
-      <p:pic>
-        <p:nvPicPr>
-          <p:cNvPr id="4" name="Picture 3" descr="A close up of a logo&#10;&#10;Description automatically generated">
-            <a:extLst>
-              <a:ext uri="{FF2B5EF4-FFF2-40B4-BE49-F238E27FC236}">
-                <a16:creationId xmlns:a16="http://schemas.microsoft.com/office/drawing/2014/main" id="{74C2C7DB-0853-457C-809D-570C0B957A78}"/>
-              </a:ext>
-            </a:extLst>
-          </p:cNvPr>
-          <p:cNvPicPr>
-            <a:picLocks noChangeAspect="1"/>
-          </p:cNvPicPr>
-          <p:nvPr/>
-        </p:nvPicPr>
-        <p:blipFill>
-          <a:blip r:embed="rId2">
-            <a:extLst>
-              <a:ext uri="{28A0092B-C50C-407E-A947-70E740481C1C}">
-                <a14:useLocalDpi xmlns:a14="http://schemas.microsoft.com/office/drawing/2010/main" val="0"/>
-              </a:ext>
-            </a:extLst>
-          </a:blip>
-          <a:stretch>
-            <a:fillRect/>
-          </a:stretch>
-        </p:blipFill>
-        <p:spPr>
-          <a:xfrm>
-            <a:off x="2174195" y="742950"/>
-            <a:ext cx="5715000" cy="5372100"/>
-          </a:xfrm>
-          <a:prstGeom prst="rect">
-            <a:avLst/>
-          </a:prstGeom>
-        </p:spPr>
-      </p:pic>
-      <p:pic>
-        <p:nvPicPr>
-          <p:cNvPr id="3" name="Picture 2" descr="A picture containing dark, light, night, black&#10;&#10;Description automatically generated">
-            <a:extLst>
-              <a:ext uri="{FF2B5EF4-FFF2-40B4-BE49-F238E27FC236}">
-                <a16:creationId xmlns:a16="http://schemas.microsoft.com/office/drawing/2014/main" id="{36920FC1-D53C-4B63-9DC0-EADA6E6C73C8}"/>
-              </a:ext>
-            </a:extLst>
-          </p:cNvPr>
-          <p:cNvPicPr>
-            <a:picLocks noChangeAspect="1"/>
-          </p:cNvPicPr>
-          <p:nvPr/>
-        </p:nvPicPr>
-        <p:blipFill>
-          <a:blip r:embed="rId3">
-            <a:extLst>
-              <a:ext uri="{28A0092B-C50C-407E-A947-70E740481C1C}">
-                <a14:useLocalDpi xmlns:a14="http://schemas.microsoft.com/office/drawing/2010/main" val="0"/>
-              </a:ext>
-            </a:extLst>
-          </a:blip>
-          <a:stretch>
-            <a:fillRect/>
-          </a:stretch>
-        </p:blipFill>
-        <p:spPr>
-          <a:xfrm>
-            <a:off x="8760835" y="2305308"/>
-            <a:ext cx="1123692" cy="1123692"/>
-          </a:xfrm>
-          <a:prstGeom prst="rect">
-            <a:avLst/>
-          </a:prstGeom>
-        </p:spPr>
-      </p:pic>
-    </p:spTree>
-    <p:extLst>
-      <p:ext uri="{BB962C8B-B14F-4D97-AF65-F5344CB8AC3E}">
-        <p14:creationId xmlns:p14="http://schemas.microsoft.com/office/powerpoint/2010/main" val="2505051840"/>
       </p:ext>
     </p:extLst>
   </p:cSld>

--- a/website/static/img/Prysm_Docs.pptx
+++ b/website/static/img/Prysm_Docs.pptx
@@ -295,7 +295,7 @@
           <a:p>
             <a:fld id="{78ADB5D7-C4E8-44D3-88DB-0B39486893FA}" type="datetimeFigureOut">
               <a:rPr lang="en-AU" smtClean="0"/>
-              <a:t>1/05/2020</a:t>
+              <a:t>2/05/2020</a:t>
             </a:fld>
             <a:endParaRPr lang="en-AU"/>
           </a:p>
@@ -495,7 +495,7 @@
           <a:p>
             <a:fld id="{78ADB5D7-C4E8-44D3-88DB-0B39486893FA}" type="datetimeFigureOut">
               <a:rPr lang="en-AU" smtClean="0"/>
-              <a:t>1/05/2020</a:t>
+              <a:t>2/05/2020</a:t>
             </a:fld>
             <a:endParaRPr lang="en-AU"/>
           </a:p>
@@ -705,7 +705,7 @@
           <a:p>
             <a:fld id="{78ADB5D7-C4E8-44D3-88DB-0B39486893FA}" type="datetimeFigureOut">
               <a:rPr lang="en-AU" smtClean="0"/>
-              <a:t>1/05/2020</a:t>
+              <a:t>2/05/2020</a:t>
             </a:fld>
             <a:endParaRPr lang="en-AU"/>
           </a:p>
@@ -905,7 +905,7 @@
           <a:p>
             <a:fld id="{78ADB5D7-C4E8-44D3-88DB-0B39486893FA}" type="datetimeFigureOut">
               <a:rPr lang="en-AU" smtClean="0"/>
-              <a:t>1/05/2020</a:t>
+              <a:t>2/05/2020</a:t>
             </a:fld>
             <a:endParaRPr lang="en-AU"/>
           </a:p>
@@ -1181,7 +1181,7 @@
           <a:p>
             <a:fld id="{78ADB5D7-C4E8-44D3-88DB-0B39486893FA}" type="datetimeFigureOut">
               <a:rPr lang="en-AU" smtClean="0"/>
-              <a:t>1/05/2020</a:t>
+              <a:t>2/05/2020</a:t>
             </a:fld>
             <a:endParaRPr lang="en-AU"/>
           </a:p>
@@ -1449,7 +1449,7 @@
           <a:p>
             <a:fld id="{78ADB5D7-C4E8-44D3-88DB-0B39486893FA}" type="datetimeFigureOut">
               <a:rPr lang="en-AU" smtClean="0"/>
-              <a:t>1/05/2020</a:t>
+              <a:t>2/05/2020</a:t>
             </a:fld>
             <a:endParaRPr lang="en-AU"/>
           </a:p>
@@ -1864,7 +1864,7 @@
           <a:p>
             <a:fld id="{78ADB5D7-C4E8-44D3-88DB-0B39486893FA}" type="datetimeFigureOut">
               <a:rPr lang="en-AU" smtClean="0"/>
-              <a:t>1/05/2020</a:t>
+              <a:t>2/05/2020</a:t>
             </a:fld>
             <a:endParaRPr lang="en-AU"/>
           </a:p>
@@ -2006,7 +2006,7 @@
           <a:p>
             <a:fld id="{78ADB5D7-C4E8-44D3-88DB-0B39486893FA}" type="datetimeFigureOut">
               <a:rPr lang="en-AU" smtClean="0"/>
-              <a:t>1/05/2020</a:t>
+              <a:t>2/05/2020</a:t>
             </a:fld>
             <a:endParaRPr lang="en-AU"/>
           </a:p>
@@ -2119,7 +2119,7 @@
           <a:p>
             <a:fld id="{78ADB5D7-C4E8-44D3-88DB-0B39486893FA}" type="datetimeFigureOut">
               <a:rPr lang="en-AU" smtClean="0"/>
-              <a:t>1/05/2020</a:t>
+              <a:t>2/05/2020</a:t>
             </a:fld>
             <a:endParaRPr lang="en-AU"/>
           </a:p>
@@ -2432,7 +2432,7 @@
           <a:p>
             <a:fld id="{78ADB5D7-C4E8-44D3-88DB-0B39486893FA}" type="datetimeFigureOut">
               <a:rPr lang="en-AU" smtClean="0"/>
-              <a:t>1/05/2020</a:t>
+              <a:t>2/05/2020</a:t>
             </a:fld>
             <a:endParaRPr lang="en-AU"/>
           </a:p>
@@ -2721,7 +2721,7 @@
           <a:p>
             <a:fld id="{78ADB5D7-C4E8-44D3-88DB-0B39486893FA}" type="datetimeFigureOut">
               <a:rPr lang="en-AU" smtClean="0"/>
-              <a:t>1/05/2020</a:t>
+              <a:t>2/05/2020</a:t>
             </a:fld>
             <a:endParaRPr lang="en-AU"/>
           </a:p>
@@ -2964,7 +2964,7 @@
           <a:p>
             <a:fld id="{78ADB5D7-C4E8-44D3-88DB-0B39486893FA}" type="datetimeFigureOut">
               <a:rPr lang="en-AU" smtClean="0"/>
-              <a:t>1/05/2020</a:t>
+              <a:t>2/05/2020</a:t>
             </a:fld>
             <a:endParaRPr lang="en-AU"/>
           </a:p>
@@ -9443,98 +9443,119 @@
           </a:fontRef>
         </p:style>
       </p:cxnSp>
-      <p:pic>
-        <p:nvPicPr>
-          <p:cNvPr id="61" name="Graphic 60">
-            <a:extLst>
-              <a:ext uri="{FF2B5EF4-FFF2-40B4-BE49-F238E27FC236}">
-                <a16:creationId xmlns:a16="http://schemas.microsoft.com/office/drawing/2014/main" id="{89C79DB6-947D-4CDA-BF91-CBA45AEB5B3B}"/>
-              </a:ext>
-            </a:extLst>
-          </p:cNvPr>
-          <p:cNvPicPr>
-            <a:picLocks noChangeAspect="1"/>
-          </p:cNvPicPr>
-          <p:nvPr/>
-        </p:nvPicPr>
-        <p:blipFill>
-          <a:blip r:embed="rId5">
-            <a:extLst>
-              <a:ext uri="{28A0092B-C50C-407E-A947-70E740481C1C}">
-                <a14:useLocalDpi xmlns:a14="http://schemas.microsoft.com/office/drawing/2010/main" val="0"/>
-              </a:ext>
-              <a:ext uri="{96DAC541-7B7A-43D3-8B79-37D633B846F1}">
-                <asvg:svgBlip xmlns:asvg="http://schemas.microsoft.com/office/drawing/2016/SVG/main" r:embed="rId6"/>
-              </a:ext>
-            </a:extLst>
-          </a:blip>
-          <a:stretch>
-            <a:fillRect/>
-          </a:stretch>
-        </p:blipFill>
-        <p:spPr>
-          <a:xfrm>
-            <a:off x="9842531" y="1660109"/>
-            <a:ext cx="1649491" cy="1649491"/>
-          </a:xfrm>
-          <a:prstGeom prst="rect">
-            <a:avLst/>
-          </a:prstGeom>
-        </p:spPr>
-      </p:pic>
-      <p:sp>
-        <p:nvSpPr>
-          <p:cNvPr id="65" name="TextBox 64">
-            <a:extLst>
-              <a:ext uri="{FF2B5EF4-FFF2-40B4-BE49-F238E27FC236}">
-                <a16:creationId xmlns:a16="http://schemas.microsoft.com/office/drawing/2014/main" id="{956D8416-70C7-4E16-959B-9F8339D658F5}"/>
-              </a:ext>
-            </a:extLst>
-          </p:cNvPr>
-          <p:cNvSpPr txBox="1"/>
-          <p:nvPr/>
-        </p:nvSpPr>
-        <p:spPr>
-          <a:xfrm>
-            <a:off x="8981351" y="3034973"/>
-            <a:ext cx="3371850" cy="1649491"/>
-          </a:xfrm>
-          <a:prstGeom prst="rect">
-            <a:avLst/>
-          </a:prstGeom>
-          <a:noFill/>
-        </p:spPr>
-        <p:txBody>
-          <a:bodyPr wrap="square" rtlCol="0">
-            <a:spAutoFit/>
-          </a:bodyPr>
-          <a:lstStyle/>
-          <a:p>
-            <a:pPr algn="ctr">
-              <a:lnSpc>
-                <a:spcPts val="6000"/>
-              </a:lnSpc>
-            </a:pPr>
-            <a:r>
-              <a:rPr lang="en-AU" sz="4800" b="1" dirty="0">
-                <a:latin typeface="Print Clearly" panose="00000400000000000000" pitchFamily="2" charset="0"/>
-              </a:rPr>
-              <a:t>ethereum</a:t>
-            </a:r>
-            <a:br>
-              <a:rPr lang="en-AU" sz="4800" b="1" dirty="0">
-                <a:latin typeface="Print Clearly" panose="00000400000000000000" pitchFamily="2" charset="0"/>
-              </a:rPr>
-            </a:br>
-            <a:r>
-              <a:rPr lang="en-AU" sz="4800" b="1" dirty="0">
-                <a:latin typeface="Print Clearly" panose="00000400000000000000" pitchFamily="2" charset="0"/>
-              </a:rPr>
-              <a:t>2.0</a:t>
-            </a:r>
-          </a:p>
-        </p:txBody>
-      </p:sp>
+      <p:grpSp>
+        <p:nvGrpSpPr>
+          <p:cNvPr id="2" name="Group 1">
+            <a:extLst>
+              <a:ext uri="{FF2B5EF4-FFF2-40B4-BE49-F238E27FC236}">
+                <a16:creationId xmlns:a16="http://schemas.microsoft.com/office/drawing/2014/main" id="{4D1E6287-A792-4375-A195-2B61895588ED}"/>
+              </a:ext>
+            </a:extLst>
+          </p:cNvPr>
+          <p:cNvGrpSpPr/>
+          <p:nvPr/>
+        </p:nvGrpSpPr>
+        <p:grpSpPr>
+          <a:xfrm>
+            <a:off x="8981351" y="1660109"/>
+            <a:ext cx="3371850" cy="3024355"/>
+            <a:chOff x="8981351" y="1660109"/>
+            <a:chExt cx="3371850" cy="3024355"/>
+          </a:xfrm>
+        </p:grpSpPr>
+        <p:pic>
+          <p:nvPicPr>
+            <p:cNvPr id="61" name="Graphic 60">
+              <a:extLst>
+                <a:ext uri="{FF2B5EF4-FFF2-40B4-BE49-F238E27FC236}">
+                  <a16:creationId xmlns:a16="http://schemas.microsoft.com/office/drawing/2014/main" id="{89C79DB6-947D-4CDA-BF91-CBA45AEB5B3B}"/>
+                </a:ext>
+              </a:extLst>
+            </p:cNvPr>
+            <p:cNvPicPr>
+              <a:picLocks noChangeAspect="1"/>
+            </p:cNvPicPr>
+            <p:nvPr/>
+          </p:nvPicPr>
+          <p:blipFill>
+            <a:blip r:embed="rId5">
+              <a:extLst>
+                <a:ext uri="{28A0092B-C50C-407E-A947-70E740481C1C}">
+                  <a14:useLocalDpi xmlns:a14="http://schemas.microsoft.com/office/drawing/2010/main" val="0"/>
+                </a:ext>
+                <a:ext uri="{96DAC541-7B7A-43D3-8B79-37D633B846F1}">
+                  <asvg:svgBlip xmlns:asvg="http://schemas.microsoft.com/office/drawing/2016/SVG/main" r:embed="rId6"/>
+                </a:ext>
+              </a:extLst>
+            </a:blip>
+            <a:stretch>
+              <a:fillRect/>
+            </a:stretch>
+          </p:blipFill>
+          <p:spPr>
+            <a:xfrm>
+              <a:off x="9842531" y="1660109"/>
+              <a:ext cx="1649491" cy="1649491"/>
+            </a:xfrm>
+            <a:prstGeom prst="rect">
+              <a:avLst/>
+            </a:prstGeom>
+          </p:spPr>
+        </p:pic>
+        <p:sp>
+          <p:nvSpPr>
+            <p:cNvPr id="65" name="TextBox 64">
+              <a:extLst>
+                <a:ext uri="{FF2B5EF4-FFF2-40B4-BE49-F238E27FC236}">
+                  <a16:creationId xmlns:a16="http://schemas.microsoft.com/office/drawing/2014/main" id="{956D8416-70C7-4E16-959B-9F8339D658F5}"/>
+                </a:ext>
+              </a:extLst>
+            </p:cNvPr>
+            <p:cNvSpPr txBox="1"/>
+            <p:nvPr/>
+          </p:nvSpPr>
+          <p:spPr>
+            <a:xfrm>
+              <a:off x="8981351" y="3034973"/>
+              <a:ext cx="3371850" cy="1649491"/>
+            </a:xfrm>
+            <a:prstGeom prst="rect">
+              <a:avLst/>
+            </a:prstGeom>
+            <a:noFill/>
+          </p:spPr>
+          <p:txBody>
+            <a:bodyPr wrap="square" rtlCol="0">
+              <a:spAutoFit/>
+            </a:bodyPr>
+            <a:lstStyle/>
+            <a:p>
+              <a:pPr algn="ctr">
+                <a:lnSpc>
+                  <a:spcPts val="6000"/>
+                </a:lnSpc>
+              </a:pPr>
+              <a:r>
+                <a:rPr lang="en-AU" sz="4800" b="1" dirty="0">
+                  <a:latin typeface="Print Clearly" panose="00000400000000000000" pitchFamily="2" charset="0"/>
+                </a:rPr>
+                <a:t>ethereum</a:t>
+              </a:r>
+              <a:br>
+                <a:rPr lang="en-AU" sz="4800" b="1" dirty="0">
+                  <a:latin typeface="Print Clearly" panose="00000400000000000000" pitchFamily="2" charset="0"/>
+                </a:rPr>
+              </a:br>
+              <a:r>
+                <a:rPr lang="en-AU" sz="4800" b="1" dirty="0">
+                  <a:latin typeface="Print Clearly" panose="00000400000000000000" pitchFamily="2" charset="0"/>
+                </a:rPr>
+                <a:t>2.0</a:t>
+              </a:r>
+            </a:p>
+          </p:txBody>
+        </p:sp>
+      </p:grpSp>
       <p:grpSp>
         <p:nvGrpSpPr>
           <p:cNvPr id="43" name="Group 42">
@@ -10031,42 +10052,6 @@
           </a:p>
         </p:txBody>
       </p:sp>
-      <p:pic>
-        <p:nvPicPr>
-          <p:cNvPr id="35" name="Picture 34" descr="A picture containing drawing&#10;&#10;Description automatically generated">
-            <a:extLst>
-              <a:ext uri="{FF2B5EF4-FFF2-40B4-BE49-F238E27FC236}">
-                <a16:creationId xmlns:a16="http://schemas.microsoft.com/office/drawing/2014/main" id="{5930B816-372D-47C7-83CE-282D0CD1FF17}"/>
-              </a:ext>
-            </a:extLst>
-          </p:cNvPr>
-          <p:cNvPicPr>
-            <a:picLocks noChangeAspect="1"/>
-          </p:cNvPicPr>
-          <p:nvPr/>
-        </p:nvPicPr>
-        <p:blipFill>
-          <a:blip r:embed="rId12">
-            <a:extLst>
-              <a:ext uri="{28A0092B-C50C-407E-A947-70E740481C1C}">
-                <a14:useLocalDpi xmlns:a14="http://schemas.microsoft.com/office/drawing/2010/main" val="0"/>
-              </a:ext>
-            </a:extLst>
-          </a:blip>
-          <a:stretch>
-            <a:fillRect/>
-          </a:stretch>
-        </p:blipFill>
-        <p:spPr>
-          <a:xfrm>
-            <a:off x="3209179" y="2041814"/>
-            <a:ext cx="806886" cy="528649"/>
-          </a:xfrm>
-          <a:prstGeom prst="rect">
-            <a:avLst/>
-          </a:prstGeom>
-        </p:spPr>
-      </p:pic>
       <p:sp>
         <p:nvSpPr>
           <p:cNvPr id="36" name="TextBox 35">
@@ -10081,7 +10066,7 @@
         </p:nvSpPr>
         <p:spPr>
           <a:xfrm>
-            <a:off x="1048459" y="2032501"/>
+            <a:off x="541144" y="2017177"/>
             <a:ext cx="2160720" cy="461665"/>
           </a:xfrm>
           <a:prstGeom prst="rect">
@@ -10095,7 +10080,6 @@
           </a:bodyPr>
           <a:lstStyle/>
           <a:p>
-            <a:pPr algn="ctr"/>
             <a:r>
               <a:rPr lang="en-AU" sz="2400" b="1" dirty="0">
                 <a:latin typeface="Print Clearly" panose="00000400000000000000" pitchFamily="2" charset="0"/>
@@ -10120,13 +10104,13 @@
           <p:nvPr/>
         </p:nvPicPr>
         <p:blipFill>
-          <a:blip r:embed="rId13">
+          <a:blip r:embed="rId12">
             <a:extLst>
               <a:ext uri="{28A0092B-C50C-407E-A947-70E740481C1C}">
                 <a14:useLocalDpi xmlns:a14="http://schemas.microsoft.com/office/drawing/2010/main" val="0"/>
               </a:ext>
               <a:ext uri="{96DAC541-7B7A-43D3-8B79-37D633B846F1}">
-                <asvg:svgBlip xmlns:asvg="http://schemas.microsoft.com/office/drawing/2016/SVG/main" r:embed="rId14"/>
+                <asvg:svgBlip xmlns:asvg="http://schemas.microsoft.com/office/drawing/2016/SVG/main" r:embed="rId13"/>
               </a:ext>
             </a:extLst>
           </a:blip>
@@ -10226,6 +10210,136 @@
           </a:fontRef>
         </p:style>
       </p:cxnSp>
+      <p:grpSp>
+        <p:nvGrpSpPr>
+          <p:cNvPr id="3" name="Group 2">
+            <a:extLst>
+              <a:ext uri="{FF2B5EF4-FFF2-40B4-BE49-F238E27FC236}">
+                <a16:creationId xmlns:a16="http://schemas.microsoft.com/office/drawing/2014/main" id="{1CFC14C7-0A49-4246-8A21-6453C3052BB0}"/>
+              </a:ext>
+            </a:extLst>
+          </p:cNvPr>
+          <p:cNvGrpSpPr/>
+          <p:nvPr/>
+        </p:nvGrpSpPr>
+        <p:grpSpPr>
+          <a:xfrm>
+            <a:off x="2994057" y="1704131"/>
+            <a:ext cx="1211614" cy="874206"/>
+            <a:chOff x="2199929" y="4477109"/>
+            <a:chExt cx="1211614" cy="874206"/>
+          </a:xfrm>
+        </p:grpSpPr>
+        <p:pic>
+          <p:nvPicPr>
+            <p:cNvPr id="34" name="Picture 33" descr="A picture containing drawing&#10;&#10;Description automatically generated">
+              <a:extLst>
+                <a:ext uri="{FF2B5EF4-FFF2-40B4-BE49-F238E27FC236}">
+                  <a16:creationId xmlns:a16="http://schemas.microsoft.com/office/drawing/2014/main" id="{0C05D303-BBD8-46C4-992C-B7D348F77CFF}"/>
+                </a:ext>
+              </a:extLst>
+            </p:cNvPr>
+            <p:cNvPicPr>
+              <a:picLocks noChangeAspect="1"/>
+            </p:cNvPicPr>
+            <p:nvPr/>
+          </p:nvPicPr>
+          <p:blipFill>
+            <a:blip r:embed="rId14">
+              <a:extLst>
+                <a:ext uri="{28A0092B-C50C-407E-A947-70E740481C1C}">
+                  <a14:useLocalDpi xmlns:a14="http://schemas.microsoft.com/office/drawing/2010/main" val="0"/>
+                </a:ext>
+              </a:extLst>
+            </a:blip>
+            <a:stretch>
+              <a:fillRect/>
+            </a:stretch>
+          </p:blipFill>
+          <p:spPr>
+            <a:xfrm>
+              <a:off x="2403805" y="4822666"/>
+              <a:ext cx="806886" cy="528649"/>
+            </a:xfrm>
+            <a:prstGeom prst="rect">
+              <a:avLst/>
+            </a:prstGeom>
+          </p:spPr>
+        </p:pic>
+        <p:pic>
+          <p:nvPicPr>
+            <p:cNvPr id="40" name="Picture 39" descr="A close up of a logo&#10;&#10;Description automatically generated">
+              <a:extLst>
+                <a:ext uri="{FF2B5EF4-FFF2-40B4-BE49-F238E27FC236}">
+                  <a16:creationId xmlns:a16="http://schemas.microsoft.com/office/drawing/2014/main" id="{7A77EF60-6F81-41F9-8E4A-1AD816623996}"/>
+                </a:ext>
+              </a:extLst>
+            </p:cNvPr>
+            <p:cNvPicPr>
+              <a:picLocks noChangeAspect="1"/>
+            </p:cNvPicPr>
+            <p:nvPr/>
+          </p:nvPicPr>
+          <p:blipFill>
+            <a:blip r:embed="rId15">
+              <a:extLst>
+                <a:ext uri="{28A0092B-C50C-407E-A947-70E740481C1C}">
+                  <a14:useLocalDpi xmlns:a14="http://schemas.microsoft.com/office/drawing/2010/main" val="0"/>
+                </a:ext>
+              </a:extLst>
+            </a:blip>
+            <a:stretch>
+              <a:fillRect/>
+            </a:stretch>
+          </p:blipFill>
+          <p:spPr>
+            <a:xfrm>
+              <a:off x="2646411" y="4955806"/>
+              <a:ext cx="354560" cy="354560"/>
+            </a:xfrm>
+            <a:prstGeom prst="rect">
+              <a:avLst/>
+            </a:prstGeom>
+          </p:spPr>
+        </p:pic>
+        <p:sp>
+          <p:nvSpPr>
+            <p:cNvPr id="49" name="Rectangle 48">
+              <a:extLst>
+                <a:ext uri="{FF2B5EF4-FFF2-40B4-BE49-F238E27FC236}">
+                  <a16:creationId xmlns:a16="http://schemas.microsoft.com/office/drawing/2014/main" id="{E463A816-F1B8-49D0-890F-82231823C1C6}"/>
+                </a:ext>
+              </a:extLst>
+            </p:cNvPr>
+            <p:cNvSpPr/>
+            <p:nvPr/>
+          </p:nvSpPr>
+          <p:spPr>
+            <a:xfrm>
+              <a:off x="2199929" y="4477109"/>
+              <a:ext cx="1211614" cy="369332"/>
+            </a:xfrm>
+            <a:prstGeom prst="rect">
+              <a:avLst/>
+            </a:prstGeom>
+          </p:spPr>
+          <p:txBody>
+            <a:bodyPr wrap="none">
+              <a:spAutoFit/>
+            </a:bodyPr>
+            <a:lstStyle/>
+            <a:p>
+              <a:r>
+                <a:rPr lang="en-AU" b="1" dirty="0">
+                  <a:latin typeface="Print Clearly" panose="00000400000000000000" pitchFamily="2" charset="0"/>
+                </a:rPr>
+                <a:t>ETH2 Wallet</a:t>
+              </a:r>
+              <a:endParaRPr lang="en-AU" dirty="0"/>
+            </a:p>
+          </p:txBody>
+        </p:sp>
+      </p:grpSp>
     </p:spTree>
     <p:extLst>
       <p:ext uri="{BB962C8B-B14F-4D97-AF65-F5344CB8AC3E}">
@@ -10270,8 +10384,8 @@
         </p:nvSpPr>
         <p:spPr>
           <a:xfrm>
-            <a:off x="638735" y="1683265"/>
-            <a:ext cx="3052566" cy="584775"/>
+            <a:off x="3741885" y="2959833"/>
+            <a:ext cx="2433011" cy="338554"/>
           </a:xfrm>
           <a:prstGeom prst="rect">
             <a:avLst/>
@@ -10289,16 +10403,7 @@
               <a:rPr lang="en-AU" sz="1600" b="1" dirty="0">
                 <a:latin typeface="Print Clearly" panose="00000400000000000000" pitchFamily="2" charset="0"/>
               </a:rPr>
-              <a:t>Raw Transaction Data </a:t>
-            </a:r>
-          </a:p>
-          <a:p>
-            <a:pPr algn="ctr"/>
-            <a:r>
-              <a:rPr lang="en-AU" sz="1600" b="1" dirty="0">
-                <a:latin typeface="Print Clearly" panose="00000400000000000000" pitchFamily="2" charset="0"/>
-              </a:rPr>
-              <a:t>is derived from validator keys</a:t>
+              <a:t>ETH2 wallet identifier</a:t>
             </a:r>
           </a:p>
         </p:txBody>
@@ -10317,8 +10422,8 @@
         </p:nvSpPr>
         <p:spPr>
           <a:xfrm>
-            <a:off x="3549316" y="253178"/>
-            <a:ext cx="2749605" cy="2441602"/>
+            <a:off x="3569194" y="2122322"/>
+            <a:ext cx="2749605" cy="1315407"/>
           </a:xfrm>
           <a:prstGeom prst="rect">
             <a:avLst/>
@@ -10357,10 +10462,10 @@
       </p:sp>
       <p:grpSp>
         <p:nvGrpSpPr>
-          <p:cNvPr id="8" name="Group 7">
-            <a:extLst>
-              <a:ext uri="{FF2B5EF4-FFF2-40B4-BE49-F238E27FC236}">
-                <a16:creationId xmlns:a16="http://schemas.microsoft.com/office/drawing/2014/main" id="{CD12FEB9-4600-4DD6-B8FF-7D7E0AE237AA}"/>
+          <p:cNvPr id="51" name="Group 50">
+            <a:extLst>
+              <a:ext uri="{FF2B5EF4-FFF2-40B4-BE49-F238E27FC236}">
+                <a16:creationId xmlns:a16="http://schemas.microsoft.com/office/drawing/2014/main" id="{876B8BD6-48F4-4303-ABC5-9A0D8020A7FD}"/>
               </a:ext>
             </a:extLst>
           </p:cNvPr>
@@ -10369,18 +10474,18 @@
         </p:nvGrpSpPr>
         <p:grpSpPr>
           <a:xfrm>
-            <a:off x="6851062" y="3457434"/>
-            <a:ext cx="1628196" cy="1578071"/>
-            <a:chOff x="741262" y="388288"/>
-            <a:chExt cx="3130973" cy="3034585"/>
+            <a:off x="9367604" y="3797969"/>
+            <a:ext cx="2590174" cy="2346274"/>
+            <a:chOff x="8981351" y="3827754"/>
+            <a:chExt cx="3371850" cy="3054345"/>
           </a:xfrm>
         </p:grpSpPr>
         <p:pic>
           <p:nvPicPr>
-            <p:cNvPr id="9" name="Graphic 8">
+            <p:cNvPr id="61" name="Graphic 60">
               <a:extLst>
                 <a:ext uri="{FF2B5EF4-FFF2-40B4-BE49-F238E27FC236}">
-                  <a16:creationId xmlns:a16="http://schemas.microsoft.com/office/drawing/2014/main" id="{A3E9F70B-FE03-40A4-907D-EEA4E046540F}"/>
+                  <a16:creationId xmlns:a16="http://schemas.microsoft.com/office/drawing/2014/main" id="{89C79DB6-947D-4CDA-BF91-CBA45AEB5B3B}"/>
                 </a:ext>
               </a:extLst>
             </p:cNvPr>
@@ -10406,8 +10511,8 @@
           </p:blipFill>
           <p:spPr>
             <a:xfrm>
-              <a:off x="741262" y="388288"/>
-              <a:ext cx="3130973" cy="2629132"/>
+              <a:off x="9842531" y="3827754"/>
+              <a:ext cx="1649491" cy="1649491"/>
             </a:xfrm>
             <a:prstGeom prst="rect">
               <a:avLst/>
@@ -10416,480 +10521,57 @@
         </p:pic>
         <p:sp>
           <p:nvSpPr>
-            <p:cNvPr id="10" name="Oval 9">
+            <p:cNvPr id="65" name="TextBox 64">
               <a:extLst>
                 <a:ext uri="{FF2B5EF4-FFF2-40B4-BE49-F238E27FC236}">
-                  <a16:creationId xmlns:a16="http://schemas.microsoft.com/office/drawing/2014/main" id="{983F10B2-3827-4032-B444-01F3746B11BB}"/>
+                  <a16:creationId xmlns:a16="http://schemas.microsoft.com/office/drawing/2014/main" id="{956D8416-70C7-4E16-959B-9F8339D658F5}"/>
                 </a:ext>
               </a:extLst>
             </p:cNvPr>
-            <p:cNvSpPr/>
+            <p:cNvSpPr txBox="1"/>
             <p:nvPr/>
           </p:nvSpPr>
           <p:spPr>
             <a:xfrm>
-              <a:off x="2446209" y="1996847"/>
-              <a:ext cx="1426026" cy="1426026"/>
-            </a:xfrm>
-            <a:prstGeom prst="ellipse">
-              <a:avLst/>
-            </a:prstGeom>
-            <a:solidFill>
-              <a:srgbClr val="24B0FF"/>
-            </a:solidFill>
-          </p:spPr>
-          <p:style>
-            <a:lnRef idx="1">
-              <a:schemeClr val="accent1"/>
-            </a:lnRef>
-            <a:fillRef idx="2">
-              <a:schemeClr val="accent1"/>
-            </a:fillRef>
-            <a:effectRef idx="1">
-              <a:schemeClr val="accent1"/>
-            </a:effectRef>
-            <a:fontRef idx="minor">
-              <a:schemeClr val="dk1"/>
-            </a:fontRef>
-          </p:style>
-          <p:txBody>
-            <a:bodyPr rtlCol="0" anchor="ctr"/>
-            <a:lstStyle/>
-            <a:p>
-              <a:pPr algn="ctr"/>
-              <a:endParaRPr lang="en-AU" b="1"/>
-            </a:p>
-          </p:txBody>
-        </p:sp>
-        <p:pic>
-          <p:nvPicPr>
-            <p:cNvPr id="11" name="Picture 10" descr="A red and white sign&#10;&#10;Description automatically generated">
-              <a:extLst>
-                <a:ext uri="{FF2B5EF4-FFF2-40B4-BE49-F238E27FC236}">
-                  <a16:creationId xmlns:a16="http://schemas.microsoft.com/office/drawing/2014/main" id="{F02C149A-E88B-4FE3-81F4-8C68619356F9}"/>
-                </a:ext>
-              </a:extLst>
-            </p:cNvPr>
-            <p:cNvPicPr>
-              <a:picLocks noChangeAspect="1"/>
-            </p:cNvPicPr>
-            <p:nvPr/>
-          </p:nvPicPr>
-          <p:blipFill>
-            <a:blip r:embed="rId4">
-              <a:extLst>
-                <a:ext uri="{28A0092B-C50C-407E-A947-70E740481C1C}">
-                  <a14:useLocalDpi xmlns:a14="http://schemas.microsoft.com/office/drawing/2010/main" val="0"/>
-                </a:ext>
-              </a:extLst>
-            </a:blip>
-            <a:stretch>
-              <a:fillRect/>
-            </a:stretch>
-          </p:blipFill>
-          <p:spPr>
-            <a:xfrm>
-              <a:off x="2617887" y="2162399"/>
-              <a:ext cx="1082670" cy="1082670"/>
+              <a:off x="8981351" y="5151588"/>
+              <a:ext cx="3371850" cy="1730511"/>
             </a:xfrm>
             <a:prstGeom prst="rect">
               <a:avLst/>
             </a:prstGeom>
+            <a:noFill/>
           </p:spPr>
-        </p:pic>
-      </p:grpSp>
-      <p:cxnSp>
-        <p:nvCxnSpPr>
-          <p:cNvPr id="17" name="Straight Arrow Connector 16">
-            <a:extLst>
-              <a:ext uri="{FF2B5EF4-FFF2-40B4-BE49-F238E27FC236}">
-                <a16:creationId xmlns:a16="http://schemas.microsoft.com/office/drawing/2014/main" id="{4EEEC1E6-0E34-4EF3-92F9-3B1F90E7E989}"/>
-              </a:ext>
-            </a:extLst>
-          </p:cNvPr>
-          <p:cNvCxnSpPr>
-            <a:cxnSpLocks/>
-          </p:cNvCxnSpPr>
-          <p:nvPr/>
-        </p:nvCxnSpPr>
-        <p:spPr>
-          <a:xfrm flipV="1">
-            <a:off x="6092151" y="4152296"/>
-            <a:ext cx="762577" cy="1"/>
-          </a:xfrm>
-          <a:prstGeom prst="straightConnector1">
-            <a:avLst/>
-          </a:prstGeom>
-          <a:ln w="31750">
-            <a:tailEnd type="triangle"/>
-          </a:ln>
-        </p:spPr>
-        <p:style>
-          <a:lnRef idx="3">
-            <a:schemeClr val="dk1"/>
-          </a:lnRef>
-          <a:fillRef idx="0">
-            <a:schemeClr val="dk1"/>
-          </a:fillRef>
-          <a:effectRef idx="2">
-            <a:schemeClr val="dk1"/>
-          </a:effectRef>
-          <a:fontRef idx="minor">
-            <a:schemeClr val="tx1"/>
-          </a:fontRef>
-        </p:style>
-      </p:cxnSp>
-      <p:sp>
-        <p:nvSpPr>
-          <p:cNvPr id="39" name="TextBox 38">
-            <a:extLst>
-              <a:ext uri="{FF2B5EF4-FFF2-40B4-BE49-F238E27FC236}">
-                <a16:creationId xmlns:a16="http://schemas.microsoft.com/office/drawing/2014/main" id="{C4B40597-E915-4564-87D0-D6C9A11443C8}"/>
-              </a:ext>
-            </a:extLst>
-          </p:cNvPr>
-          <p:cNvSpPr txBox="1"/>
-          <p:nvPr/>
-        </p:nvSpPr>
-        <p:spPr>
-          <a:xfrm>
-            <a:off x="4515989" y="4943041"/>
-            <a:ext cx="1146340" cy="461665"/>
-          </a:xfrm>
-          <a:prstGeom prst="rect">
-            <a:avLst/>
-          </a:prstGeom>
-          <a:noFill/>
-        </p:spPr>
-        <p:txBody>
-          <a:bodyPr wrap="none" rtlCol="0">
-            <a:spAutoFit/>
-          </a:bodyPr>
-          <a:lstStyle/>
-          <a:p>
-            <a:pPr algn="ctr"/>
-            <a:r>
-              <a:rPr lang="en-AU" sz="2400" b="1" dirty="0">
-                <a:latin typeface="Print Clearly" panose="00000400000000000000" pitchFamily="2" charset="0"/>
-              </a:rPr>
-              <a:t>validator</a:t>
-            </a:r>
-          </a:p>
-        </p:txBody>
-      </p:sp>
-      <p:sp>
-        <p:nvSpPr>
-          <p:cNvPr id="41" name="TextBox 40">
-            <a:extLst>
-              <a:ext uri="{FF2B5EF4-FFF2-40B4-BE49-F238E27FC236}">
-                <a16:creationId xmlns:a16="http://schemas.microsoft.com/office/drawing/2014/main" id="{05D8E4F4-B7D8-43B3-B24E-1F307573569E}"/>
-              </a:ext>
-            </a:extLst>
-          </p:cNvPr>
-          <p:cNvSpPr txBox="1"/>
-          <p:nvPr/>
-        </p:nvSpPr>
-        <p:spPr>
-          <a:xfrm>
-            <a:off x="6888733" y="4946863"/>
-            <a:ext cx="1697901" cy="461665"/>
-          </a:xfrm>
-          <a:prstGeom prst="rect">
-            <a:avLst/>
-          </a:prstGeom>
-          <a:noFill/>
-        </p:spPr>
-        <p:txBody>
-          <a:bodyPr wrap="none" rtlCol="0">
-            <a:spAutoFit/>
-          </a:bodyPr>
-          <a:lstStyle/>
-          <a:p>
-            <a:pPr algn="ctr"/>
-            <a:r>
-              <a:rPr lang="en-AU" sz="2400" b="1" dirty="0">
-                <a:latin typeface="Print Clearly" panose="00000400000000000000" pitchFamily="2" charset="0"/>
-              </a:rPr>
-              <a:t>beacon chain</a:t>
-            </a:r>
-          </a:p>
-        </p:txBody>
-      </p:sp>
-      <p:cxnSp>
-        <p:nvCxnSpPr>
-          <p:cNvPr id="50" name="Straight Arrow Connector 49">
-            <a:extLst>
-              <a:ext uri="{FF2B5EF4-FFF2-40B4-BE49-F238E27FC236}">
-                <a16:creationId xmlns:a16="http://schemas.microsoft.com/office/drawing/2014/main" id="{EDB8BD11-732F-4737-B870-59A1D4BC0E34}"/>
-              </a:ext>
-            </a:extLst>
-          </p:cNvPr>
-          <p:cNvCxnSpPr>
-            <a:cxnSpLocks/>
-          </p:cNvCxnSpPr>
-          <p:nvPr/>
-        </p:nvCxnSpPr>
-        <p:spPr>
-          <a:xfrm>
-            <a:off x="8586634" y="4141046"/>
-            <a:ext cx="1286634" cy="0"/>
-          </a:xfrm>
-          <a:prstGeom prst="straightConnector1">
-            <a:avLst/>
-          </a:prstGeom>
-          <a:ln w="31750">
-            <a:tailEnd type="triangle"/>
-          </a:ln>
-        </p:spPr>
-        <p:style>
-          <a:lnRef idx="3">
-            <a:schemeClr val="dk1"/>
-          </a:lnRef>
-          <a:fillRef idx="0">
-            <a:schemeClr val="dk1"/>
-          </a:fillRef>
-          <a:effectRef idx="2">
-            <a:schemeClr val="dk1"/>
-          </a:effectRef>
-          <a:fontRef idx="minor">
-            <a:schemeClr val="tx1"/>
-          </a:fontRef>
-        </p:style>
-      </p:cxnSp>
-      <p:pic>
-        <p:nvPicPr>
-          <p:cNvPr id="61" name="Graphic 60">
-            <a:extLst>
-              <a:ext uri="{FF2B5EF4-FFF2-40B4-BE49-F238E27FC236}">
-                <a16:creationId xmlns:a16="http://schemas.microsoft.com/office/drawing/2014/main" id="{89C79DB6-947D-4CDA-BF91-CBA45AEB5B3B}"/>
-              </a:ext>
-            </a:extLst>
-          </p:cNvPr>
-          <p:cNvPicPr>
-            <a:picLocks noChangeAspect="1"/>
-          </p:cNvPicPr>
-          <p:nvPr/>
-        </p:nvPicPr>
-        <p:blipFill>
-          <a:blip r:embed="rId5">
-            <a:extLst>
-              <a:ext uri="{28A0092B-C50C-407E-A947-70E740481C1C}">
-                <a14:useLocalDpi xmlns:a14="http://schemas.microsoft.com/office/drawing/2010/main" val="0"/>
-              </a:ext>
-              <a:ext uri="{96DAC541-7B7A-43D3-8B79-37D633B846F1}">
-                <asvg:svgBlip xmlns:asvg="http://schemas.microsoft.com/office/drawing/2016/SVG/main" r:embed="rId6"/>
-              </a:ext>
-            </a:extLst>
-          </a:blip>
-          <a:stretch>
-            <a:fillRect/>
-          </a:stretch>
-        </p:blipFill>
-        <p:spPr>
-          <a:xfrm>
-            <a:off x="9842531" y="3084804"/>
-            <a:ext cx="1649491" cy="1649491"/>
-          </a:xfrm>
-          <a:prstGeom prst="rect">
-            <a:avLst/>
-          </a:prstGeom>
-        </p:spPr>
-      </p:pic>
-      <p:sp>
-        <p:nvSpPr>
-          <p:cNvPr id="65" name="TextBox 64">
-            <a:extLst>
-              <a:ext uri="{FF2B5EF4-FFF2-40B4-BE49-F238E27FC236}">
-                <a16:creationId xmlns:a16="http://schemas.microsoft.com/office/drawing/2014/main" id="{956D8416-70C7-4E16-959B-9F8339D658F5}"/>
-              </a:ext>
-            </a:extLst>
-          </p:cNvPr>
-          <p:cNvSpPr txBox="1"/>
-          <p:nvPr/>
-        </p:nvSpPr>
-        <p:spPr>
-          <a:xfrm>
-            <a:off x="8981351" y="4340400"/>
-            <a:ext cx="3371850" cy="1649491"/>
-          </a:xfrm>
-          <a:prstGeom prst="rect">
-            <a:avLst/>
-          </a:prstGeom>
-          <a:noFill/>
-        </p:spPr>
-        <p:txBody>
-          <a:bodyPr wrap="square" rtlCol="0">
-            <a:spAutoFit/>
-          </a:bodyPr>
-          <a:lstStyle/>
-          <a:p>
-            <a:pPr algn="ctr">
-              <a:lnSpc>
-                <a:spcPts val="6000"/>
-              </a:lnSpc>
-            </a:pPr>
-            <a:r>
-              <a:rPr lang="en-AU" sz="4800" b="1" dirty="0">
-                <a:latin typeface="Print Clearly" panose="00000400000000000000" pitchFamily="2" charset="0"/>
-              </a:rPr>
-              <a:t>ethereum</a:t>
-            </a:r>
-            <a:br>
-              <a:rPr lang="en-AU" sz="4800" b="1" dirty="0">
-                <a:latin typeface="Print Clearly" panose="00000400000000000000" pitchFamily="2" charset="0"/>
-              </a:rPr>
-            </a:br>
-            <a:r>
-              <a:rPr lang="en-AU" sz="4800" b="1" dirty="0">
-                <a:latin typeface="Print Clearly" panose="00000400000000000000" pitchFamily="2" charset="0"/>
-              </a:rPr>
-              <a:t>2.0</a:t>
-            </a:r>
-          </a:p>
-        </p:txBody>
-      </p:sp>
-      <p:grpSp>
-        <p:nvGrpSpPr>
-          <p:cNvPr id="43" name="Group 42">
-            <a:extLst>
-              <a:ext uri="{FF2B5EF4-FFF2-40B4-BE49-F238E27FC236}">
-                <a16:creationId xmlns:a16="http://schemas.microsoft.com/office/drawing/2014/main" id="{4F20827E-0A8C-473F-996C-35F562A28FB9}"/>
-              </a:ext>
-            </a:extLst>
-          </p:cNvPr>
-          <p:cNvGrpSpPr/>
-          <p:nvPr/>
-        </p:nvGrpSpPr>
-        <p:grpSpPr>
-          <a:xfrm>
-            <a:off x="4197335" y="3477475"/>
-            <a:ext cx="1628196" cy="1578071"/>
-            <a:chOff x="4840971" y="382162"/>
-            <a:chExt cx="3130973" cy="3034585"/>
-          </a:xfrm>
-        </p:grpSpPr>
-        <p:pic>
-          <p:nvPicPr>
-            <p:cNvPr id="44" name="Graphic 43">
-              <a:extLst>
-                <a:ext uri="{FF2B5EF4-FFF2-40B4-BE49-F238E27FC236}">
-                  <a16:creationId xmlns:a16="http://schemas.microsoft.com/office/drawing/2014/main" id="{3375C483-78F1-4B25-BBCA-FB679006D4D8}"/>
-                </a:ext>
-              </a:extLst>
-            </p:cNvPr>
-            <p:cNvPicPr>
-              <a:picLocks noChangeAspect="1"/>
-            </p:cNvPicPr>
-            <p:nvPr/>
-          </p:nvPicPr>
-          <p:blipFill>
-            <a:blip r:embed="rId2">
-              <a:extLst>
-                <a:ext uri="{28A0092B-C50C-407E-A947-70E740481C1C}">
-                  <a14:useLocalDpi xmlns:a14="http://schemas.microsoft.com/office/drawing/2010/main" val="0"/>
-                </a:ext>
-                <a:ext uri="{96DAC541-7B7A-43D3-8B79-37D633B846F1}">
-                  <asvg:svgBlip xmlns:asvg="http://schemas.microsoft.com/office/drawing/2016/SVG/main" r:embed="rId3"/>
-                </a:ext>
-              </a:extLst>
-            </a:blip>
-            <a:stretch>
-              <a:fillRect/>
-            </a:stretch>
-          </p:blipFill>
-          <p:spPr>
-            <a:xfrm>
-              <a:off x="4840971" y="382162"/>
-              <a:ext cx="3130973" cy="2629132"/>
-            </a:xfrm>
-            <a:prstGeom prst="rect">
-              <a:avLst/>
-            </a:prstGeom>
-          </p:spPr>
-        </p:pic>
-        <p:sp>
-          <p:nvSpPr>
-            <p:cNvPr id="45" name="Oval 44">
-              <a:extLst>
-                <a:ext uri="{FF2B5EF4-FFF2-40B4-BE49-F238E27FC236}">
-                  <a16:creationId xmlns:a16="http://schemas.microsoft.com/office/drawing/2014/main" id="{ECEDB67F-C5F1-4A41-856A-15DCB3C93C7F}"/>
-                </a:ext>
-              </a:extLst>
-            </p:cNvPr>
-            <p:cNvSpPr/>
-            <p:nvPr/>
-          </p:nvSpPr>
-          <p:spPr>
-            <a:xfrm>
-              <a:off x="6545918" y="1990721"/>
-              <a:ext cx="1426026" cy="1426026"/>
-            </a:xfrm>
-            <a:prstGeom prst="ellipse">
-              <a:avLst/>
-            </a:prstGeom>
-            <a:solidFill>
-              <a:srgbClr val="FFE596"/>
-            </a:solidFill>
-          </p:spPr>
-          <p:style>
-            <a:lnRef idx="1">
-              <a:schemeClr val="accent1"/>
-            </a:lnRef>
-            <a:fillRef idx="2">
-              <a:schemeClr val="accent1"/>
-            </a:fillRef>
-            <a:effectRef idx="1">
-              <a:schemeClr val="accent1"/>
-            </a:effectRef>
-            <a:fontRef idx="minor">
-              <a:schemeClr val="dk1"/>
-            </a:fontRef>
-          </p:style>
           <p:txBody>
-            <a:bodyPr rtlCol="0" anchor="ctr"/>
+            <a:bodyPr wrap="square" rtlCol="0">
+              <a:spAutoFit/>
+            </a:bodyPr>
             <a:lstStyle/>
             <a:p>
-              <a:pPr algn="ctr"/>
-              <a:endParaRPr lang="en-AU" b="1"/>
+              <a:pPr algn="ctr">
+                <a:lnSpc>
+                  <a:spcPts val="5000"/>
+                </a:lnSpc>
+              </a:pPr>
+              <a:r>
+                <a:rPr lang="en-AU" sz="3600" dirty="0">
+                  <a:latin typeface="Print Clearly" panose="00000400000000000000" pitchFamily="2" charset="0"/>
+                </a:rPr>
+                <a:t>ethereum</a:t>
+              </a:r>
+              <a:br>
+                <a:rPr lang="en-AU" sz="3600" dirty="0">
+                  <a:latin typeface="Print Clearly" panose="00000400000000000000" pitchFamily="2" charset="0"/>
+                </a:rPr>
+              </a:br>
+              <a:r>
+                <a:rPr lang="en-AU" sz="3600" dirty="0">
+                  <a:latin typeface="Print Clearly" panose="00000400000000000000" pitchFamily="2" charset="0"/>
+                </a:rPr>
+                <a:t>2.0</a:t>
+              </a:r>
             </a:p>
           </p:txBody>
         </p:sp>
-        <p:pic>
-          <p:nvPicPr>
-            <p:cNvPr id="46" name="Picture 45" descr="A picture containing dark, light, night, black&#10;&#10;Description automatically generated">
-              <a:extLst>
-                <a:ext uri="{FF2B5EF4-FFF2-40B4-BE49-F238E27FC236}">
-                  <a16:creationId xmlns:a16="http://schemas.microsoft.com/office/drawing/2014/main" id="{7957E2AF-BB49-4B69-9B99-163749ACB180}"/>
-                </a:ext>
-              </a:extLst>
-            </p:cNvPr>
-            <p:cNvPicPr>
-              <a:picLocks noChangeAspect="1"/>
-            </p:cNvPicPr>
-            <p:nvPr/>
-          </p:nvPicPr>
-          <p:blipFill>
-            <a:blip r:embed="rId7">
-              <a:extLst>
-                <a:ext uri="{28A0092B-C50C-407E-A947-70E740481C1C}">
-                  <a14:useLocalDpi xmlns:a14="http://schemas.microsoft.com/office/drawing/2010/main" val="0"/>
-                </a:ext>
-              </a:extLst>
-            </a:blip>
-            <a:stretch>
-              <a:fillRect/>
-            </a:stretch>
-          </p:blipFill>
-          <p:spPr>
-            <a:xfrm>
-              <a:off x="6697085" y="2141888"/>
-              <a:ext cx="1123692" cy="1123692"/>
-            </a:xfrm>
-            <a:prstGeom prst="rect">
-              <a:avLst/>
-            </a:prstGeom>
-          </p:spPr>
-        </p:pic>
       </p:grpSp>
       <p:sp>
         <p:nvSpPr>
@@ -10905,8 +10587,8 @@
         </p:nvSpPr>
         <p:spPr>
           <a:xfrm>
-            <a:off x="304800" y="3024895"/>
-            <a:ext cx="8615375" cy="2766083"/>
+            <a:off x="3568417" y="3842638"/>
+            <a:ext cx="5952654" cy="1873186"/>
           </a:xfrm>
           <a:prstGeom prst="rect">
             <a:avLst/>
@@ -10954,7 +10636,7 @@
           <p:nvPr/>
         </p:nvPicPr>
         <p:blipFill>
-          <a:blip r:embed="rId8">
+          <a:blip r:embed="rId4">
             <a:extLst>
               <a:ext uri="{28A0092B-C50C-407E-A947-70E740481C1C}">
                 <a14:useLocalDpi xmlns:a14="http://schemas.microsoft.com/office/drawing/2010/main" val="0"/>
@@ -10968,8 +10650,8 @@
         </p:blipFill>
         <p:spPr bwMode="auto">
           <a:xfrm>
-            <a:off x="8663634" y="5556027"/>
-            <a:ext cx="665813" cy="665813"/>
+            <a:off x="9249339" y="5552406"/>
+            <a:ext cx="665813" cy="532577"/>
           </a:xfrm>
           <a:prstGeom prst="rect">
             <a:avLst/>
@@ -11000,7 +10682,7 @@
         </p:nvSpPr>
         <p:spPr>
           <a:xfrm>
-            <a:off x="7315200" y="5709976"/>
+            <a:off x="7900905" y="5612875"/>
             <a:ext cx="1450437" cy="461665"/>
           </a:xfrm>
           <a:prstGeom prst="rect">
@@ -11024,53 +10706,6 @@
           </a:p>
         </p:txBody>
       </p:sp>
-      <p:pic>
-        <p:nvPicPr>
-          <p:cNvPr id="48" name="Picture 47">
-            <a:extLst>
-              <a:ext uri="{FF2B5EF4-FFF2-40B4-BE49-F238E27FC236}">
-                <a16:creationId xmlns:a16="http://schemas.microsoft.com/office/drawing/2014/main" id="{813D71FA-02C3-4810-9BA0-6071952228F1}"/>
-              </a:ext>
-            </a:extLst>
-          </p:cNvPr>
-          <p:cNvPicPr>
-            <a:picLocks noChangeAspect="1" noChangeArrowheads="1"/>
-          </p:cNvPicPr>
-          <p:nvPr/>
-        </p:nvPicPr>
-        <p:blipFill>
-          <a:blip r:embed="rId9">
-            <a:extLst>
-              <a:ext uri="{28A0092B-C50C-407E-A947-70E740481C1C}">
-                <a14:useLocalDpi xmlns:a14="http://schemas.microsoft.com/office/drawing/2010/main" val="0"/>
-              </a:ext>
-            </a:extLst>
-          </a:blip>
-          <a:srcRect/>
-          <a:stretch>
-            <a:fillRect/>
-          </a:stretch>
-        </p:blipFill>
-        <p:spPr bwMode="auto">
-          <a:xfrm>
-            <a:off x="9044795" y="3859295"/>
-            <a:ext cx="487680" cy="487680"/>
-          </a:xfrm>
-          <a:prstGeom prst="rect">
-            <a:avLst/>
-          </a:prstGeom>
-          <a:noFill/>
-          <a:extLst>
-            <a:ext uri="{909E8E84-426E-40DD-AFC4-6F175D3DCCD1}">
-              <a14:hiddenFill xmlns:a14="http://schemas.microsoft.com/office/drawing/2010/main">
-                <a:solidFill>
-                  <a:srgbClr val="FFFFFF"/>
-                </a:solidFill>
-              </a14:hiddenFill>
-            </a:ext>
-          </a:extLst>
-        </p:spPr>
-      </p:pic>
       <p:sp>
         <p:nvSpPr>
           <p:cNvPr id="12" name="TextBox 11">
@@ -11085,7 +10720,7 @@
         </p:nvSpPr>
         <p:spPr>
           <a:xfrm>
-            <a:off x="54625" y="6408420"/>
+            <a:off x="0" y="6497324"/>
             <a:ext cx="3244835" cy="369332"/>
           </a:xfrm>
           <a:prstGeom prst="rect">
@@ -11120,7 +10755,7 @@
         </p:nvSpPr>
         <p:spPr>
           <a:xfrm>
-            <a:off x="576566" y="3894593"/>
+            <a:off x="3940772" y="3961820"/>
             <a:ext cx="3230084" cy="1127223"/>
           </a:xfrm>
           <a:prstGeom prst="rect">
@@ -11173,13 +10808,13 @@
           <p:nvPr/>
         </p:nvPicPr>
         <p:blipFill>
-          <a:blip r:embed="rId10">
+          <a:blip r:embed="rId5">
             <a:extLst>
               <a:ext uri="{28A0092B-C50C-407E-A947-70E740481C1C}">
                 <a14:useLocalDpi xmlns:a14="http://schemas.microsoft.com/office/drawing/2010/main" val="0"/>
               </a:ext>
               <a:ext uri="{96DAC541-7B7A-43D3-8B79-37D633B846F1}">
-                <asvg:svgBlip xmlns:asvg="http://schemas.microsoft.com/office/drawing/2016/SVG/main" r:embed="rId11"/>
+                <asvg:svgBlip xmlns:asvg="http://schemas.microsoft.com/office/drawing/2016/SVG/main" r:embed="rId6"/>
               </a:ext>
             </a:extLst>
           </a:blip>
@@ -11189,7 +10824,7 @@
         </p:blipFill>
         <p:spPr>
           <a:xfrm>
-            <a:off x="2805736" y="4037813"/>
+            <a:off x="6169942" y="4105040"/>
             <a:ext cx="806886" cy="806886"/>
           </a:xfrm>
           <a:prstGeom prst="rect">
@@ -11211,7 +10846,7 @@
         </p:nvSpPr>
         <p:spPr>
           <a:xfrm>
-            <a:off x="638735" y="4013702"/>
+            <a:off x="4002941" y="4080929"/>
             <a:ext cx="2063129" cy="830997"/>
           </a:xfrm>
           <a:prstGeom prst="rect">
@@ -11244,12 +10879,59 @@
           </a:p>
         </p:txBody>
       </p:sp>
+      <p:sp>
+        <p:nvSpPr>
+          <p:cNvPr id="36" name="TextBox 35">
+            <a:extLst>
+              <a:ext uri="{FF2B5EF4-FFF2-40B4-BE49-F238E27FC236}">
+                <a16:creationId xmlns:a16="http://schemas.microsoft.com/office/drawing/2014/main" id="{6F530076-9D6E-4F3F-AF0A-52CA75D88D9C}"/>
+              </a:ext>
+            </a:extLst>
+          </p:cNvPr>
+          <p:cNvSpPr txBox="1"/>
+          <p:nvPr/>
+        </p:nvSpPr>
+        <p:spPr>
+          <a:xfrm>
+            <a:off x="5069598" y="4987676"/>
+            <a:ext cx="2165870" cy="461665"/>
+          </a:xfrm>
+          <a:prstGeom prst="rect">
+            <a:avLst/>
+          </a:prstGeom>
+          <a:noFill/>
+        </p:spPr>
+        <p:txBody>
+          <a:bodyPr wrap="square" rtlCol="0">
+            <a:spAutoFit/>
+          </a:bodyPr>
+          <a:lstStyle/>
+          <a:p>
+            <a:pPr algn="r"/>
+            <a:r>
+              <a:rPr lang="en-AU" sz="2400" b="1" dirty="0">
+                <a:latin typeface="Print Clearly" panose="00000400000000000000" pitchFamily="2" charset="0"/>
+              </a:rPr>
+              <a:t>validator </a:t>
+            </a:r>
+            <a:r>
+              <a:rPr lang="en-AU" sz="2400" b="1" dirty="0" err="1">
+                <a:latin typeface="Print Clearly" panose="00000400000000000000" pitchFamily="2" charset="0"/>
+              </a:rPr>
+              <a:t>keystore</a:t>
+            </a:r>
+            <a:endParaRPr lang="en-AU" sz="2400" b="1" dirty="0">
+              <a:latin typeface="Print Clearly" panose="00000400000000000000" pitchFamily="2" charset="0"/>
+            </a:endParaRPr>
+          </a:p>
+        </p:txBody>
+      </p:sp>
       <p:pic>
         <p:nvPicPr>
-          <p:cNvPr id="35" name="Picture 34" descr="A picture containing drawing&#10;&#10;Description automatically generated">
-            <a:extLst>
-              <a:ext uri="{FF2B5EF4-FFF2-40B4-BE49-F238E27FC236}">
-                <a16:creationId xmlns:a16="http://schemas.microsoft.com/office/drawing/2014/main" id="{5930B816-372D-47C7-83CE-282D0CD1FF17}"/>
+          <p:cNvPr id="37" name="Graphic 36" descr="Lock">
+            <a:extLst>
+              <a:ext uri="{FF2B5EF4-FFF2-40B4-BE49-F238E27FC236}">
+                <a16:creationId xmlns:a16="http://schemas.microsoft.com/office/drawing/2014/main" id="{2CAAB09A-64E9-4657-A82E-D57BF9B23A4E}"/>
               </a:ext>
             </a:extLst>
           </p:cNvPr>
@@ -11259,10 +10941,13 @@
           <p:nvPr/>
         </p:nvPicPr>
         <p:blipFill>
-          <a:blip r:embed="rId12">
+          <a:blip r:embed="rId7">
             <a:extLst>
               <a:ext uri="{28A0092B-C50C-407E-A947-70E740481C1C}">
                 <a14:useLocalDpi xmlns:a14="http://schemas.microsoft.com/office/drawing/2010/main" val="0"/>
+              </a:ext>
+              <a:ext uri="{96DAC541-7B7A-43D3-8B79-37D633B846F1}">
+                <asvg:svgBlip xmlns:asvg="http://schemas.microsoft.com/office/drawing/2016/SVG/main" r:embed="rId8"/>
               </a:ext>
             </a:extLst>
           </a:blip>
@@ -11272,84 +10957,7 @@
         </p:blipFill>
         <p:spPr>
           <a:xfrm>
-            <a:off x="3209179" y="3466509"/>
-            <a:ext cx="806886" cy="528649"/>
-          </a:xfrm>
-          <a:prstGeom prst="rect">
-            <a:avLst/>
-          </a:prstGeom>
-        </p:spPr>
-      </p:pic>
-      <p:sp>
-        <p:nvSpPr>
-          <p:cNvPr id="36" name="TextBox 35">
-            <a:extLst>
-              <a:ext uri="{FF2B5EF4-FFF2-40B4-BE49-F238E27FC236}">
-                <a16:creationId xmlns:a16="http://schemas.microsoft.com/office/drawing/2014/main" id="{6F530076-9D6E-4F3F-AF0A-52CA75D88D9C}"/>
-              </a:ext>
-            </a:extLst>
-          </p:cNvPr>
-          <p:cNvSpPr txBox="1"/>
-          <p:nvPr/>
-        </p:nvSpPr>
-        <p:spPr>
-          <a:xfrm>
-            <a:off x="1048459" y="3457196"/>
-            <a:ext cx="2160720" cy="461665"/>
-          </a:xfrm>
-          <a:prstGeom prst="rect">
-            <a:avLst/>
-          </a:prstGeom>
-          <a:noFill/>
-        </p:spPr>
-        <p:txBody>
-          <a:bodyPr wrap="none" rtlCol="0">
-            <a:spAutoFit/>
-          </a:bodyPr>
-          <a:lstStyle/>
-          <a:p>
-            <a:pPr algn="ctr"/>
-            <a:r>
-              <a:rPr lang="en-AU" sz="2400" b="1" dirty="0">
-                <a:latin typeface="Print Clearly" panose="00000400000000000000" pitchFamily="2" charset="0"/>
-              </a:rPr>
-              <a:t>validator keystore</a:t>
-            </a:r>
-          </a:p>
-        </p:txBody>
-      </p:sp>
-      <p:pic>
-        <p:nvPicPr>
-          <p:cNvPr id="37" name="Graphic 36" descr="Lock">
-            <a:extLst>
-              <a:ext uri="{FF2B5EF4-FFF2-40B4-BE49-F238E27FC236}">
-                <a16:creationId xmlns:a16="http://schemas.microsoft.com/office/drawing/2014/main" id="{2CAAB09A-64E9-4657-A82E-D57BF9B23A4E}"/>
-              </a:ext>
-            </a:extLst>
-          </p:cNvPr>
-          <p:cNvPicPr>
-            <a:picLocks noChangeAspect="1"/>
-          </p:cNvPicPr>
-          <p:nvPr/>
-        </p:nvPicPr>
-        <p:blipFill>
-          <a:blip r:embed="rId13">
-            <a:extLst>
-              <a:ext uri="{28A0092B-C50C-407E-A947-70E740481C1C}">
-                <a14:useLocalDpi xmlns:a14="http://schemas.microsoft.com/office/drawing/2010/main" val="0"/>
-              </a:ext>
-              <a:ext uri="{96DAC541-7B7A-43D3-8B79-37D633B846F1}">
-                <asvg:svgBlip xmlns:asvg="http://schemas.microsoft.com/office/drawing/2016/SVG/main" r:embed="rId14"/>
-              </a:ext>
-            </a:extLst>
-          </a:blip>
-          <a:stretch>
-            <a:fillRect/>
-          </a:stretch>
-        </p:blipFill>
-        <p:spPr>
-          <a:xfrm>
-            <a:off x="3214699" y="4405390"/>
+            <a:off x="6578905" y="4472617"/>
             <a:ext cx="535476" cy="535476"/>
           </a:xfrm>
           <a:prstGeom prst="rect">
@@ -11368,13 +10976,14 @@
           </p:cNvPr>
           <p:cNvCxnSpPr>
             <a:cxnSpLocks/>
+            <a:endCxn id="28" idx="2"/>
           </p:cNvCxnSpPr>
           <p:nvPr/>
         </p:nvCxnSpPr>
         <p:spPr>
           <a:xfrm flipV="1">
-            <a:off x="5083956" y="2715106"/>
-            <a:ext cx="0" cy="682775"/>
+            <a:off x="4943997" y="3437729"/>
+            <a:ext cx="0" cy="491727"/>
           </a:xfrm>
           <a:prstGeom prst="straightConnector1">
             <a:avLst/>
@@ -11412,8 +11021,8 @@
         </p:nvSpPr>
         <p:spPr>
           <a:xfrm>
-            <a:off x="3592040" y="1405277"/>
-            <a:ext cx="2749604" cy="1323439"/>
+            <a:off x="3611918" y="2148227"/>
+            <a:ext cx="2749604" cy="861774"/>
           </a:xfrm>
           <a:prstGeom prst="rect">
             <a:avLst/>
@@ -11432,16 +11041,10 @@
             </a:r>
           </a:p>
           <a:p>
-            <a:endParaRPr lang="en-AU" sz="1000" dirty="0"/>
-          </a:p>
-          <a:p>
             <a:r>
               <a:rPr lang="en-AU" sz="1000" dirty="0"/>
-              <a:t>0x200000000000000000000000000000000000000000000000000000000000000000000000000006081e9e0000000095bccce6f600000000000000000000000000000000000000000000000…b5fcb</a:t>
+              <a:t>0x200000000000000000000000000000000000006081e9e0000000095bccce6f600000000000000000000000000000000000000000000000…b5fcb</a:t>
             </a:r>
-          </a:p>
-          <a:p>
-            <a:endParaRPr lang="en-AU" sz="1000" dirty="0"/>
           </a:p>
           <a:p>
             <a:r>
@@ -11465,7 +11068,7 @@
         </p:nvSpPr>
         <p:spPr>
           <a:xfrm>
-            <a:off x="7040930" y="1732986"/>
+            <a:off x="7054821" y="1456615"/>
             <a:ext cx="2428806" cy="307777"/>
           </a:xfrm>
           <a:prstGeom prst="rect">
@@ -11480,7 +11083,7 @@
           <a:p>
             <a:r>
               <a:rPr lang="en-AU" sz="1400" dirty="0">
-                <a:hlinkClick r:id="rId15"/>
+                <a:hlinkClick r:id="rId9"/>
               </a:rPr>
               <a:t>https://prylabs.net/participate</a:t>
             </a:r>
@@ -11503,9 +11106,9 @@
           <p:nvPr/>
         </p:nvCxnSpPr>
         <p:spPr>
-          <a:xfrm flipV="1">
-            <a:off x="6356480" y="1419868"/>
-            <a:ext cx="599706" cy="2"/>
+          <a:xfrm>
+            <a:off x="6341644" y="1582650"/>
+            <a:ext cx="610150" cy="192803"/>
           </a:xfrm>
           <a:prstGeom prst="straightConnector1">
             <a:avLst/>
@@ -11544,13 +11147,13 @@
           <p:nvPr/>
         </p:nvPicPr>
         <p:blipFill>
-          <a:blip r:embed="rId16">
+          <a:blip r:embed="rId10">
             <a:extLst>
               <a:ext uri="{28A0092B-C50C-407E-A947-70E740481C1C}">
                 <a14:useLocalDpi xmlns:a14="http://schemas.microsoft.com/office/drawing/2010/main" val="0"/>
               </a:ext>
               <a:ext uri="{96DAC541-7B7A-43D3-8B79-37D633B846F1}">
-                <asvg:svgBlip xmlns:asvg="http://schemas.microsoft.com/office/drawing/2016/SVG/main" r:embed="rId17"/>
+                <asvg:svgBlip xmlns:asvg="http://schemas.microsoft.com/office/drawing/2016/SVG/main" r:embed="rId11"/>
               </a:ext>
             </a:extLst>
           </a:blip>
@@ -11560,7 +11163,7 @@
         </p:blipFill>
         <p:spPr>
           <a:xfrm>
-            <a:off x="7234123" y="498785"/>
+            <a:off x="3929485" y="173454"/>
             <a:ext cx="2057329" cy="394720"/>
           </a:xfrm>
           <a:prstGeom prst="rect">
@@ -11583,13 +11186,13 @@
           <p:nvPr/>
         </p:nvPicPr>
         <p:blipFill rotWithShape="1">
-          <a:blip r:embed="rId18">
+          <a:blip r:embed="rId12">
             <a:extLst>
               <a:ext uri="{28A0092B-C50C-407E-A947-70E740481C1C}">
                 <a14:useLocalDpi xmlns:a14="http://schemas.microsoft.com/office/drawing/2010/main" val="0"/>
               </a:ext>
               <a:ext uri="{96DAC541-7B7A-43D3-8B79-37D633B846F1}">
-                <asvg:svgBlip xmlns:asvg="http://schemas.microsoft.com/office/drawing/2016/SVG/main" r:embed="rId19"/>
+                <asvg:svgBlip xmlns:asvg="http://schemas.microsoft.com/office/drawing/2016/SVG/main" r:embed="rId13"/>
               </a:ext>
             </a:extLst>
           </a:blip>
@@ -11598,20 +11201,405 @@
         </p:blipFill>
         <p:spPr>
           <a:xfrm>
-            <a:off x="7130901" y="922102"/>
-            <a:ext cx="2248863" cy="721618"/>
+            <a:off x="4379855" y="579690"/>
+            <a:ext cx="1249453" cy="400925"/>
           </a:xfrm>
           <a:prstGeom prst="rect">
             <a:avLst/>
           </a:prstGeom>
         </p:spPr>
       </p:pic>
+      <p:sp>
+        <p:nvSpPr>
+          <p:cNvPr id="58" name="TextBox 57">
+            <a:extLst>
+              <a:ext uri="{FF2B5EF4-FFF2-40B4-BE49-F238E27FC236}">
+                <a16:creationId xmlns:a16="http://schemas.microsoft.com/office/drawing/2014/main" id="{51E9CBE7-7F32-4FC7-8416-884AB9B6B639}"/>
+              </a:ext>
+            </a:extLst>
+          </p:cNvPr>
+          <p:cNvSpPr txBox="1"/>
+          <p:nvPr/>
+        </p:nvSpPr>
+        <p:spPr>
+          <a:xfrm>
+            <a:off x="4052229" y="731312"/>
+            <a:ext cx="1868981" cy="771558"/>
+          </a:xfrm>
+          <a:prstGeom prst="rect">
+            <a:avLst/>
+          </a:prstGeom>
+          <a:noFill/>
+        </p:spPr>
+        <p:txBody>
+          <a:bodyPr wrap="square" rtlCol="0">
+            <a:spAutoFit/>
+          </a:bodyPr>
+          <a:lstStyle/>
+          <a:p>
+            <a:pPr algn="ctr">
+              <a:lnSpc>
+                <a:spcPts val="6000"/>
+              </a:lnSpc>
+            </a:pPr>
+            <a:r>
+              <a:rPr lang="en-AU" sz="3200" b="1" dirty="0">
+                <a:latin typeface="Print Clearly" panose="00000400000000000000" pitchFamily="2" charset="0"/>
+              </a:rPr>
+              <a:t>32 ETH1</a:t>
+            </a:r>
+          </a:p>
+        </p:txBody>
+      </p:sp>
+      <p:sp>
+        <p:nvSpPr>
+          <p:cNvPr id="59" name="TextBox 58">
+            <a:extLst>
+              <a:ext uri="{FF2B5EF4-FFF2-40B4-BE49-F238E27FC236}">
+                <a16:creationId xmlns:a16="http://schemas.microsoft.com/office/drawing/2014/main" id="{960D331D-B568-48A1-A91C-087893310107}"/>
+              </a:ext>
+            </a:extLst>
+          </p:cNvPr>
+          <p:cNvSpPr txBox="1"/>
+          <p:nvPr/>
+        </p:nvSpPr>
+        <p:spPr>
+          <a:xfrm>
+            <a:off x="4794544" y="1563242"/>
+            <a:ext cx="394796" cy="584775"/>
+          </a:xfrm>
+          <a:prstGeom prst="rect">
+            <a:avLst/>
+          </a:prstGeom>
+          <a:noFill/>
+        </p:spPr>
+        <p:txBody>
+          <a:bodyPr wrap="square" rtlCol="0">
+            <a:spAutoFit/>
+          </a:bodyPr>
+          <a:lstStyle/>
+          <a:p>
+            <a:pPr algn="ctr"/>
+            <a:r>
+              <a:rPr lang="en-AU" sz="3200" b="1" dirty="0">
+                <a:latin typeface="Print Clearly" panose="00000400000000000000" pitchFamily="2" charset="0"/>
+              </a:rPr>
+              <a:t>+</a:t>
+            </a:r>
+          </a:p>
+        </p:txBody>
+      </p:sp>
+      <p:sp>
+        <p:nvSpPr>
+          <p:cNvPr id="64" name="Rectangle 63">
+            <a:extLst>
+              <a:ext uri="{FF2B5EF4-FFF2-40B4-BE49-F238E27FC236}">
+                <a16:creationId xmlns:a16="http://schemas.microsoft.com/office/drawing/2014/main" id="{DDE12984-2C72-48D0-AE48-CCB6B504F7C4}"/>
+              </a:ext>
+            </a:extLst>
+          </p:cNvPr>
+          <p:cNvSpPr/>
+          <p:nvPr/>
+        </p:nvSpPr>
+        <p:spPr>
+          <a:xfrm>
+            <a:off x="7012800" y="1315044"/>
+            <a:ext cx="2470827" cy="1123693"/>
+          </a:xfrm>
+          <a:prstGeom prst="rect">
+            <a:avLst/>
+          </a:prstGeom>
+          <a:noFill/>
+          <a:ln>
+            <a:solidFill>
+              <a:schemeClr val="tx1"/>
+            </a:solidFill>
+          </a:ln>
+        </p:spPr>
+        <p:style>
+          <a:lnRef idx="2">
+            <a:schemeClr val="accent1">
+              <a:shade val="50000"/>
+            </a:schemeClr>
+          </a:lnRef>
+          <a:fillRef idx="1">
+            <a:schemeClr val="accent1"/>
+          </a:fillRef>
+          <a:effectRef idx="0">
+            <a:schemeClr val="accent1"/>
+          </a:effectRef>
+          <a:fontRef idx="minor">
+            <a:schemeClr val="lt1"/>
+          </a:fontRef>
+        </p:style>
+        <p:txBody>
+          <a:bodyPr rtlCol="0" anchor="ctr"/>
+          <a:lstStyle/>
+          <a:p>
+            <a:pPr algn="ctr"/>
+            <a:endParaRPr lang="en-AU"/>
+          </a:p>
+        </p:txBody>
+      </p:sp>
+      <p:pic>
+        <p:nvPicPr>
+          <p:cNvPr id="66" name="Graphic 65" descr="Scroll">
+            <a:extLst>
+              <a:ext uri="{FF2B5EF4-FFF2-40B4-BE49-F238E27FC236}">
+                <a16:creationId xmlns:a16="http://schemas.microsoft.com/office/drawing/2014/main" id="{1F2071BB-D45D-412A-9410-648B791C1E25}"/>
+              </a:ext>
+            </a:extLst>
+          </p:cNvPr>
+          <p:cNvPicPr>
+            <a:picLocks noChangeAspect="1"/>
+          </p:cNvPicPr>
+          <p:nvPr/>
+        </p:nvPicPr>
+        <p:blipFill>
+          <a:blip r:embed="rId14">
+            <a:extLst>
+              <a:ext uri="{28A0092B-C50C-407E-A947-70E740481C1C}">
+                <a14:useLocalDpi xmlns:a14="http://schemas.microsoft.com/office/drawing/2010/main" val="0"/>
+              </a:ext>
+              <a:ext uri="{96DAC541-7B7A-43D3-8B79-37D633B846F1}">
+                <asvg:svgBlip xmlns:asvg="http://schemas.microsoft.com/office/drawing/2016/SVG/main" r:embed="rId15"/>
+              </a:ext>
+            </a:extLst>
+          </a:blip>
+          <a:stretch>
+            <a:fillRect/>
+          </a:stretch>
+        </p:blipFill>
+        <p:spPr>
+          <a:xfrm>
+            <a:off x="10037029" y="1351221"/>
+            <a:ext cx="1123692" cy="1123692"/>
+          </a:xfrm>
+          <a:prstGeom prst="rect">
+            <a:avLst/>
+          </a:prstGeom>
+        </p:spPr>
+      </p:pic>
+      <p:sp>
+        <p:nvSpPr>
+          <p:cNvPr id="67" name="TextBox 66">
+            <a:extLst>
+              <a:ext uri="{FF2B5EF4-FFF2-40B4-BE49-F238E27FC236}">
+                <a16:creationId xmlns:a16="http://schemas.microsoft.com/office/drawing/2014/main" id="{B80CC762-2E3A-4CC9-A774-A9829E74070B}"/>
+              </a:ext>
+            </a:extLst>
+          </p:cNvPr>
+          <p:cNvSpPr txBox="1"/>
+          <p:nvPr/>
+        </p:nvSpPr>
+        <p:spPr>
+          <a:xfrm>
+            <a:off x="9403130" y="841523"/>
+            <a:ext cx="2391489" cy="584775"/>
+          </a:xfrm>
+          <a:prstGeom prst="rect">
+            <a:avLst/>
+          </a:prstGeom>
+          <a:noFill/>
+        </p:spPr>
+        <p:txBody>
+          <a:bodyPr wrap="square" rtlCol="0">
+            <a:spAutoFit/>
+          </a:bodyPr>
+          <a:lstStyle/>
+          <a:p>
+            <a:pPr algn="ctr"/>
+            <a:r>
+              <a:rPr lang="en-AU" sz="1600" b="1" dirty="0">
+                <a:latin typeface="Print Clearly" panose="00000400000000000000" pitchFamily="2" charset="0"/>
+              </a:rPr>
+              <a:t>Validator deposit contract</a:t>
+            </a:r>
+          </a:p>
+          <a:p>
+            <a:pPr algn="ctr"/>
+            <a:r>
+              <a:rPr lang="en-AU" sz="1600" b="1" dirty="0">
+                <a:latin typeface="Print Clearly" panose="00000400000000000000" pitchFamily="2" charset="0"/>
+              </a:rPr>
+              <a:t>(on ETH1 Chain)</a:t>
+            </a:r>
+          </a:p>
+        </p:txBody>
+      </p:sp>
+      <p:cxnSp>
+        <p:nvCxnSpPr>
+          <p:cNvPr id="73" name="Straight Arrow Connector 72">
+            <a:extLst>
+              <a:ext uri="{FF2B5EF4-FFF2-40B4-BE49-F238E27FC236}">
+                <a16:creationId xmlns:a16="http://schemas.microsoft.com/office/drawing/2014/main" id="{8BE4941F-39B7-44A5-86BA-EB053F0F2BA2}"/>
+              </a:ext>
+            </a:extLst>
+          </p:cNvPr>
+          <p:cNvCxnSpPr>
+            <a:cxnSpLocks/>
+          </p:cNvCxnSpPr>
+          <p:nvPr/>
+        </p:nvCxnSpPr>
+        <p:spPr>
+          <a:xfrm flipV="1">
+            <a:off x="9521935" y="1876891"/>
+            <a:ext cx="599706" cy="2"/>
+          </a:xfrm>
+          <a:prstGeom prst="straightConnector1">
+            <a:avLst/>
+          </a:prstGeom>
+          <a:ln w="31750">
+            <a:tailEnd type="triangle"/>
+          </a:ln>
+        </p:spPr>
+        <p:style>
+          <a:lnRef idx="3">
+            <a:schemeClr val="dk1"/>
+          </a:lnRef>
+          <a:fillRef idx="0">
+            <a:schemeClr val="dk1"/>
+          </a:fillRef>
+          <a:effectRef idx="2">
+            <a:schemeClr val="dk1"/>
+          </a:effectRef>
+          <a:fontRef idx="minor">
+            <a:schemeClr val="tx1"/>
+          </a:fontRef>
+        </p:style>
+      </p:cxnSp>
+      <p:cxnSp>
+        <p:nvCxnSpPr>
+          <p:cNvPr id="77" name="Straight Arrow Connector 76">
+            <a:extLst>
+              <a:ext uri="{FF2B5EF4-FFF2-40B4-BE49-F238E27FC236}">
+                <a16:creationId xmlns:a16="http://schemas.microsoft.com/office/drawing/2014/main" id="{AF422683-6BE2-41C5-8BA5-F48BBA6CA4D2}"/>
+              </a:ext>
+            </a:extLst>
+          </p:cNvPr>
+          <p:cNvCxnSpPr>
+            <a:cxnSpLocks/>
+            <a:stCxn id="61" idx="0"/>
+            <a:endCxn id="78" idx="2"/>
+          </p:cNvCxnSpPr>
+          <p:nvPr/>
+        </p:nvCxnSpPr>
+        <p:spPr>
+          <a:xfrm flipV="1">
+            <a:off x="10662692" y="3007297"/>
+            <a:ext cx="855" cy="790672"/>
+          </a:xfrm>
+          <a:prstGeom prst="straightConnector1">
+            <a:avLst/>
+          </a:prstGeom>
+          <a:ln w="31750">
+            <a:tailEnd type="triangle"/>
+          </a:ln>
+        </p:spPr>
+        <p:style>
+          <a:lnRef idx="3">
+            <a:schemeClr val="dk1"/>
+          </a:lnRef>
+          <a:fillRef idx="0">
+            <a:schemeClr val="dk1"/>
+          </a:fillRef>
+          <a:effectRef idx="2">
+            <a:schemeClr val="dk1"/>
+          </a:effectRef>
+          <a:fontRef idx="minor">
+            <a:schemeClr val="tx1"/>
+          </a:fontRef>
+        </p:style>
+      </p:cxnSp>
+      <p:sp>
+        <p:nvSpPr>
+          <p:cNvPr id="78" name="TextBox 77">
+            <a:extLst>
+              <a:ext uri="{FF2B5EF4-FFF2-40B4-BE49-F238E27FC236}">
+                <a16:creationId xmlns:a16="http://schemas.microsoft.com/office/drawing/2014/main" id="{40069317-0AB8-4A29-867D-EE6C9C9EC78A}"/>
+              </a:ext>
+            </a:extLst>
+          </p:cNvPr>
+          <p:cNvSpPr txBox="1"/>
+          <p:nvPr/>
+        </p:nvSpPr>
+        <p:spPr>
+          <a:xfrm>
+            <a:off x="9532475" y="2422522"/>
+            <a:ext cx="2262143" cy="584775"/>
+          </a:xfrm>
+          <a:prstGeom prst="rect">
+            <a:avLst/>
+          </a:prstGeom>
+          <a:noFill/>
+        </p:spPr>
+        <p:txBody>
+          <a:bodyPr wrap="square" rtlCol="0">
+            <a:spAutoFit/>
+          </a:bodyPr>
+          <a:lstStyle/>
+          <a:p>
+            <a:pPr algn="ctr"/>
+            <a:r>
+              <a:rPr lang="en-AU" sz="1600" b="1" dirty="0">
+                <a:latin typeface="Print Clearly" panose="00000400000000000000" pitchFamily="2" charset="0"/>
+              </a:rPr>
+              <a:t>ETH2 nodes watch for new validator deposits here</a:t>
+            </a:r>
+          </a:p>
+        </p:txBody>
+      </p:sp>
+      <p:cxnSp>
+        <p:nvCxnSpPr>
+          <p:cNvPr id="79" name="Straight Arrow Connector 78">
+            <a:extLst>
+              <a:ext uri="{FF2B5EF4-FFF2-40B4-BE49-F238E27FC236}">
+                <a16:creationId xmlns:a16="http://schemas.microsoft.com/office/drawing/2014/main" id="{DADE9C38-43C0-4BBE-87DD-348CA9A8F264}"/>
+              </a:ext>
+            </a:extLst>
+          </p:cNvPr>
+          <p:cNvCxnSpPr>
+            <a:cxnSpLocks/>
+          </p:cNvCxnSpPr>
+          <p:nvPr/>
+        </p:nvCxnSpPr>
+        <p:spPr>
+          <a:xfrm>
+            <a:off x="103635" y="3641940"/>
+            <a:ext cx="12035025" cy="0"/>
+          </a:xfrm>
+          <a:prstGeom prst="straightConnector1">
+            <a:avLst/>
+          </a:prstGeom>
+          <a:ln w="31750">
+            <a:solidFill>
+              <a:schemeClr val="tx1"/>
+            </a:solidFill>
+            <a:prstDash val="lgDash"/>
+            <a:tailEnd type="none"/>
+          </a:ln>
+        </p:spPr>
+        <p:style>
+          <a:lnRef idx="3">
+            <a:schemeClr val="dk1"/>
+          </a:lnRef>
+          <a:fillRef idx="0">
+            <a:schemeClr val="dk1"/>
+          </a:fillRef>
+          <a:effectRef idx="2">
+            <a:schemeClr val="dk1"/>
+          </a:effectRef>
+          <a:fontRef idx="minor">
+            <a:schemeClr val="tx1"/>
+          </a:fontRef>
+        </p:style>
+      </p:cxnSp>
       <p:grpSp>
         <p:nvGrpSpPr>
-          <p:cNvPr id="27" name="Group 26">
-            <a:extLst>
-              <a:ext uri="{FF2B5EF4-FFF2-40B4-BE49-F238E27FC236}">
-                <a16:creationId xmlns:a16="http://schemas.microsoft.com/office/drawing/2014/main" id="{083BD0AF-B8A4-4B10-BD27-B43BF555D164}"/>
+          <p:cNvPr id="19" name="Group 18">
+            <a:extLst>
+              <a:ext uri="{FF2B5EF4-FFF2-40B4-BE49-F238E27FC236}">
+                <a16:creationId xmlns:a16="http://schemas.microsoft.com/office/drawing/2014/main" id="{AE0B44CE-75CF-4194-9474-ED91FC7F0BB2}"/>
               </a:ext>
             </a:extLst>
           </p:cNvPr>
@@ -11620,57 +11608,18 @@
         </p:nvGrpSpPr>
         <p:grpSpPr>
           <a:xfrm>
-            <a:off x="3592040" y="260965"/>
-            <a:ext cx="2893817" cy="1063644"/>
-            <a:chOff x="3904025" y="253178"/>
-            <a:chExt cx="2893817" cy="1063644"/>
+            <a:off x="10841896" y="2923720"/>
+            <a:ext cx="1658390" cy="1246329"/>
+            <a:chOff x="10779005" y="2198952"/>
+            <a:chExt cx="1658390" cy="1246329"/>
           </a:xfrm>
         </p:grpSpPr>
-        <p:pic>
-          <p:nvPicPr>
-            <p:cNvPr id="57" name="Graphic 56">
+        <p:sp>
+          <p:nvSpPr>
+            <p:cNvPr id="84" name="TextBox 83">
               <a:extLst>
                 <a:ext uri="{FF2B5EF4-FFF2-40B4-BE49-F238E27FC236}">
-                  <a16:creationId xmlns:a16="http://schemas.microsoft.com/office/drawing/2014/main" id="{9A2FCECF-F215-4EC4-81C4-7E301F0C3505}"/>
-                </a:ext>
-              </a:extLst>
-            </p:cNvPr>
-            <p:cNvPicPr>
-              <a:picLocks noChangeAspect="1"/>
-            </p:cNvPicPr>
-            <p:nvPr/>
-          </p:nvPicPr>
-          <p:blipFill>
-            <a:blip r:embed="rId5">
-              <a:extLst>
-                <a:ext uri="{28A0092B-C50C-407E-A947-70E740481C1C}">
-                  <a14:useLocalDpi xmlns:a14="http://schemas.microsoft.com/office/drawing/2010/main" val="0"/>
-                </a:ext>
-                <a:ext uri="{96DAC541-7B7A-43D3-8B79-37D633B846F1}">
-                  <asvg:svgBlip xmlns:asvg="http://schemas.microsoft.com/office/drawing/2016/SVG/main" r:embed="rId6"/>
-                </a:ext>
-              </a:extLst>
-            </a:blip>
-            <a:stretch>
-              <a:fillRect/>
-            </a:stretch>
-          </p:blipFill>
-          <p:spPr>
-            <a:xfrm>
-              <a:off x="3904025" y="253178"/>
-              <a:ext cx="1063644" cy="1063644"/>
-            </a:xfrm>
-            <a:prstGeom prst="rect">
-              <a:avLst/>
-            </a:prstGeom>
-          </p:spPr>
-        </p:pic>
-        <p:sp>
-          <p:nvSpPr>
-            <p:cNvPr id="58" name="TextBox 57">
-              <a:extLst>
-                <a:ext uri="{FF2B5EF4-FFF2-40B4-BE49-F238E27FC236}">
-                  <a16:creationId xmlns:a16="http://schemas.microsoft.com/office/drawing/2014/main" id="{51E9CBE7-7F32-4FC7-8416-884AB9B6B639}"/>
+                  <a16:creationId xmlns:a16="http://schemas.microsoft.com/office/drawing/2014/main" id="{6E5E5F18-FF46-49FE-8E57-DAF142D8E107}"/>
                 </a:ext>
               </a:extLst>
             </p:cNvPr>
@@ -11679,8 +11628,8 @@
           </p:nvSpPr>
           <p:spPr>
             <a:xfrm>
-              <a:off x="4326446" y="314927"/>
-              <a:ext cx="2471396" cy="771558"/>
+              <a:off x="10779005" y="2198952"/>
+              <a:ext cx="1649491" cy="771558"/>
             </a:xfrm>
             <a:prstGeom prst="rect">
               <a:avLst/>
@@ -11702,66 +11651,100 @@
                 <a:rPr lang="en-AU" sz="3200" b="1" dirty="0">
                   <a:latin typeface="Print Clearly" panose="00000400000000000000" pitchFamily="2" charset="0"/>
                 </a:rPr>
-                <a:t>X 32 ETH</a:t>
+                <a:t>ETH1</a:t>
+              </a:r>
+            </a:p>
+          </p:txBody>
+        </p:sp>
+        <p:sp>
+          <p:nvSpPr>
+            <p:cNvPr id="85" name="TextBox 84">
+              <a:extLst>
+                <a:ext uri="{FF2B5EF4-FFF2-40B4-BE49-F238E27FC236}">
+                  <a16:creationId xmlns:a16="http://schemas.microsoft.com/office/drawing/2014/main" id="{736E03D9-7C17-4F62-A4EB-99A133621B10}"/>
+                </a:ext>
+              </a:extLst>
+            </p:cNvPr>
+            <p:cNvSpPr txBox="1"/>
+            <p:nvPr/>
+          </p:nvSpPr>
+          <p:spPr>
+            <a:xfrm>
+              <a:off x="10787904" y="2673723"/>
+              <a:ext cx="1649491" cy="771558"/>
+            </a:xfrm>
+            <a:prstGeom prst="rect">
+              <a:avLst/>
+            </a:prstGeom>
+            <a:noFill/>
+          </p:spPr>
+          <p:txBody>
+            <a:bodyPr wrap="square" rtlCol="0">
+              <a:spAutoFit/>
+            </a:bodyPr>
+            <a:lstStyle/>
+            <a:p>
+              <a:pPr algn="ctr">
+                <a:lnSpc>
+                  <a:spcPts val="6000"/>
+                </a:lnSpc>
+              </a:pPr>
+              <a:r>
+                <a:rPr lang="en-AU" sz="3200" b="1" dirty="0">
+                  <a:latin typeface="Print Clearly" panose="00000400000000000000" pitchFamily="2" charset="0"/>
+                </a:rPr>
+                <a:t>ETH2</a:t>
               </a:r>
             </a:p>
           </p:txBody>
         </p:sp>
       </p:grpSp>
+      <p:pic>
+        <p:nvPicPr>
+          <p:cNvPr id="88" name="Picture 87">
+            <a:extLst>
+              <a:ext uri="{FF2B5EF4-FFF2-40B4-BE49-F238E27FC236}">
+                <a16:creationId xmlns:a16="http://schemas.microsoft.com/office/drawing/2014/main" id="{A781CB39-5CFA-46F4-B86E-402F5ED8B396}"/>
+              </a:ext>
+            </a:extLst>
+          </p:cNvPr>
+          <p:cNvPicPr>
+            <a:picLocks noChangeAspect="1"/>
+          </p:cNvPicPr>
+          <p:nvPr/>
+        </p:nvPicPr>
+        <p:blipFill>
+          <a:blip r:embed="rId16"/>
+          <a:stretch>
+            <a:fillRect/>
+          </a:stretch>
+        </p:blipFill>
+        <p:spPr>
+          <a:xfrm>
+            <a:off x="7252850" y="1849546"/>
+            <a:ext cx="1990725" cy="419100"/>
+          </a:xfrm>
+          <a:prstGeom prst="rect">
+            <a:avLst/>
+          </a:prstGeom>
+        </p:spPr>
+      </p:pic>
       <p:sp>
         <p:nvSpPr>
-          <p:cNvPr id="59" name="TextBox 58">
-            <a:extLst>
-              <a:ext uri="{FF2B5EF4-FFF2-40B4-BE49-F238E27FC236}">
-                <a16:creationId xmlns:a16="http://schemas.microsoft.com/office/drawing/2014/main" id="{960D331D-B568-48A1-A91C-087893310107}"/>
-              </a:ext>
-            </a:extLst>
-          </p:cNvPr>
-          <p:cNvSpPr txBox="1"/>
+          <p:cNvPr id="56" name="Rectangle 55">
+            <a:extLst>
+              <a:ext uri="{FF2B5EF4-FFF2-40B4-BE49-F238E27FC236}">
+                <a16:creationId xmlns:a16="http://schemas.microsoft.com/office/drawing/2014/main" id="{F23819B5-DEF1-4AB5-8AB8-FFAEB057F90C}"/>
+              </a:ext>
+            </a:extLst>
+          </p:cNvPr>
+          <p:cNvSpPr/>
           <p:nvPr/>
         </p:nvSpPr>
         <p:spPr>
           <a:xfrm>
-            <a:off x="4728340" y="953992"/>
-            <a:ext cx="394796" cy="584775"/>
-          </a:xfrm>
-          <a:prstGeom prst="rect">
-            <a:avLst/>
-          </a:prstGeom>
-          <a:noFill/>
-        </p:spPr>
-        <p:txBody>
-          <a:bodyPr wrap="square" rtlCol="0">
-            <a:spAutoFit/>
-          </a:bodyPr>
-          <a:lstStyle/>
-          <a:p>
-            <a:pPr algn="ctr"/>
-            <a:r>
-              <a:rPr lang="en-AU" sz="3200" b="1" dirty="0">
-                <a:latin typeface="Print Clearly" panose="00000400000000000000" pitchFamily="2" charset="0"/>
-              </a:rPr>
-              <a:t>+</a:t>
-            </a:r>
-          </a:p>
-        </p:txBody>
-      </p:sp>
-      <p:sp>
-        <p:nvSpPr>
-          <p:cNvPr id="64" name="Rectangle 63">
-            <a:extLst>
-              <a:ext uri="{FF2B5EF4-FFF2-40B4-BE49-F238E27FC236}">
-                <a16:creationId xmlns:a16="http://schemas.microsoft.com/office/drawing/2014/main" id="{DDE12984-2C72-48D0-AE48-CCB6B504F7C4}"/>
-              </a:ext>
-            </a:extLst>
-          </p:cNvPr>
-          <p:cNvSpPr/>
-          <p:nvPr/>
-        </p:nvSpPr>
-        <p:spPr>
-          <a:xfrm>
-            <a:off x="6998909" y="273507"/>
-            <a:ext cx="2470827" cy="2441602"/>
+            <a:off x="3597501" y="46360"/>
+            <a:ext cx="2721298" cy="1536290"/>
           </a:xfrm>
           <a:prstGeom prst="rect">
             <a:avLst/>
@@ -11794,102 +11777,330 @@
           <a:lstStyle/>
           <a:p>
             <a:pPr algn="ctr"/>
-            <a:endParaRPr lang="en-AU"/>
+            <a:endParaRPr lang="en-AU" b="1"/>
           </a:p>
         </p:txBody>
       </p:sp>
-      <p:pic>
-        <p:nvPicPr>
-          <p:cNvPr id="66" name="Graphic 65" descr="Scroll">
-            <a:extLst>
-              <a:ext uri="{FF2B5EF4-FFF2-40B4-BE49-F238E27FC236}">
-                <a16:creationId xmlns:a16="http://schemas.microsoft.com/office/drawing/2014/main" id="{1F2071BB-D45D-412A-9410-648B791C1E25}"/>
-              </a:ext>
-            </a:extLst>
-          </p:cNvPr>
-          <p:cNvPicPr>
-            <a:picLocks noChangeAspect="1"/>
-          </p:cNvPicPr>
-          <p:nvPr/>
-        </p:nvPicPr>
-        <p:blipFill>
-          <a:blip r:embed="rId20">
-            <a:extLst>
-              <a:ext uri="{28A0092B-C50C-407E-A947-70E740481C1C}">
-                <a14:useLocalDpi xmlns:a14="http://schemas.microsoft.com/office/drawing/2010/main" val="0"/>
-              </a:ext>
-              <a:ext uri="{96DAC541-7B7A-43D3-8B79-37D633B846F1}">
-                <asvg:svgBlip xmlns:asvg="http://schemas.microsoft.com/office/drawing/2016/SVG/main" r:embed="rId21"/>
-              </a:ext>
-            </a:extLst>
-          </a:blip>
-          <a:stretch>
-            <a:fillRect/>
-          </a:stretch>
-        </p:blipFill>
-        <p:spPr>
-          <a:xfrm>
-            <a:off x="10037029" y="843221"/>
-            <a:ext cx="1123692" cy="1123692"/>
-          </a:xfrm>
-          <a:prstGeom prst="rect">
-            <a:avLst/>
-          </a:prstGeom>
-        </p:spPr>
-      </p:pic>
       <p:sp>
         <p:nvSpPr>
-          <p:cNvPr id="67" name="TextBox 66">
-            <a:extLst>
-              <a:ext uri="{FF2B5EF4-FFF2-40B4-BE49-F238E27FC236}">
-                <a16:creationId xmlns:a16="http://schemas.microsoft.com/office/drawing/2014/main" id="{B80CC762-2E3A-4CC9-A774-A9829E74070B}"/>
-              </a:ext>
-            </a:extLst>
-          </p:cNvPr>
-          <p:cNvSpPr txBox="1"/>
+          <p:cNvPr id="7" name="Callout: Bent Line 6">
+            <a:extLst>
+              <a:ext uri="{FF2B5EF4-FFF2-40B4-BE49-F238E27FC236}">
+                <a16:creationId xmlns:a16="http://schemas.microsoft.com/office/drawing/2014/main" id="{75F4BD59-0DF0-4E37-92DF-33482CA84A45}"/>
+              </a:ext>
+            </a:extLst>
+          </p:cNvPr>
+          <p:cNvSpPr/>
           <p:nvPr/>
         </p:nvSpPr>
         <p:spPr>
           <a:xfrm>
-            <a:off x="9403130" y="333523"/>
-            <a:ext cx="2391489" cy="584775"/>
-          </a:xfrm>
-          <a:prstGeom prst="rect">
-            <a:avLst/>
-          </a:prstGeom>
-          <a:noFill/>
-        </p:spPr>
+            <a:off x="7480628" y="3929456"/>
+            <a:ext cx="1766875" cy="1371959"/>
+          </a:xfrm>
+          <a:prstGeom prst="borderCallout2">
+            <a:avLst>
+              <a:gd name="adj1" fmla="val 18102"/>
+              <a:gd name="adj2" fmla="val 633"/>
+              <a:gd name="adj3" fmla="val 19902"/>
+              <a:gd name="adj4" fmla="val -11588"/>
+              <a:gd name="adj5" fmla="val 22647"/>
+              <a:gd name="adj6" fmla="val -32327"/>
+            </a:avLst>
+          </a:prstGeom>
+        </p:spPr>
+        <p:style>
+          <a:lnRef idx="1">
+            <a:schemeClr val="accent4"/>
+          </a:lnRef>
+          <a:fillRef idx="2">
+            <a:schemeClr val="accent4"/>
+          </a:fillRef>
+          <a:effectRef idx="1">
+            <a:schemeClr val="accent4"/>
+          </a:effectRef>
+          <a:fontRef idx="minor">
+            <a:schemeClr val="dk1"/>
+          </a:fontRef>
+        </p:style>
         <p:txBody>
-          <a:bodyPr wrap="square" rtlCol="0">
-            <a:spAutoFit/>
-          </a:bodyPr>
+          <a:bodyPr rtlCol="0" anchor="ctr"/>
           <a:lstStyle/>
           <a:p>
             <a:pPr algn="ctr"/>
             <a:r>
-              <a:rPr lang="en-AU" sz="1600" b="1" dirty="0">
-                <a:latin typeface="Print Clearly" panose="00000400000000000000" pitchFamily="2" charset="0"/>
-              </a:rPr>
-              <a:t>Validator deposit contract</a:t>
-            </a:r>
-          </a:p>
-          <a:p>
-            <a:pPr algn="ctr"/>
-            <a:r>
-              <a:rPr lang="en-AU" sz="1600" b="1" dirty="0">
-                <a:latin typeface="Print Clearly" panose="00000400000000000000" pitchFamily="2" charset="0"/>
-              </a:rPr>
-              <a:t>(on ETH1 Chain)</a:t>
+              <a:rPr lang="en-AU" dirty="0"/>
+              <a:t>Important! These are your new ETH2 keys.  Keep them safe!</a:t>
             </a:r>
           </a:p>
         </p:txBody>
       </p:sp>
+      <p:grpSp>
+        <p:nvGrpSpPr>
+          <p:cNvPr id="81" name="Group 80">
+            <a:extLst>
+              <a:ext uri="{FF2B5EF4-FFF2-40B4-BE49-F238E27FC236}">
+                <a16:creationId xmlns:a16="http://schemas.microsoft.com/office/drawing/2014/main" id="{97AC3411-6EBB-49E8-999F-54BC845BB348}"/>
+              </a:ext>
+            </a:extLst>
+          </p:cNvPr>
+          <p:cNvGrpSpPr/>
+          <p:nvPr/>
+        </p:nvGrpSpPr>
+        <p:grpSpPr>
+          <a:xfrm>
+            <a:off x="3550765" y="4837933"/>
+            <a:ext cx="1211614" cy="826630"/>
+            <a:chOff x="3550765" y="4837933"/>
+            <a:chExt cx="1211614" cy="826630"/>
+          </a:xfrm>
+        </p:grpSpPr>
+        <p:pic>
+          <p:nvPicPr>
+            <p:cNvPr id="35" name="Picture 34" descr="A picture containing drawing&#10;&#10;Description automatically generated">
+              <a:extLst>
+                <a:ext uri="{FF2B5EF4-FFF2-40B4-BE49-F238E27FC236}">
+                  <a16:creationId xmlns:a16="http://schemas.microsoft.com/office/drawing/2014/main" id="{5930B816-372D-47C7-83CE-282D0CD1FF17}"/>
+                </a:ext>
+              </a:extLst>
+            </p:cNvPr>
+            <p:cNvPicPr>
+              <a:picLocks noChangeAspect="1"/>
+            </p:cNvPicPr>
+            <p:nvPr/>
+          </p:nvPicPr>
+          <p:blipFill>
+            <a:blip r:embed="rId17">
+              <a:extLst>
+                <a:ext uri="{28A0092B-C50C-407E-A947-70E740481C1C}">
+                  <a14:useLocalDpi xmlns:a14="http://schemas.microsoft.com/office/drawing/2010/main" val="0"/>
+                </a:ext>
+              </a:extLst>
+            </a:blip>
+            <a:stretch>
+              <a:fillRect/>
+            </a:stretch>
+          </p:blipFill>
+          <p:spPr>
+            <a:xfrm>
+              <a:off x="3754641" y="4837933"/>
+              <a:ext cx="806886" cy="528649"/>
+            </a:xfrm>
+            <a:prstGeom prst="rect">
+              <a:avLst/>
+            </a:prstGeom>
+          </p:spPr>
+        </p:pic>
+        <p:pic>
+          <p:nvPicPr>
+            <p:cNvPr id="70" name="Picture 69" descr="A close up of a logo&#10;&#10;Description automatically generated">
+              <a:extLst>
+                <a:ext uri="{FF2B5EF4-FFF2-40B4-BE49-F238E27FC236}">
+                  <a16:creationId xmlns:a16="http://schemas.microsoft.com/office/drawing/2014/main" id="{591D5CD2-4B20-4100-B88B-162D97D3A668}"/>
+                </a:ext>
+              </a:extLst>
+            </p:cNvPr>
+            <p:cNvPicPr>
+              <a:picLocks noChangeAspect="1"/>
+            </p:cNvPicPr>
+            <p:nvPr/>
+          </p:nvPicPr>
+          <p:blipFill>
+            <a:blip r:embed="rId18">
+              <a:extLst>
+                <a:ext uri="{28A0092B-C50C-407E-A947-70E740481C1C}">
+                  <a14:useLocalDpi xmlns:a14="http://schemas.microsoft.com/office/drawing/2010/main" val="0"/>
+                </a:ext>
+              </a:extLst>
+            </a:blip>
+            <a:stretch>
+              <a:fillRect/>
+            </a:stretch>
+          </p:blipFill>
+          <p:spPr>
+            <a:xfrm>
+              <a:off x="3997247" y="4971073"/>
+              <a:ext cx="354560" cy="354560"/>
+            </a:xfrm>
+            <a:prstGeom prst="rect">
+              <a:avLst/>
+            </a:prstGeom>
+          </p:spPr>
+        </p:pic>
+        <p:sp>
+          <p:nvSpPr>
+            <p:cNvPr id="18" name="Rectangle 17">
+              <a:extLst>
+                <a:ext uri="{FF2B5EF4-FFF2-40B4-BE49-F238E27FC236}">
+                  <a16:creationId xmlns:a16="http://schemas.microsoft.com/office/drawing/2014/main" id="{2430B9C7-54A4-438E-8ADF-DD6ADAE15CB6}"/>
+                </a:ext>
+              </a:extLst>
+            </p:cNvPr>
+            <p:cNvSpPr/>
+            <p:nvPr/>
+          </p:nvSpPr>
+          <p:spPr>
+            <a:xfrm>
+              <a:off x="3550765" y="5295231"/>
+              <a:ext cx="1211614" cy="369332"/>
+            </a:xfrm>
+            <a:prstGeom prst="rect">
+              <a:avLst/>
+            </a:prstGeom>
+          </p:spPr>
+          <p:txBody>
+            <a:bodyPr wrap="none">
+              <a:spAutoFit/>
+            </a:bodyPr>
+            <a:lstStyle/>
+            <a:p>
+              <a:r>
+                <a:rPr lang="en-AU" b="1" dirty="0">
+                  <a:latin typeface="Print Clearly" panose="00000400000000000000" pitchFamily="2" charset="0"/>
+                </a:rPr>
+                <a:t>ETH2 Wallet</a:t>
+              </a:r>
+              <a:endParaRPr lang="en-AU" dirty="0"/>
+            </a:p>
+          </p:txBody>
+        </p:sp>
+      </p:grpSp>
+      <p:grpSp>
+        <p:nvGrpSpPr>
+          <p:cNvPr id="82" name="Group 81">
+            <a:extLst>
+              <a:ext uri="{FF2B5EF4-FFF2-40B4-BE49-F238E27FC236}">
+                <a16:creationId xmlns:a16="http://schemas.microsoft.com/office/drawing/2014/main" id="{E2586F13-EE62-48A3-B416-2A5417E3D163}"/>
+              </a:ext>
+            </a:extLst>
+          </p:cNvPr>
+          <p:cNvGrpSpPr/>
+          <p:nvPr/>
+        </p:nvGrpSpPr>
+        <p:grpSpPr>
+          <a:xfrm>
+            <a:off x="2873686" y="1246804"/>
+            <a:ext cx="1200393" cy="831586"/>
+            <a:chOff x="2873686" y="1246804"/>
+            <a:chExt cx="1200393" cy="831586"/>
+          </a:xfrm>
+        </p:grpSpPr>
+        <p:pic>
+          <p:nvPicPr>
+            <p:cNvPr id="71" name="Picture 70" descr="A picture containing drawing&#10;&#10;Description automatically generated">
+              <a:extLst>
+                <a:ext uri="{FF2B5EF4-FFF2-40B4-BE49-F238E27FC236}">
+                  <a16:creationId xmlns:a16="http://schemas.microsoft.com/office/drawing/2014/main" id="{5F28CD3A-54B9-4597-9ADB-F70217C50106}"/>
+                </a:ext>
+              </a:extLst>
+            </p:cNvPr>
+            <p:cNvPicPr>
+              <a:picLocks noChangeAspect="1"/>
+            </p:cNvPicPr>
+            <p:nvPr/>
+          </p:nvPicPr>
+          <p:blipFill>
+            <a:blip r:embed="rId17">
+              <a:extLst>
+                <a:ext uri="{28A0092B-C50C-407E-A947-70E740481C1C}">
+                  <a14:useLocalDpi xmlns:a14="http://schemas.microsoft.com/office/drawing/2010/main" val="0"/>
+                </a:ext>
+              </a:extLst>
+            </a:blip>
+            <a:stretch>
+              <a:fillRect/>
+            </a:stretch>
+          </p:blipFill>
+          <p:spPr>
+            <a:xfrm>
+              <a:off x="3165751" y="1246804"/>
+              <a:ext cx="806886" cy="528649"/>
+            </a:xfrm>
+            <a:prstGeom prst="rect">
+              <a:avLst/>
+            </a:prstGeom>
+          </p:spPr>
+        </p:pic>
+        <p:pic>
+          <p:nvPicPr>
+            <p:cNvPr id="74" name="Picture 73" descr="A close up of a logo&#10;&#10;Description automatically generated">
+              <a:extLst>
+                <a:ext uri="{FF2B5EF4-FFF2-40B4-BE49-F238E27FC236}">
+                  <a16:creationId xmlns:a16="http://schemas.microsoft.com/office/drawing/2014/main" id="{2E5E1B75-07E7-441A-860F-64D100EBEC74}"/>
+                </a:ext>
+              </a:extLst>
+            </p:cNvPr>
+            <p:cNvPicPr>
+              <a:picLocks noChangeAspect="1"/>
+            </p:cNvPicPr>
+            <p:nvPr/>
+          </p:nvPicPr>
+          <p:blipFill>
+            <a:blip r:embed="rId18">
+              <a:extLst>
+                <a:ext uri="{28A0092B-C50C-407E-A947-70E740481C1C}">
+                  <a14:useLocalDpi xmlns:a14="http://schemas.microsoft.com/office/drawing/2010/main" val="0"/>
+                </a:ext>
+              </a:extLst>
+            </a:blip>
+            <a:stretch>
+              <a:fillRect/>
+            </a:stretch>
+          </p:blipFill>
+          <p:spPr>
+            <a:xfrm>
+              <a:off x="3408357" y="1379944"/>
+              <a:ext cx="354560" cy="354560"/>
+            </a:xfrm>
+            <a:prstGeom prst="rect">
+              <a:avLst/>
+            </a:prstGeom>
+          </p:spPr>
+        </p:pic>
+        <p:sp>
+          <p:nvSpPr>
+            <p:cNvPr id="75" name="Rectangle 74">
+              <a:extLst>
+                <a:ext uri="{FF2B5EF4-FFF2-40B4-BE49-F238E27FC236}">
+                  <a16:creationId xmlns:a16="http://schemas.microsoft.com/office/drawing/2014/main" id="{10D71760-A685-448C-87B5-5BF56FF95D9A}"/>
+                </a:ext>
+              </a:extLst>
+            </p:cNvPr>
+            <p:cNvSpPr/>
+            <p:nvPr/>
+          </p:nvSpPr>
+          <p:spPr>
+            <a:xfrm>
+              <a:off x="2873686" y="1709058"/>
+              <a:ext cx="1200393" cy="369332"/>
+            </a:xfrm>
+            <a:prstGeom prst="rect">
+              <a:avLst/>
+            </a:prstGeom>
+          </p:spPr>
+          <p:txBody>
+            <a:bodyPr wrap="none">
+              <a:spAutoFit/>
+            </a:bodyPr>
+            <a:lstStyle/>
+            <a:p>
+              <a:r>
+                <a:rPr lang="en-AU" b="1" dirty="0">
+                  <a:latin typeface="Print Clearly" panose="00000400000000000000" pitchFamily="2" charset="0"/>
+                </a:rPr>
+                <a:t>ETH1 Wallet</a:t>
+              </a:r>
+              <a:endParaRPr lang="en-AU" dirty="0"/>
+            </a:p>
+          </p:txBody>
+        </p:sp>
+      </p:grpSp>
       <p:cxnSp>
         <p:nvCxnSpPr>
-          <p:cNvPr id="68" name="Straight Arrow Connector 67">
-            <a:extLst>
-              <a:ext uri="{FF2B5EF4-FFF2-40B4-BE49-F238E27FC236}">
-                <a16:creationId xmlns:a16="http://schemas.microsoft.com/office/drawing/2014/main" id="{45C568A6-3ED7-4B55-9959-228D8A0F7607}"/>
+          <p:cNvPr id="76" name="Straight Arrow Connector 75">
+            <a:extLst>
+              <a:ext uri="{FF2B5EF4-FFF2-40B4-BE49-F238E27FC236}">
+                <a16:creationId xmlns:a16="http://schemas.microsoft.com/office/drawing/2014/main" id="{31B072AD-AD6D-474A-9DD5-537739CF3306}"/>
               </a:ext>
             </a:extLst>
           </p:cNvPr>
@@ -11900,15 +12111,14 @@
         </p:nvCxnSpPr>
         <p:spPr>
           <a:xfrm flipV="1">
-            <a:off x="898972" y="1966913"/>
-            <a:ext cx="0" cy="1927680"/>
+            <a:off x="6341644" y="1901358"/>
+            <a:ext cx="610150" cy="220966"/>
           </a:xfrm>
           <a:prstGeom prst="straightConnector1">
             <a:avLst/>
           </a:prstGeom>
           <a:ln w="31750">
-            <a:prstDash val="sysDot"/>
-            <a:tailEnd type="none"/>
+            <a:tailEnd type="triangle"/>
           </a:ln>
         </p:spPr>
         <p:style>
@@ -11926,329 +12136,6 @@
           </a:fontRef>
         </p:style>
       </p:cxnSp>
-      <p:cxnSp>
-        <p:nvCxnSpPr>
-          <p:cNvPr id="69" name="Straight Arrow Connector 68">
-            <a:extLst>
-              <a:ext uri="{FF2B5EF4-FFF2-40B4-BE49-F238E27FC236}">
-                <a16:creationId xmlns:a16="http://schemas.microsoft.com/office/drawing/2014/main" id="{942F1D4F-2AEA-4990-8515-408A306DD154}"/>
-              </a:ext>
-            </a:extLst>
-          </p:cNvPr>
-          <p:cNvCxnSpPr>
-            <a:cxnSpLocks/>
-          </p:cNvCxnSpPr>
-          <p:nvPr/>
-        </p:nvCxnSpPr>
-        <p:spPr>
-          <a:xfrm>
-            <a:off x="898972" y="1985212"/>
-            <a:ext cx="2650344" cy="0"/>
-          </a:xfrm>
-          <a:prstGeom prst="straightConnector1">
-            <a:avLst/>
-          </a:prstGeom>
-          <a:ln w="31750">
-            <a:prstDash val="sysDot"/>
-            <a:tailEnd type="triangle"/>
-          </a:ln>
-        </p:spPr>
-        <p:style>
-          <a:lnRef idx="3">
-            <a:schemeClr val="dk1"/>
-          </a:lnRef>
-          <a:fillRef idx="0">
-            <a:schemeClr val="dk1"/>
-          </a:fillRef>
-          <a:effectRef idx="2">
-            <a:schemeClr val="dk1"/>
-          </a:effectRef>
-          <a:fontRef idx="minor">
-            <a:schemeClr val="tx1"/>
-          </a:fontRef>
-        </p:style>
-      </p:cxnSp>
-      <p:cxnSp>
-        <p:nvCxnSpPr>
-          <p:cNvPr id="73" name="Straight Arrow Connector 72">
-            <a:extLst>
-              <a:ext uri="{FF2B5EF4-FFF2-40B4-BE49-F238E27FC236}">
-                <a16:creationId xmlns:a16="http://schemas.microsoft.com/office/drawing/2014/main" id="{8BE4941F-39B7-44A5-86BA-EB053F0F2BA2}"/>
-              </a:ext>
-            </a:extLst>
-          </p:cNvPr>
-          <p:cNvCxnSpPr>
-            <a:cxnSpLocks/>
-          </p:cNvCxnSpPr>
-          <p:nvPr/>
-        </p:nvCxnSpPr>
-        <p:spPr>
-          <a:xfrm flipV="1">
-            <a:off x="9521935" y="1368891"/>
-            <a:ext cx="599706" cy="2"/>
-          </a:xfrm>
-          <a:prstGeom prst="straightConnector1">
-            <a:avLst/>
-          </a:prstGeom>
-          <a:ln w="31750">
-            <a:tailEnd type="triangle"/>
-          </a:ln>
-        </p:spPr>
-        <p:style>
-          <a:lnRef idx="3">
-            <a:schemeClr val="dk1"/>
-          </a:lnRef>
-          <a:fillRef idx="0">
-            <a:schemeClr val="dk1"/>
-          </a:fillRef>
-          <a:effectRef idx="2">
-            <a:schemeClr val="dk1"/>
-          </a:effectRef>
-          <a:fontRef idx="minor">
-            <a:schemeClr val="tx1"/>
-          </a:fontRef>
-        </p:style>
-      </p:cxnSp>
-      <p:cxnSp>
-        <p:nvCxnSpPr>
-          <p:cNvPr id="77" name="Straight Arrow Connector 76">
-            <a:extLst>
-              <a:ext uri="{FF2B5EF4-FFF2-40B4-BE49-F238E27FC236}">
-                <a16:creationId xmlns:a16="http://schemas.microsoft.com/office/drawing/2014/main" id="{AF422683-6BE2-41C5-8BA5-F48BBA6CA4D2}"/>
-              </a:ext>
-            </a:extLst>
-          </p:cNvPr>
-          <p:cNvCxnSpPr>
-            <a:cxnSpLocks/>
-            <a:stCxn id="61" idx="0"/>
-            <a:endCxn id="78" idx="2"/>
-          </p:cNvCxnSpPr>
-          <p:nvPr/>
-        </p:nvCxnSpPr>
-        <p:spPr>
-          <a:xfrm flipH="1" flipV="1">
-            <a:off x="10663547" y="2499297"/>
-            <a:ext cx="3730" cy="585507"/>
-          </a:xfrm>
-          <a:prstGeom prst="straightConnector1">
-            <a:avLst/>
-          </a:prstGeom>
-          <a:ln w="31750">
-            <a:tailEnd type="triangle"/>
-          </a:ln>
-        </p:spPr>
-        <p:style>
-          <a:lnRef idx="3">
-            <a:schemeClr val="dk1"/>
-          </a:lnRef>
-          <a:fillRef idx="0">
-            <a:schemeClr val="dk1"/>
-          </a:fillRef>
-          <a:effectRef idx="2">
-            <a:schemeClr val="dk1"/>
-          </a:effectRef>
-          <a:fontRef idx="minor">
-            <a:schemeClr val="tx1"/>
-          </a:fontRef>
-        </p:style>
-      </p:cxnSp>
-      <p:sp>
-        <p:nvSpPr>
-          <p:cNvPr id="78" name="TextBox 77">
-            <a:extLst>
-              <a:ext uri="{FF2B5EF4-FFF2-40B4-BE49-F238E27FC236}">
-                <a16:creationId xmlns:a16="http://schemas.microsoft.com/office/drawing/2014/main" id="{40069317-0AB8-4A29-867D-EE6C9C9EC78A}"/>
-              </a:ext>
-            </a:extLst>
-          </p:cNvPr>
-          <p:cNvSpPr txBox="1"/>
-          <p:nvPr/>
-        </p:nvSpPr>
-        <p:spPr>
-          <a:xfrm>
-            <a:off x="9532475" y="1914522"/>
-            <a:ext cx="2262143" cy="584775"/>
-          </a:xfrm>
-          <a:prstGeom prst="rect">
-            <a:avLst/>
-          </a:prstGeom>
-          <a:noFill/>
-        </p:spPr>
-        <p:txBody>
-          <a:bodyPr wrap="square" rtlCol="0">
-            <a:spAutoFit/>
-          </a:bodyPr>
-          <a:lstStyle/>
-          <a:p>
-            <a:pPr algn="ctr"/>
-            <a:r>
-              <a:rPr lang="en-AU" sz="1600" b="1" dirty="0">
-                <a:latin typeface="Print Clearly" panose="00000400000000000000" pitchFamily="2" charset="0"/>
-              </a:rPr>
-              <a:t>ETH2 nodes watch for new deposits</a:t>
-            </a:r>
-          </a:p>
-        </p:txBody>
-      </p:sp>
-      <p:cxnSp>
-        <p:nvCxnSpPr>
-          <p:cNvPr id="79" name="Straight Arrow Connector 78">
-            <a:extLst>
-              <a:ext uri="{FF2B5EF4-FFF2-40B4-BE49-F238E27FC236}">
-                <a16:creationId xmlns:a16="http://schemas.microsoft.com/office/drawing/2014/main" id="{DADE9C38-43C0-4BBE-87DD-348CA9A8F264}"/>
-              </a:ext>
-            </a:extLst>
-          </p:cNvPr>
-          <p:cNvCxnSpPr>
-            <a:cxnSpLocks/>
-          </p:cNvCxnSpPr>
-          <p:nvPr/>
-        </p:nvCxnSpPr>
-        <p:spPr>
-          <a:xfrm>
-            <a:off x="103635" y="2918040"/>
-            <a:ext cx="12035025" cy="0"/>
-          </a:xfrm>
-          <a:prstGeom prst="straightConnector1">
-            <a:avLst/>
-          </a:prstGeom>
-          <a:ln w="31750">
-            <a:solidFill>
-              <a:schemeClr val="tx1"/>
-            </a:solidFill>
-            <a:prstDash val="lgDash"/>
-            <a:tailEnd type="none"/>
-          </a:ln>
-        </p:spPr>
-        <p:style>
-          <a:lnRef idx="3">
-            <a:schemeClr val="dk1"/>
-          </a:lnRef>
-          <a:fillRef idx="0">
-            <a:schemeClr val="dk1"/>
-          </a:fillRef>
-          <a:effectRef idx="2">
-            <a:schemeClr val="dk1"/>
-          </a:effectRef>
-          <a:fontRef idx="minor">
-            <a:schemeClr val="tx1"/>
-          </a:fontRef>
-        </p:style>
-      </p:cxnSp>
-      <p:sp>
-        <p:nvSpPr>
-          <p:cNvPr id="84" name="TextBox 83">
-            <a:extLst>
-              <a:ext uri="{FF2B5EF4-FFF2-40B4-BE49-F238E27FC236}">
-                <a16:creationId xmlns:a16="http://schemas.microsoft.com/office/drawing/2014/main" id="{6E5E5F18-FF46-49FE-8E57-DAF142D8E107}"/>
-              </a:ext>
-            </a:extLst>
-          </p:cNvPr>
-          <p:cNvSpPr txBox="1"/>
-          <p:nvPr/>
-        </p:nvSpPr>
-        <p:spPr>
-          <a:xfrm>
-            <a:off x="10779005" y="2198952"/>
-            <a:ext cx="1649491" cy="771558"/>
-          </a:xfrm>
-          <a:prstGeom prst="rect">
-            <a:avLst/>
-          </a:prstGeom>
-          <a:noFill/>
-        </p:spPr>
-        <p:txBody>
-          <a:bodyPr wrap="square" rtlCol="0">
-            <a:spAutoFit/>
-          </a:bodyPr>
-          <a:lstStyle/>
-          <a:p>
-            <a:pPr algn="ctr">
-              <a:lnSpc>
-                <a:spcPts val="6000"/>
-              </a:lnSpc>
-            </a:pPr>
-            <a:r>
-              <a:rPr lang="en-AU" sz="3200" b="1" dirty="0">
-                <a:latin typeface="Print Clearly" panose="00000400000000000000" pitchFamily="2" charset="0"/>
-              </a:rPr>
-              <a:t>ETH1</a:t>
-            </a:r>
-          </a:p>
-        </p:txBody>
-      </p:sp>
-      <p:sp>
-        <p:nvSpPr>
-          <p:cNvPr id="85" name="TextBox 84">
-            <a:extLst>
-              <a:ext uri="{FF2B5EF4-FFF2-40B4-BE49-F238E27FC236}">
-                <a16:creationId xmlns:a16="http://schemas.microsoft.com/office/drawing/2014/main" id="{736E03D9-7C17-4F62-A4EB-99A133621B10}"/>
-              </a:ext>
-            </a:extLst>
-          </p:cNvPr>
-          <p:cNvSpPr txBox="1"/>
-          <p:nvPr/>
-        </p:nvSpPr>
-        <p:spPr>
-          <a:xfrm>
-            <a:off x="10787904" y="2673723"/>
-            <a:ext cx="1649491" cy="771558"/>
-          </a:xfrm>
-          <a:prstGeom prst="rect">
-            <a:avLst/>
-          </a:prstGeom>
-          <a:noFill/>
-        </p:spPr>
-        <p:txBody>
-          <a:bodyPr wrap="square" rtlCol="0">
-            <a:spAutoFit/>
-          </a:bodyPr>
-          <a:lstStyle/>
-          <a:p>
-            <a:pPr algn="ctr">
-              <a:lnSpc>
-                <a:spcPts val="6000"/>
-              </a:lnSpc>
-            </a:pPr>
-            <a:r>
-              <a:rPr lang="en-AU" sz="3200" b="1" dirty="0">
-                <a:latin typeface="Print Clearly" panose="00000400000000000000" pitchFamily="2" charset="0"/>
-              </a:rPr>
-              <a:t>ETH2</a:t>
-            </a:r>
-          </a:p>
-        </p:txBody>
-      </p:sp>
-      <p:pic>
-        <p:nvPicPr>
-          <p:cNvPr id="88" name="Picture 87">
-            <a:extLst>
-              <a:ext uri="{FF2B5EF4-FFF2-40B4-BE49-F238E27FC236}">
-                <a16:creationId xmlns:a16="http://schemas.microsoft.com/office/drawing/2014/main" id="{A781CB39-5CFA-46F4-B86E-402F5ED8B396}"/>
-              </a:ext>
-            </a:extLst>
-          </p:cNvPr>
-          <p:cNvPicPr>
-            <a:picLocks noChangeAspect="1"/>
-          </p:cNvPicPr>
-          <p:nvPr/>
-        </p:nvPicPr>
-        <p:blipFill>
-          <a:blip r:embed="rId22"/>
-          <a:stretch>
-            <a:fillRect/>
-          </a:stretch>
-        </p:blipFill>
-        <p:spPr>
-          <a:xfrm>
-            <a:off x="7238959" y="2125917"/>
-            <a:ext cx="1990725" cy="419100"/>
-          </a:xfrm>
-          <a:prstGeom prst="rect">
-            <a:avLst/>
-          </a:prstGeom>
-        </p:spPr>
-      </p:pic>
     </p:spTree>
     <p:extLst>
       <p:ext uri="{BB962C8B-B14F-4D97-AF65-F5344CB8AC3E}">

--- a/website/static/img/Prysm_Docs.pptx
+++ b/website/static/img/Prysm_Docs.pptx
@@ -14,10 +14,11 @@
     <p:sldId id="269" r:id="rId8"/>
     <p:sldId id="265" r:id="rId9"/>
     <p:sldId id="266" r:id="rId10"/>
-    <p:sldId id="257" r:id="rId11"/>
-    <p:sldId id="258" r:id="rId12"/>
-    <p:sldId id="259" r:id="rId13"/>
-    <p:sldId id="261" r:id="rId14"/>
+    <p:sldId id="270" r:id="rId11"/>
+    <p:sldId id="257" r:id="rId12"/>
+    <p:sldId id="258" r:id="rId13"/>
+    <p:sldId id="259" r:id="rId14"/>
+    <p:sldId id="261" r:id="rId15"/>
   </p:sldIdLst>
   <p:sldSz cx="12192000" cy="6858000"/>
   <p:notesSz cx="6858000" cy="9144000"/>
@@ -296,7 +297,7 @@
           <a:p>
             <a:fld id="{78ADB5D7-C4E8-44D3-88DB-0B39486893FA}" type="datetimeFigureOut">
               <a:rPr lang="en-AU" smtClean="0"/>
-              <a:t>9/05/2020</a:t>
+              <a:t>14/05/2020</a:t>
             </a:fld>
             <a:endParaRPr lang="en-AU"/>
           </a:p>
@@ -496,7 +497,7 @@
           <a:p>
             <a:fld id="{78ADB5D7-C4E8-44D3-88DB-0B39486893FA}" type="datetimeFigureOut">
               <a:rPr lang="en-AU" smtClean="0"/>
-              <a:t>9/05/2020</a:t>
+              <a:t>14/05/2020</a:t>
             </a:fld>
             <a:endParaRPr lang="en-AU"/>
           </a:p>
@@ -706,7 +707,7 @@
           <a:p>
             <a:fld id="{78ADB5D7-C4E8-44D3-88DB-0B39486893FA}" type="datetimeFigureOut">
               <a:rPr lang="en-AU" smtClean="0"/>
-              <a:t>9/05/2020</a:t>
+              <a:t>14/05/2020</a:t>
             </a:fld>
             <a:endParaRPr lang="en-AU"/>
           </a:p>
@@ -906,7 +907,7 @@
           <a:p>
             <a:fld id="{78ADB5D7-C4E8-44D3-88DB-0B39486893FA}" type="datetimeFigureOut">
               <a:rPr lang="en-AU" smtClean="0"/>
-              <a:t>9/05/2020</a:t>
+              <a:t>14/05/2020</a:t>
             </a:fld>
             <a:endParaRPr lang="en-AU"/>
           </a:p>
@@ -1182,7 +1183,7 @@
           <a:p>
             <a:fld id="{78ADB5D7-C4E8-44D3-88DB-0B39486893FA}" type="datetimeFigureOut">
               <a:rPr lang="en-AU" smtClean="0"/>
-              <a:t>9/05/2020</a:t>
+              <a:t>14/05/2020</a:t>
             </a:fld>
             <a:endParaRPr lang="en-AU"/>
           </a:p>
@@ -1450,7 +1451,7 @@
           <a:p>
             <a:fld id="{78ADB5D7-C4E8-44D3-88DB-0B39486893FA}" type="datetimeFigureOut">
               <a:rPr lang="en-AU" smtClean="0"/>
-              <a:t>9/05/2020</a:t>
+              <a:t>14/05/2020</a:t>
             </a:fld>
             <a:endParaRPr lang="en-AU"/>
           </a:p>
@@ -1865,7 +1866,7 @@
           <a:p>
             <a:fld id="{78ADB5D7-C4E8-44D3-88DB-0B39486893FA}" type="datetimeFigureOut">
               <a:rPr lang="en-AU" smtClean="0"/>
-              <a:t>9/05/2020</a:t>
+              <a:t>14/05/2020</a:t>
             </a:fld>
             <a:endParaRPr lang="en-AU"/>
           </a:p>
@@ -2007,7 +2008,7 @@
           <a:p>
             <a:fld id="{78ADB5D7-C4E8-44D3-88DB-0B39486893FA}" type="datetimeFigureOut">
               <a:rPr lang="en-AU" smtClean="0"/>
-              <a:t>9/05/2020</a:t>
+              <a:t>14/05/2020</a:t>
             </a:fld>
             <a:endParaRPr lang="en-AU"/>
           </a:p>
@@ -2120,7 +2121,7 @@
           <a:p>
             <a:fld id="{78ADB5D7-C4E8-44D3-88DB-0B39486893FA}" type="datetimeFigureOut">
               <a:rPr lang="en-AU" smtClean="0"/>
-              <a:t>9/05/2020</a:t>
+              <a:t>14/05/2020</a:t>
             </a:fld>
             <a:endParaRPr lang="en-AU"/>
           </a:p>
@@ -2433,7 +2434,7 @@
           <a:p>
             <a:fld id="{78ADB5D7-C4E8-44D3-88DB-0B39486893FA}" type="datetimeFigureOut">
               <a:rPr lang="en-AU" smtClean="0"/>
-              <a:t>9/05/2020</a:t>
+              <a:t>14/05/2020</a:t>
             </a:fld>
             <a:endParaRPr lang="en-AU"/>
           </a:p>
@@ -2722,7 +2723,7 @@
           <a:p>
             <a:fld id="{78ADB5D7-C4E8-44D3-88DB-0B39486893FA}" type="datetimeFigureOut">
               <a:rPr lang="en-AU" smtClean="0"/>
-              <a:t>9/05/2020</a:t>
+              <a:t>14/05/2020</a:t>
             </a:fld>
             <a:endParaRPr lang="en-AU"/>
           </a:p>
@@ -2965,7 +2966,7 @@
           <a:p>
             <a:fld id="{78ADB5D7-C4E8-44D3-88DB-0B39486893FA}" type="datetimeFigureOut">
               <a:rPr lang="en-AU" smtClean="0"/>
-              <a:t>9/05/2020</a:t>
+              <a:t>14/05/2020</a:t>
             </a:fld>
             <a:endParaRPr lang="en-AU"/>
           </a:p>
@@ -4719,6 +4720,1558 @@
           <a:chExt cx="0" cy="0"/>
         </a:xfrm>
       </p:grpSpPr>
+      <p:sp>
+        <p:nvSpPr>
+          <p:cNvPr id="70" name="TextBox 69">
+            <a:extLst>
+              <a:ext uri="{FF2B5EF4-FFF2-40B4-BE49-F238E27FC236}">
+                <a16:creationId xmlns:a16="http://schemas.microsoft.com/office/drawing/2014/main" id="{6B9C9DC0-41D5-4EC5-9B0A-7DB91F2C65AC}"/>
+              </a:ext>
+            </a:extLst>
+          </p:cNvPr>
+          <p:cNvSpPr txBox="1"/>
+          <p:nvPr/>
+        </p:nvSpPr>
+        <p:spPr>
+          <a:xfrm>
+            <a:off x="4655219" y="4624759"/>
+            <a:ext cx="3492482" cy="338554"/>
+          </a:xfrm>
+          <a:prstGeom prst="rect">
+            <a:avLst/>
+          </a:prstGeom>
+          <a:noFill/>
+        </p:spPr>
+        <p:txBody>
+          <a:bodyPr wrap="square" rtlCol="0">
+            <a:spAutoFit/>
+          </a:bodyPr>
+          <a:lstStyle/>
+          <a:p>
+            <a:pPr algn="ctr"/>
+            <a:r>
+              <a:rPr lang="en-AU" sz="1600" b="1" dirty="0">
+                <a:latin typeface="Print Clearly" panose="00000400000000000000" pitchFamily="2" charset="0"/>
+              </a:rPr>
+              <a:t>Queue Delay             Varies Widely </a:t>
+            </a:r>
+          </a:p>
+        </p:txBody>
+      </p:sp>
+      <p:sp>
+        <p:nvSpPr>
+          <p:cNvPr id="7" name="Freeform: Shape 6">
+            <a:extLst>
+              <a:ext uri="{FF2B5EF4-FFF2-40B4-BE49-F238E27FC236}">
+                <a16:creationId xmlns:a16="http://schemas.microsoft.com/office/drawing/2014/main" id="{AEF9EDBC-7A40-467C-B29F-C08B1B39D0FA}"/>
+              </a:ext>
+            </a:extLst>
+          </p:cNvPr>
+          <p:cNvSpPr/>
+          <p:nvPr/>
+        </p:nvSpPr>
+        <p:spPr>
+          <a:xfrm>
+            <a:off x="5626419" y="262917"/>
+            <a:ext cx="1399464" cy="839678"/>
+          </a:xfrm>
+          <a:custGeom>
+            <a:avLst/>
+            <a:gdLst>
+              <a:gd name="connsiteX0" fmla="*/ 0 w 2706687"/>
+              <a:gd name="connsiteY0" fmla="*/ 0 h 1624012"/>
+              <a:gd name="connsiteX1" fmla="*/ 2706687 w 2706687"/>
+              <a:gd name="connsiteY1" fmla="*/ 0 h 1624012"/>
+              <a:gd name="connsiteX2" fmla="*/ 2706687 w 2706687"/>
+              <a:gd name="connsiteY2" fmla="*/ 1624012 h 1624012"/>
+              <a:gd name="connsiteX3" fmla="*/ 0 w 2706687"/>
+              <a:gd name="connsiteY3" fmla="*/ 1624012 h 1624012"/>
+              <a:gd name="connsiteX4" fmla="*/ 0 w 2706687"/>
+              <a:gd name="connsiteY4" fmla="*/ 0 h 1624012"/>
+            </a:gdLst>
+            <a:ahLst/>
+            <a:cxnLst>
+              <a:cxn ang="0">
+                <a:pos x="connsiteX0" y="connsiteY0"/>
+              </a:cxn>
+              <a:cxn ang="0">
+                <a:pos x="connsiteX1" y="connsiteY1"/>
+              </a:cxn>
+              <a:cxn ang="0">
+                <a:pos x="connsiteX2" y="connsiteY2"/>
+              </a:cxn>
+              <a:cxn ang="0">
+                <a:pos x="connsiteX3" y="connsiteY3"/>
+              </a:cxn>
+              <a:cxn ang="0">
+                <a:pos x="connsiteX4" y="connsiteY4"/>
+              </a:cxn>
+            </a:cxnLst>
+            <a:rect l="l" t="t" r="r" b="b"/>
+            <a:pathLst>
+              <a:path w="2706687" h="1624012">
+                <a:moveTo>
+                  <a:pt x="0" y="0"/>
+                </a:moveTo>
+                <a:lnTo>
+                  <a:pt x="2706687" y="0"/>
+                </a:lnTo>
+                <a:lnTo>
+                  <a:pt x="2706687" y="1624012"/>
+                </a:lnTo>
+                <a:lnTo>
+                  <a:pt x="0" y="1624012"/>
+                </a:lnTo>
+                <a:lnTo>
+                  <a:pt x="0" y="0"/>
+                </a:lnTo>
+                <a:close/>
+              </a:path>
+            </a:pathLst>
+          </a:custGeom>
+          <a:solidFill>
+            <a:srgbClr val="3B3B3B"/>
+          </a:solidFill>
+        </p:spPr>
+        <p:style>
+          <a:lnRef idx="2">
+            <a:schemeClr val="lt1">
+              <a:hueOff val="0"/>
+              <a:satOff val="0"/>
+              <a:lumOff val="0"/>
+              <a:alphaOff val="0"/>
+            </a:schemeClr>
+          </a:lnRef>
+          <a:fillRef idx="1">
+            <a:schemeClr val="accent1">
+              <a:hueOff val="0"/>
+              <a:satOff val="0"/>
+              <a:lumOff val="0"/>
+              <a:alphaOff val="0"/>
+            </a:schemeClr>
+          </a:fillRef>
+          <a:effectRef idx="0">
+            <a:schemeClr val="accent1">
+              <a:hueOff val="0"/>
+              <a:satOff val="0"/>
+              <a:lumOff val="0"/>
+              <a:alphaOff val="0"/>
+            </a:schemeClr>
+          </a:effectRef>
+          <a:fontRef idx="minor">
+            <a:schemeClr val="lt1"/>
+          </a:fontRef>
+        </p:style>
+        <p:txBody>
+          <a:bodyPr spcFirstLastPara="0" vert="horz" wrap="square" lIns="152400" tIns="152400" rIns="152400" bIns="152400" numCol="1" spcCol="1270" anchor="ctr" anchorCtr="0">
+            <a:noAutofit/>
+          </a:bodyPr>
+          <a:lstStyle/>
+          <a:p>
+            <a:pPr lvl="0" algn="ctr" defTabSz="1778000">
+              <a:lnSpc>
+                <a:spcPct val="90000"/>
+              </a:lnSpc>
+              <a:spcBef>
+                <a:spcPct val="0"/>
+              </a:spcBef>
+              <a:spcAft>
+                <a:spcPct val="35000"/>
+              </a:spcAft>
+            </a:pPr>
+            <a:r>
+              <a:rPr lang="en-AU" sz="2000" b="1" dirty="0">
+                <a:latin typeface="Print Clearly" panose="00000400000000000000" pitchFamily="2" charset="0"/>
+              </a:rPr>
+              <a:t>DEPOSITED</a:t>
+            </a:r>
+            <a:endParaRPr lang="en-AU" sz="2000" b="1" kern="1200" dirty="0">
+              <a:latin typeface="Print Clearly" panose="00000400000000000000" pitchFamily="2" charset="0"/>
+            </a:endParaRPr>
+          </a:p>
+        </p:txBody>
+      </p:sp>
+      <p:sp>
+        <p:nvSpPr>
+          <p:cNvPr id="8" name="Freeform: Shape 7">
+            <a:extLst>
+              <a:ext uri="{FF2B5EF4-FFF2-40B4-BE49-F238E27FC236}">
+                <a16:creationId xmlns:a16="http://schemas.microsoft.com/office/drawing/2014/main" id="{D3581046-C69F-4625-88E5-16B87A078B63}"/>
+              </a:ext>
+            </a:extLst>
+          </p:cNvPr>
+          <p:cNvSpPr/>
+          <p:nvPr/>
+        </p:nvSpPr>
+        <p:spPr>
+          <a:xfrm>
+            <a:off x="5626419" y="1440919"/>
+            <a:ext cx="1399464" cy="839678"/>
+          </a:xfrm>
+          <a:custGeom>
+            <a:avLst/>
+            <a:gdLst>
+              <a:gd name="connsiteX0" fmla="*/ 0 w 2706687"/>
+              <a:gd name="connsiteY0" fmla="*/ 0 h 1624012"/>
+              <a:gd name="connsiteX1" fmla="*/ 2706687 w 2706687"/>
+              <a:gd name="connsiteY1" fmla="*/ 0 h 1624012"/>
+              <a:gd name="connsiteX2" fmla="*/ 2706687 w 2706687"/>
+              <a:gd name="connsiteY2" fmla="*/ 1624012 h 1624012"/>
+              <a:gd name="connsiteX3" fmla="*/ 0 w 2706687"/>
+              <a:gd name="connsiteY3" fmla="*/ 1624012 h 1624012"/>
+              <a:gd name="connsiteX4" fmla="*/ 0 w 2706687"/>
+              <a:gd name="connsiteY4" fmla="*/ 0 h 1624012"/>
+            </a:gdLst>
+            <a:ahLst/>
+            <a:cxnLst>
+              <a:cxn ang="0">
+                <a:pos x="connsiteX0" y="connsiteY0"/>
+              </a:cxn>
+              <a:cxn ang="0">
+                <a:pos x="connsiteX1" y="connsiteY1"/>
+              </a:cxn>
+              <a:cxn ang="0">
+                <a:pos x="connsiteX2" y="connsiteY2"/>
+              </a:cxn>
+              <a:cxn ang="0">
+                <a:pos x="connsiteX3" y="connsiteY3"/>
+              </a:cxn>
+              <a:cxn ang="0">
+                <a:pos x="connsiteX4" y="connsiteY4"/>
+              </a:cxn>
+            </a:cxnLst>
+            <a:rect l="l" t="t" r="r" b="b"/>
+            <a:pathLst>
+              <a:path w="2706687" h="1624012">
+                <a:moveTo>
+                  <a:pt x="0" y="0"/>
+                </a:moveTo>
+                <a:lnTo>
+                  <a:pt x="2706687" y="0"/>
+                </a:lnTo>
+                <a:lnTo>
+                  <a:pt x="2706687" y="1624012"/>
+                </a:lnTo>
+                <a:lnTo>
+                  <a:pt x="0" y="1624012"/>
+                </a:lnTo>
+                <a:lnTo>
+                  <a:pt x="0" y="0"/>
+                </a:lnTo>
+                <a:close/>
+              </a:path>
+            </a:pathLst>
+          </a:custGeom>
+          <a:solidFill>
+            <a:srgbClr val="3B3B3B"/>
+          </a:solidFill>
+        </p:spPr>
+        <p:style>
+          <a:lnRef idx="2">
+            <a:schemeClr val="lt1">
+              <a:hueOff val="0"/>
+              <a:satOff val="0"/>
+              <a:lumOff val="0"/>
+              <a:alphaOff val="0"/>
+            </a:schemeClr>
+          </a:lnRef>
+          <a:fillRef idx="1">
+            <a:schemeClr val="accent1">
+              <a:hueOff val="0"/>
+              <a:satOff val="0"/>
+              <a:lumOff val="0"/>
+              <a:alphaOff val="0"/>
+            </a:schemeClr>
+          </a:fillRef>
+          <a:effectRef idx="0">
+            <a:schemeClr val="accent1">
+              <a:hueOff val="0"/>
+              <a:satOff val="0"/>
+              <a:lumOff val="0"/>
+              <a:alphaOff val="0"/>
+            </a:schemeClr>
+          </a:effectRef>
+          <a:fontRef idx="minor">
+            <a:schemeClr val="lt1"/>
+          </a:fontRef>
+        </p:style>
+        <p:txBody>
+          <a:bodyPr spcFirstLastPara="0" vert="horz" wrap="square" lIns="152400" tIns="152400" rIns="152400" bIns="152400" numCol="1" spcCol="1270" anchor="ctr" anchorCtr="0">
+            <a:noAutofit/>
+          </a:bodyPr>
+          <a:lstStyle/>
+          <a:p>
+            <a:pPr algn="ctr" defTabSz="1778000">
+              <a:lnSpc>
+                <a:spcPct val="90000"/>
+              </a:lnSpc>
+              <a:spcBef>
+                <a:spcPct val="0"/>
+              </a:spcBef>
+              <a:spcAft>
+                <a:spcPct val="35000"/>
+              </a:spcAft>
+            </a:pPr>
+            <a:r>
+              <a:rPr lang="en-AU" sz="2000" b="1" dirty="0">
+                <a:latin typeface="Print Clearly" panose="00000400000000000000" pitchFamily="2" charset="0"/>
+              </a:rPr>
+              <a:t>PENDING</a:t>
+            </a:r>
+          </a:p>
+        </p:txBody>
+      </p:sp>
+      <p:sp>
+        <p:nvSpPr>
+          <p:cNvPr id="9" name="Freeform: Shape 8">
+            <a:extLst>
+              <a:ext uri="{FF2B5EF4-FFF2-40B4-BE49-F238E27FC236}">
+                <a16:creationId xmlns:a16="http://schemas.microsoft.com/office/drawing/2014/main" id="{0CF625E0-7ADE-413C-8966-BB29B7C8302D}"/>
+              </a:ext>
+            </a:extLst>
+          </p:cNvPr>
+          <p:cNvSpPr/>
+          <p:nvPr/>
+        </p:nvSpPr>
+        <p:spPr>
+          <a:xfrm>
+            <a:off x="4540922" y="3792599"/>
+            <a:ext cx="1399464" cy="839678"/>
+          </a:xfrm>
+          <a:custGeom>
+            <a:avLst/>
+            <a:gdLst>
+              <a:gd name="connsiteX0" fmla="*/ 0 w 2706687"/>
+              <a:gd name="connsiteY0" fmla="*/ 0 h 1624012"/>
+              <a:gd name="connsiteX1" fmla="*/ 2706687 w 2706687"/>
+              <a:gd name="connsiteY1" fmla="*/ 0 h 1624012"/>
+              <a:gd name="connsiteX2" fmla="*/ 2706687 w 2706687"/>
+              <a:gd name="connsiteY2" fmla="*/ 1624012 h 1624012"/>
+              <a:gd name="connsiteX3" fmla="*/ 0 w 2706687"/>
+              <a:gd name="connsiteY3" fmla="*/ 1624012 h 1624012"/>
+              <a:gd name="connsiteX4" fmla="*/ 0 w 2706687"/>
+              <a:gd name="connsiteY4" fmla="*/ 0 h 1624012"/>
+            </a:gdLst>
+            <a:ahLst/>
+            <a:cxnLst>
+              <a:cxn ang="0">
+                <a:pos x="connsiteX0" y="connsiteY0"/>
+              </a:cxn>
+              <a:cxn ang="0">
+                <a:pos x="connsiteX1" y="connsiteY1"/>
+              </a:cxn>
+              <a:cxn ang="0">
+                <a:pos x="connsiteX2" y="connsiteY2"/>
+              </a:cxn>
+              <a:cxn ang="0">
+                <a:pos x="connsiteX3" y="connsiteY3"/>
+              </a:cxn>
+              <a:cxn ang="0">
+                <a:pos x="connsiteX4" y="connsiteY4"/>
+              </a:cxn>
+            </a:cxnLst>
+            <a:rect l="l" t="t" r="r" b="b"/>
+            <a:pathLst>
+              <a:path w="2706687" h="1624012">
+                <a:moveTo>
+                  <a:pt x="0" y="0"/>
+                </a:moveTo>
+                <a:lnTo>
+                  <a:pt x="2706687" y="0"/>
+                </a:lnTo>
+                <a:lnTo>
+                  <a:pt x="2706687" y="1624012"/>
+                </a:lnTo>
+                <a:lnTo>
+                  <a:pt x="0" y="1624012"/>
+                </a:lnTo>
+                <a:lnTo>
+                  <a:pt x="0" y="0"/>
+                </a:lnTo>
+                <a:close/>
+              </a:path>
+            </a:pathLst>
+          </a:custGeom>
+          <a:solidFill>
+            <a:srgbClr val="FFE596"/>
+          </a:solidFill>
+        </p:spPr>
+        <p:style>
+          <a:lnRef idx="2">
+            <a:schemeClr val="lt1">
+              <a:hueOff val="0"/>
+              <a:satOff val="0"/>
+              <a:lumOff val="0"/>
+              <a:alphaOff val="0"/>
+            </a:schemeClr>
+          </a:lnRef>
+          <a:fillRef idx="1">
+            <a:schemeClr val="accent1">
+              <a:hueOff val="0"/>
+              <a:satOff val="0"/>
+              <a:lumOff val="0"/>
+              <a:alphaOff val="0"/>
+            </a:schemeClr>
+          </a:fillRef>
+          <a:effectRef idx="0">
+            <a:schemeClr val="accent1">
+              <a:hueOff val="0"/>
+              <a:satOff val="0"/>
+              <a:lumOff val="0"/>
+              <a:alphaOff val="0"/>
+            </a:schemeClr>
+          </a:effectRef>
+          <a:fontRef idx="minor">
+            <a:schemeClr val="lt1"/>
+          </a:fontRef>
+        </p:style>
+        <p:txBody>
+          <a:bodyPr spcFirstLastPara="0" vert="horz" wrap="square" lIns="152400" tIns="152400" rIns="152400" bIns="152400" numCol="1" spcCol="1270" anchor="ctr" anchorCtr="0">
+            <a:noAutofit/>
+          </a:bodyPr>
+          <a:lstStyle/>
+          <a:p>
+            <a:pPr algn="ctr" defTabSz="1778000">
+              <a:lnSpc>
+                <a:spcPct val="90000"/>
+              </a:lnSpc>
+              <a:spcBef>
+                <a:spcPct val="0"/>
+              </a:spcBef>
+              <a:spcAft>
+                <a:spcPct val="35000"/>
+              </a:spcAft>
+            </a:pPr>
+            <a:r>
+              <a:rPr lang="en-AU" sz="2000" b="1" dirty="0">
+                <a:solidFill>
+                  <a:schemeClr val="tx1"/>
+                </a:solidFill>
+                <a:latin typeface="Print Clearly" panose="00000400000000000000" pitchFamily="2" charset="0"/>
+              </a:rPr>
+              <a:t>EXITING</a:t>
+            </a:r>
+          </a:p>
+        </p:txBody>
+      </p:sp>
+      <p:sp>
+        <p:nvSpPr>
+          <p:cNvPr id="10" name="Freeform: Shape 9">
+            <a:extLst>
+              <a:ext uri="{FF2B5EF4-FFF2-40B4-BE49-F238E27FC236}">
+                <a16:creationId xmlns:a16="http://schemas.microsoft.com/office/drawing/2014/main" id="{522308D2-6998-4CA3-8682-299C00B231FE}"/>
+              </a:ext>
+            </a:extLst>
+          </p:cNvPr>
+          <p:cNvSpPr/>
+          <p:nvPr/>
+        </p:nvSpPr>
+        <p:spPr>
+          <a:xfrm>
+            <a:off x="6748237" y="3789270"/>
+            <a:ext cx="1399464" cy="839678"/>
+          </a:xfrm>
+          <a:custGeom>
+            <a:avLst/>
+            <a:gdLst>
+              <a:gd name="connsiteX0" fmla="*/ 0 w 2706687"/>
+              <a:gd name="connsiteY0" fmla="*/ 0 h 1624012"/>
+              <a:gd name="connsiteX1" fmla="*/ 2706687 w 2706687"/>
+              <a:gd name="connsiteY1" fmla="*/ 0 h 1624012"/>
+              <a:gd name="connsiteX2" fmla="*/ 2706687 w 2706687"/>
+              <a:gd name="connsiteY2" fmla="*/ 1624012 h 1624012"/>
+              <a:gd name="connsiteX3" fmla="*/ 0 w 2706687"/>
+              <a:gd name="connsiteY3" fmla="*/ 1624012 h 1624012"/>
+              <a:gd name="connsiteX4" fmla="*/ 0 w 2706687"/>
+              <a:gd name="connsiteY4" fmla="*/ 0 h 1624012"/>
+            </a:gdLst>
+            <a:ahLst/>
+            <a:cxnLst>
+              <a:cxn ang="0">
+                <a:pos x="connsiteX0" y="connsiteY0"/>
+              </a:cxn>
+              <a:cxn ang="0">
+                <a:pos x="connsiteX1" y="connsiteY1"/>
+              </a:cxn>
+              <a:cxn ang="0">
+                <a:pos x="connsiteX2" y="connsiteY2"/>
+              </a:cxn>
+              <a:cxn ang="0">
+                <a:pos x="connsiteX3" y="connsiteY3"/>
+              </a:cxn>
+              <a:cxn ang="0">
+                <a:pos x="connsiteX4" y="connsiteY4"/>
+              </a:cxn>
+            </a:cxnLst>
+            <a:rect l="l" t="t" r="r" b="b"/>
+            <a:pathLst>
+              <a:path w="2706687" h="1624012">
+                <a:moveTo>
+                  <a:pt x="0" y="0"/>
+                </a:moveTo>
+                <a:lnTo>
+                  <a:pt x="2706687" y="0"/>
+                </a:lnTo>
+                <a:lnTo>
+                  <a:pt x="2706687" y="1624012"/>
+                </a:lnTo>
+                <a:lnTo>
+                  <a:pt x="0" y="1624012"/>
+                </a:lnTo>
+                <a:lnTo>
+                  <a:pt x="0" y="0"/>
+                </a:lnTo>
+                <a:close/>
+              </a:path>
+            </a:pathLst>
+          </a:custGeom>
+          <a:solidFill>
+            <a:srgbClr val="FF30A0"/>
+          </a:solidFill>
+        </p:spPr>
+        <p:style>
+          <a:lnRef idx="2">
+            <a:schemeClr val="lt1">
+              <a:hueOff val="0"/>
+              <a:satOff val="0"/>
+              <a:lumOff val="0"/>
+              <a:alphaOff val="0"/>
+            </a:schemeClr>
+          </a:lnRef>
+          <a:fillRef idx="1">
+            <a:schemeClr val="accent1">
+              <a:hueOff val="0"/>
+              <a:satOff val="0"/>
+              <a:lumOff val="0"/>
+              <a:alphaOff val="0"/>
+            </a:schemeClr>
+          </a:fillRef>
+          <a:effectRef idx="0">
+            <a:schemeClr val="accent1">
+              <a:hueOff val="0"/>
+              <a:satOff val="0"/>
+              <a:lumOff val="0"/>
+              <a:alphaOff val="0"/>
+            </a:schemeClr>
+          </a:effectRef>
+          <a:fontRef idx="minor">
+            <a:schemeClr val="lt1"/>
+          </a:fontRef>
+        </p:style>
+        <p:txBody>
+          <a:bodyPr spcFirstLastPara="0" vert="horz" wrap="square" lIns="152400" tIns="152400" rIns="152400" bIns="152400" numCol="1" spcCol="1270" anchor="ctr" anchorCtr="0">
+            <a:noAutofit/>
+          </a:bodyPr>
+          <a:lstStyle/>
+          <a:p>
+            <a:pPr algn="ctr" defTabSz="1778000">
+              <a:lnSpc>
+                <a:spcPct val="90000"/>
+              </a:lnSpc>
+              <a:spcBef>
+                <a:spcPct val="0"/>
+              </a:spcBef>
+              <a:spcAft>
+                <a:spcPct val="35000"/>
+              </a:spcAft>
+            </a:pPr>
+            <a:r>
+              <a:rPr lang="en-AU" sz="2000" b="1" dirty="0">
+                <a:latin typeface="Print Clearly" panose="00000400000000000000" pitchFamily="2" charset="0"/>
+              </a:rPr>
+              <a:t>SLASHING</a:t>
+            </a:r>
+          </a:p>
+        </p:txBody>
+      </p:sp>
+      <p:sp>
+        <p:nvSpPr>
+          <p:cNvPr id="11" name="Freeform: Shape 10">
+            <a:extLst>
+              <a:ext uri="{FF2B5EF4-FFF2-40B4-BE49-F238E27FC236}">
+                <a16:creationId xmlns:a16="http://schemas.microsoft.com/office/drawing/2014/main" id="{3849A8BD-6169-4F49-9F03-E14647E98579}"/>
+              </a:ext>
+            </a:extLst>
+          </p:cNvPr>
+          <p:cNvSpPr/>
+          <p:nvPr/>
+        </p:nvSpPr>
+        <p:spPr>
+          <a:xfrm>
+            <a:off x="5626419" y="4970565"/>
+            <a:ext cx="1399464" cy="839678"/>
+          </a:xfrm>
+          <a:custGeom>
+            <a:avLst/>
+            <a:gdLst>
+              <a:gd name="connsiteX0" fmla="*/ 0 w 2706687"/>
+              <a:gd name="connsiteY0" fmla="*/ 0 h 1624012"/>
+              <a:gd name="connsiteX1" fmla="*/ 2706687 w 2706687"/>
+              <a:gd name="connsiteY1" fmla="*/ 0 h 1624012"/>
+              <a:gd name="connsiteX2" fmla="*/ 2706687 w 2706687"/>
+              <a:gd name="connsiteY2" fmla="*/ 1624012 h 1624012"/>
+              <a:gd name="connsiteX3" fmla="*/ 0 w 2706687"/>
+              <a:gd name="connsiteY3" fmla="*/ 1624012 h 1624012"/>
+              <a:gd name="connsiteX4" fmla="*/ 0 w 2706687"/>
+              <a:gd name="connsiteY4" fmla="*/ 0 h 1624012"/>
+            </a:gdLst>
+            <a:ahLst/>
+            <a:cxnLst>
+              <a:cxn ang="0">
+                <a:pos x="connsiteX0" y="connsiteY0"/>
+              </a:cxn>
+              <a:cxn ang="0">
+                <a:pos x="connsiteX1" y="connsiteY1"/>
+              </a:cxn>
+              <a:cxn ang="0">
+                <a:pos x="connsiteX2" y="connsiteY2"/>
+              </a:cxn>
+              <a:cxn ang="0">
+                <a:pos x="connsiteX3" y="connsiteY3"/>
+              </a:cxn>
+              <a:cxn ang="0">
+                <a:pos x="connsiteX4" y="connsiteY4"/>
+              </a:cxn>
+            </a:cxnLst>
+            <a:rect l="l" t="t" r="r" b="b"/>
+            <a:pathLst>
+              <a:path w="2706687" h="1624012">
+                <a:moveTo>
+                  <a:pt x="0" y="0"/>
+                </a:moveTo>
+                <a:lnTo>
+                  <a:pt x="2706687" y="0"/>
+                </a:lnTo>
+                <a:lnTo>
+                  <a:pt x="2706687" y="1624012"/>
+                </a:lnTo>
+                <a:lnTo>
+                  <a:pt x="0" y="1624012"/>
+                </a:lnTo>
+                <a:lnTo>
+                  <a:pt x="0" y="0"/>
+                </a:lnTo>
+                <a:close/>
+              </a:path>
+            </a:pathLst>
+          </a:custGeom>
+          <a:solidFill>
+            <a:srgbClr val="3B3B3B"/>
+          </a:solidFill>
+        </p:spPr>
+        <p:style>
+          <a:lnRef idx="2">
+            <a:schemeClr val="lt1">
+              <a:hueOff val="0"/>
+              <a:satOff val="0"/>
+              <a:lumOff val="0"/>
+              <a:alphaOff val="0"/>
+            </a:schemeClr>
+          </a:lnRef>
+          <a:fillRef idx="1">
+            <a:schemeClr val="accent1">
+              <a:hueOff val="0"/>
+              <a:satOff val="0"/>
+              <a:lumOff val="0"/>
+              <a:alphaOff val="0"/>
+            </a:schemeClr>
+          </a:fillRef>
+          <a:effectRef idx="0">
+            <a:schemeClr val="accent1">
+              <a:hueOff val="0"/>
+              <a:satOff val="0"/>
+              <a:lumOff val="0"/>
+              <a:alphaOff val="0"/>
+            </a:schemeClr>
+          </a:effectRef>
+          <a:fontRef idx="minor">
+            <a:schemeClr val="lt1"/>
+          </a:fontRef>
+        </p:style>
+        <p:txBody>
+          <a:bodyPr spcFirstLastPara="0" vert="horz" wrap="square" lIns="152400" tIns="152400" rIns="152400" bIns="152400" numCol="1" spcCol="1270" anchor="ctr" anchorCtr="0">
+            <a:noAutofit/>
+          </a:bodyPr>
+          <a:lstStyle/>
+          <a:p>
+            <a:pPr algn="ctr" defTabSz="1778000">
+              <a:lnSpc>
+                <a:spcPct val="90000"/>
+              </a:lnSpc>
+              <a:spcBef>
+                <a:spcPct val="0"/>
+              </a:spcBef>
+              <a:spcAft>
+                <a:spcPct val="35000"/>
+              </a:spcAft>
+            </a:pPr>
+            <a:r>
+              <a:rPr lang="en-AU" sz="2000" b="1" dirty="0">
+                <a:latin typeface="Print Clearly" panose="00000400000000000000" pitchFamily="2" charset="0"/>
+              </a:rPr>
+              <a:t>EXITED</a:t>
+            </a:r>
+          </a:p>
+        </p:txBody>
+      </p:sp>
+      <p:sp>
+        <p:nvSpPr>
+          <p:cNvPr id="12" name="Freeform: Shape 11">
+            <a:extLst>
+              <a:ext uri="{FF2B5EF4-FFF2-40B4-BE49-F238E27FC236}">
+                <a16:creationId xmlns:a16="http://schemas.microsoft.com/office/drawing/2014/main" id="{63ECCD60-EC0C-451B-8E51-F2DC94F25019}"/>
+              </a:ext>
+            </a:extLst>
+          </p:cNvPr>
+          <p:cNvSpPr/>
+          <p:nvPr/>
+        </p:nvSpPr>
+        <p:spPr>
+          <a:xfrm>
+            <a:off x="3842390" y="262917"/>
+            <a:ext cx="1399464" cy="839678"/>
+          </a:xfrm>
+          <a:custGeom>
+            <a:avLst/>
+            <a:gdLst>
+              <a:gd name="connsiteX0" fmla="*/ 0 w 2706687"/>
+              <a:gd name="connsiteY0" fmla="*/ 0 h 1624012"/>
+              <a:gd name="connsiteX1" fmla="*/ 2706687 w 2706687"/>
+              <a:gd name="connsiteY1" fmla="*/ 0 h 1624012"/>
+              <a:gd name="connsiteX2" fmla="*/ 2706687 w 2706687"/>
+              <a:gd name="connsiteY2" fmla="*/ 1624012 h 1624012"/>
+              <a:gd name="connsiteX3" fmla="*/ 0 w 2706687"/>
+              <a:gd name="connsiteY3" fmla="*/ 1624012 h 1624012"/>
+              <a:gd name="connsiteX4" fmla="*/ 0 w 2706687"/>
+              <a:gd name="connsiteY4" fmla="*/ 0 h 1624012"/>
+            </a:gdLst>
+            <a:ahLst/>
+            <a:cxnLst>
+              <a:cxn ang="0">
+                <a:pos x="connsiteX0" y="connsiteY0"/>
+              </a:cxn>
+              <a:cxn ang="0">
+                <a:pos x="connsiteX1" y="connsiteY1"/>
+              </a:cxn>
+              <a:cxn ang="0">
+                <a:pos x="connsiteX2" y="connsiteY2"/>
+              </a:cxn>
+              <a:cxn ang="0">
+                <a:pos x="connsiteX3" y="connsiteY3"/>
+              </a:cxn>
+              <a:cxn ang="0">
+                <a:pos x="connsiteX4" y="connsiteY4"/>
+              </a:cxn>
+            </a:cxnLst>
+            <a:rect l="l" t="t" r="r" b="b"/>
+            <a:pathLst>
+              <a:path w="2706687" h="1624012">
+                <a:moveTo>
+                  <a:pt x="0" y="0"/>
+                </a:moveTo>
+                <a:lnTo>
+                  <a:pt x="2706687" y="0"/>
+                </a:lnTo>
+                <a:lnTo>
+                  <a:pt x="2706687" y="1624012"/>
+                </a:lnTo>
+                <a:lnTo>
+                  <a:pt x="0" y="1624012"/>
+                </a:lnTo>
+                <a:lnTo>
+                  <a:pt x="0" y="0"/>
+                </a:lnTo>
+                <a:close/>
+              </a:path>
+            </a:pathLst>
+          </a:custGeom>
+          <a:solidFill>
+            <a:srgbClr val="3B3B3B"/>
+          </a:solidFill>
+        </p:spPr>
+        <p:style>
+          <a:lnRef idx="2">
+            <a:schemeClr val="lt1">
+              <a:hueOff val="0"/>
+              <a:satOff val="0"/>
+              <a:lumOff val="0"/>
+              <a:alphaOff val="0"/>
+            </a:schemeClr>
+          </a:lnRef>
+          <a:fillRef idx="1">
+            <a:schemeClr val="accent1">
+              <a:hueOff val="0"/>
+              <a:satOff val="0"/>
+              <a:lumOff val="0"/>
+              <a:alphaOff val="0"/>
+            </a:schemeClr>
+          </a:fillRef>
+          <a:effectRef idx="0">
+            <a:schemeClr val="accent1">
+              <a:hueOff val="0"/>
+              <a:satOff val="0"/>
+              <a:lumOff val="0"/>
+              <a:alphaOff val="0"/>
+            </a:schemeClr>
+          </a:effectRef>
+          <a:fontRef idx="minor">
+            <a:schemeClr val="lt1"/>
+          </a:fontRef>
+        </p:style>
+        <p:txBody>
+          <a:bodyPr spcFirstLastPara="0" vert="horz" wrap="square" lIns="152400" tIns="152400" rIns="152400" bIns="152400" numCol="1" spcCol="1270" anchor="ctr" anchorCtr="0">
+            <a:noAutofit/>
+          </a:bodyPr>
+          <a:lstStyle/>
+          <a:p>
+            <a:pPr marL="0" lvl="0" indent="0" algn="ctr" defTabSz="1778000">
+              <a:lnSpc>
+                <a:spcPct val="90000"/>
+              </a:lnSpc>
+              <a:spcBef>
+                <a:spcPct val="0"/>
+              </a:spcBef>
+              <a:spcAft>
+                <a:spcPct val="35000"/>
+              </a:spcAft>
+              <a:buNone/>
+            </a:pPr>
+            <a:r>
+              <a:rPr lang="en-AU" sz="2000" b="1" kern="1200" dirty="0">
+                <a:latin typeface="Print Clearly" panose="00000400000000000000" pitchFamily="2" charset="0"/>
+              </a:rPr>
+              <a:t>UNKNOWN</a:t>
+            </a:r>
+          </a:p>
+        </p:txBody>
+      </p:sp>
+      <p:sp>
+        <p:nvSpPr>
+          <p:cNvPr id="13" name="Freeform: Shape 12">
+            <a:extLst>
+              <a:ext uri="{FF2B5EF4-FFF2-40B4-BE49-F238E27FC236}">
+                <a16:creationId xmlns:a16="http://schemas.microsoft.com/office/drawing/2014/main" id="{D898045E-F877-4DAF-9BBF-5A6E1561AC56}"/>
+              </a:ext>
+            </a:extLst>
+          </p:cNvPr>
+          <p:cNvSpPr/>
+          <p:nvPr/>
+        </p:nvSpPr>
+        <p:spPr>
+          <a:xfrm>
+            <a:off x="5626419" y="2618921"/>
+            <a:ext cx="1399464" cy="839678"/>
+          </a:xfrm>
+          <a:custGeom>
+            <a:avLst/>
+            <a:gdLst>
+              <a:gd name="connsiteX0" fmla="*/ 0 w 2706687"/>
+              <a:gd name="connsiteY0" fmla="*/ 0 h 1624012"/>
+              <a:gd name="connsiteX1" fmla="*/ 2706687 w 2706687"/>
+              <a:gd name="connsiteY1" fmla="*/ 0 h 1624012"/>
+              <a:gd name="connsiteX2" fmla="*/ 2706687 w 2706687"/>
+              <a:gd name="connsiteY2" fmla="*/ 1624012 h 1624012"/>
+              <a:gd name="connsiteX3" fmla="*/ 0 w 2706687"/>
+              <a:gd name="connsiteY3" fmla="*/ 1624012 h 1624012"/>
+              <a:gd name="connsiteX4" fmla="*/ 0 w 2706687"/>
+              <a:gd name="connsiteY4" fmla="*/ 0 h 1624012"/>
+            </a:gdLst>
+            <a:ahLst/>
+            <a:cxnLst>
+              <a:cxn ang="0">
+                <a:pos x="connsiteX0" y="connsiteY0"/>
+              </a:cxn>
+              <a:cxn ang="0">
+                <a:pos x="connsiteX1" y="connsiteY1"/>
+              </a:cxn>
+              <a:cxn ang="0">
+                <a:pos x="connsiteX2" y="connsiteY2"/>
+              </a:cxn>
+              <a:cxn ang="0">
+                <a:pos x="connsiteX3" y="connsiteY3"/>
+              </a:cxn>
+              <a:cxn ang="0">
+                <a:pos x="connsiteX4" y="connsiteY4"/>
+              </a:cxn>
+            </a:cxnLst>
+            <a:rect l="l" t="t" r="r" b="b"/>
+            <a:pathLst>
+              <a:path w="2706687" h="1624012">
+                <a:moveTo>
+                  <a:pt x="0" y="0"/>
+                </a:moveTo>
+                <a:lnTo>
+                  <a:pt x="2706687" y="0"/>
+                </a:lnTo>
+                <a:lnTo>
+                  <a:pt x="2706687" y="1624012"/>
+                </a:lnTo>
+                <a:lnTo>
+                  <a:pt x="0" y="1624012"/>
+                </a:lnTo>
+                <a:lnTo>
+                  <a:pt x="0" y="0"/>
+                </a:lnTo>
+                <a:close/>
+              </a:path>
+            </a:pathLst>
+          </a:custGeom>
+          <a:solidFill>
+            <a:srgbClr val="FFE596"/>
+          </a:solidFill>
+        </p:spPr>
+        <p:style>
+          <a:lnRef idx="2">
+            <a:schemeClr val="lt1">
+              <a:hueOff val="0"/>
+              <a:satOff val="0"/>
+              <a:lumOff val="0"/>
+              <a:alphaOff val="0"/>
+            </a:schemeClr>
+          </a:lnRef>
+          <a:fillRef idx="1">
+            <a:schemeClr val="accent1">
+              <a:hueOff val="0"/>
+              <a:satOff val="0"/>
+              <a:lumOff val="0"/>
+              <a:alphaOff val="0"/>
+            </a:schemeClr>
+          </a:fillRef>
+          <a:effectRef idx="0">
+            <a:schemeClr val="accent1">
+              <a:hueOff val="0"/>
+              <a:satOff val="0"/>
+              <a:lumOff val="0"/>
+              <a:alphaOff val="0"/>
+            </a:schemeClr>
+          </a:effectRef>
+          <a:fontRef idx="minor">
+            <a:schemeClr val="lt1"/>
+          </a:fontRef>
+        </p:style>
+        <p:txBody>
+          <a:bodyPr spcFirstLastPara="0" vert="horz" wrap="square" lIns="152400" tIns="152400" rIns="152400" bIns="152400" numCol="1" spcCol="1270" anchor="ctr" anchorCtr="0">
+            <a:noAutofit/>
+          </a:bodyPr>
+          <a:lstStyle/>
+          <a:p>
+            <a:pPr algn="ctr" defTabSz="1778000">
+              <a:lnSpc>
+                <a:spcPct val="90000"/>
+              </a:lnSpc>
+              <a:spcBef>
+                <a:spcPct val="0"/>
+              </a:spcBef>
+              <a:spcAft>
+                <a:spcPct val="35000"/>
+              </a:spcAft>
+            </a:pPr>
+            <a:r>
+              <a:rPr lang="en-AU" sz="2000" b="1" dirty="0">
+                <a:solidFill>
+                  <a:schemeClr val="tx1"/>
+                </a:solidFill>
+                <a:latin typeface="Print Clearly" panose="00000400000000000000" pitchFamily="2" charset="0"/>
+              </a:rPr>
+              <a:t>ACTIVE</a:t>
+            </a:r>
+          </a:p>
+        </p:txBody>
+      </p:sp>
+      <p:cxnSp>
+        <p:nvCxnSpPr>
+          <p:cNvPr id="21" name="Straight Arrow Connector 20">
+            <a:extLst>
+              <a:ext uri="{FF2B5EF4-FFF2-40B4-BE49-F238E27FC236}">
+                <a16:creationId xmlns:a16="http://schemas.microsoft.com/office/drawing/2014/main" id="{0613AC33-BA8D-429E-A0FD-2B0DC7A08621}"/>
+              </a:ext>
+            </a:extLst>
+          </p:cNvPr>
+          <p:cNvCxnSpPr>
+            <a:cxnSpLocks/>
+          </p:cNvCxnSpPr>
+          <p:nvPr/>
+        </p:nvCxnSpPr>
+        <p:spPr>
+          <a:xfrm>
+            <a:off x="6326151" y="1148693"/>
+            <a:ext cx="0" cy="228600"/>
+          </a:xfrm>
+          <a:prstGeom prst="straightConnector1">
+            <a:avLst/>
+          </a:prstGeom>
+          <a:ln w="31750">
+            <a:tailEnd type="triangle"/>
+          </a:ln>
+        </p:spPr>
+        <p:style>
+          <a:lnRef idx="3">
+            <a:schemeClr val="dk1"/>
+          </a:lnRef>
+          <a:fillRef idx="0">
+            <a:schemeClr val="dk1"/>
+          </a:fillRef>
+          <a:effectRef idx="2">
+            <a:schemeClr val="dk1"/>
+          </a:effectRef>
+          <a:fontRef idx="minor">
+            <a:schemeClr val="tx1"/>
+          </a:fontRef>
+        </p:style>
+      </p:cxnSp>
+      <p:cxnSp>
+        <p:nvCxnSpPr>
+          <p:cNvPr id="25" name="Straight Arrow Connector 24">
+            <a:extLst>
+              <a:ext uri="{FF2B5EF4-FFF2-40B4-BE49-F238E27FC236}">
+                <a16:creationId xmlns:a16="http://schemas.microsoft.com/office/drawing/2014/main" id="{392AC9EB-1685-46F4-B62E-39566871A265}"/>
+              </a:ext>
+            </a:extLst>
+          </p:cNvPr>
+          <p:cNvCxnSpPr>
+            <a:cxnSpLocks/>
+            <a:endCxn id="9" idx="1"/>
+          </p:cNvCxnSpPr>
+          <p:nvPr/>
+        </p:nvCxnSpPr>
+        <p:spPr>
+          <a:xfrm flipH="1">
+            <a:off x="5940386" y="3462924"/>
+            <a:ext cx="358426" cy="329675"/>
+          </a:xfrm>
+          <a:prstGeom prst="straightConnector1">
+            <a:avLst/>
+          </a:prstGeom>
+          <a:ln w="31750">
+            <a:tailEnd type="triangle"/>
+          </a:ln>
+        </p:spPr>
+        <p:style>
+          <a:lnRef idx="3">
+            <a:schemeClr val="dk1"/>
+          </a:lnRef>
+          <a:fillRef idx="0">
+            <a:schemeClr val="dk1"/>
+          </a:fillRef>
+          <a:effectRef idx="2">
+            <a:schemeClr val="dk1"/>
+          </a:effectRef>
+          <a:fontRef idx="minor">
+            <a:schemeClr val="tx1"/>
+          </a:fontRef>
+        </p:style>
+      </p:cxnSp>
+      <p:cxnSp>
+        <p:nvCxnSpPr>
+          <p:cNvPr id="28" name="Straight Arrow Connector 27">
+            <a:extLst>
+              <a:ext uri="{FF2B5EF4-FFF2-40B4-BE49-F238E27FC236}">
+                <a16:creationId xmlns:a16="http://schemas.microsoft.com/office/drawing/2014/main" id="{7F7DE69B-1131-4D0A-9D08-BBECBEDDCB3D}"/>
+              </a:ext>
+            </a:extLst>
+          </p:cNvPr>
+          <p:cNvCxnSpPr>
+            <a:cxnSpLocks/>
+            <a:endCxn id="10" idx="0"/>
+          </p:cNvCxnSpPr>
+          <p:nvPr/>
+        </p:nvCxnSpPr>
+        <p:spPr>
+          <a:xfrm>
+            <a:off x="6355920" y="3459595"/>
+            <a:ext cx="392317" cy="329675"/>
+          </a:xfrm>
+          <a:prstGeom prst="straightConnector1">
+            <a:avLst/>
+          </a:prstGeom>
+          <a:ln w="31750">
+            <a:tailEnd type="triangle"/>
+          </a:ln>
+        </p:spPr>
+        <p:style>
+          <a:lnRef idx="3">
+            <a:schemeClr val="dk1"/>
+          </a:lnRef>
+          <a:fillRef idx="0">
+            <a:schemeClr val="dk1"/>
+          </a:fillRef>
+          <a:effectRef idx="2">
+            <a:schemeClr val="dk1"/>
+          </a:effectRef>
+          <a:fontRef idx="minor">
+            <a:schemeClr val="tx1"/>
+          </a:fontRef>
+        </p:style>
+      </p:cxnSp>
+      <p:sp>
+        <p:nvSpPr>
+          <p:cNvPr id="42" name="TextBox 41">
+            <a:extLst>
+              <a:ext uri="{FF2B5EF4-FFF2-40B4-BE49-F238E27FC236}">
+                <a16:creationId xmlns:a16="http://schemas.microsoft.com/office/drawing/2014/main" id="{2B850BC7-A2A7-44C6-B74E-79E6BA1C4A63}"/>
+              </a:ext>
+            </a:extLst>
+          </p:cNvPr>
+          <p:cNvSpPr txBox="1"/>
+          <p:nvPr/>
+        </p:nvSpPr>
+        <p:spPr>
+          <a:xfrm>
+            <a:off x="4789672" y="5836691"/>
+            <a:ext cx="3040538" cy="584775"/>
+          </a:xfrm>
+          <a:prstGeom prst="rect">
+            <a:avLst/>
+          </a:prstGeom>
+          <a:noFill/>
+        </p:spPr>
+        <p:txBody>
+          <a:bodyPr wrap="square" rtlCol="0">
+            <a:spAutoFit/>
+          </a:bodyPr>
+          <a:lstStyle/>
+          <a:p>
+            <a:pPr algn="ctr"/>
+            <a:r>
+              <a:rPr lang="en-AU" sz="1600" b="1" dirty="0">
+                <a:latin typeface="Print Clearly" panose="00000400000000000000" pitchFamily="2" charset="0"/>
+              </a:rPr>
+              <a:t>~36 Day withdrawal delay if slashed</a:t>
+            </a:r>
+          </a:p>
+          <a:p>
+            <a:pPr algn="ctr"/>
+            <a:r>
+              <a:rPr lang="en-AU" sz="1600" b="1" dirty="0">
+                <a:latin typeface="Print Clearly" panose="00000400000000000000" pitchFamily="2" charset="0"/>
+              </a:rPr>
+              <a:t>~1 Day delay if exiting normally</a:t>
+            </a:r>
+          </a:p>
+        </p:txBody>
+      </p:sp>
+      <p:sp>
+        <p:nvSpPr>
+          <p:cNvPr id="51" name="TextBox 50">
+            <a:extLst>
+              <a:ext uri="{FF2B5EF4-FFF2-40B4-BE49-F238E27FC236}">
+                <a16:creationId xmlns:a16="http://schemas.microsoft.com/office/drawing/2014/main" id="{C58B2B80-4504-47A4-BC18-736935E030CD}"/>
+              </a:ext>
+            </a:extLst>
+          </p:cNvPr>
+          <p:cNvSpPr txBox="1"/>
+          <p:nvPr/>
+        </p:nvSpPr>
+        <p:spPr>
+          <a:xfrm>
+            <a:off x="6344591" y="1093716"/>
+            <a:ext cx="819108" cy="338554"/>
+          </a:xfrm>
+          <a:prstGeom prst="rect">
+            <a:avLst/>
+          </a:prstGeom>
+          <a:noFill/>
+        </p:spPr>
+        <p:txBody>
+          <a:bodyPr wrap="square" rtlCol="0">
+            <a:spAutoFit/>
+          </a:bodyPr>
+          <a:lstStyle/>
+          <a:p>
+            <a:pPr algn="ctr"/>
+            <a:r>
+              <a:rPr lang="en-AU" sz="1600" b="1" dirty="0">
+                <a:latin typeface="Print Clearly" panose="00000400000000000000" pitchFamily="2" charset="0"/>
+              </a:rPr>
+              <a:t>~7.5 Hrs</a:t>
+            </a:r>
+          </a:p>
+        </p:txBody>
+      </p:sp>
+      <p:cxnSp>
+        <p:nvCxnSpPr>
+          <p:cNvPr id="54" name="Straight Arrow Connector 53">
+            <a:extLst>
+              <a:ext uri="{FF2B5EF4-FFF2-40B4-BE49-F238E27FC236}">
+                <a16:creationId xmlns:a16="http://schemas.microsoft.com/office/drawing/2014/main" id="{EE3264F1-6A7B-4CB1-A9B7-5D2DDB48294E}"/>
+              </a:ext>
+            </a:extLst>
+          </p:cNvPr>
+          <p:cNvCxnSpPr>
+            <a:cxnSpLocks/>
+          </p:cNvCxnSpPr>
+          <p:nvPr/>
+        </p:nvCxnSpPr>
+        <p:spPr>
+          <a:xfrm>
+            <a:off x="5274081" y="682755"/>
+            <a:ext cx="352338" cy="1"/>
+          </a:xfrm>
+          <a:prstGeom prst="straightConnector1">
+            <a:avLst/>
+          </a:prstGeom>
+          <a:ln w="31750">
+            <a:tailEnd type="triangle"/>
+          </a:ln>
+        </p:spPr>
+        <p:style>
+          <a:lnRef idx="3">
+            <a:schemeClr val="dk1"/>
+          </a:lnRef>
+          <a:fillRef idx="0">
+            <a:schemeClr val="dk1"/>
+          </a:fillRef>
+          <a:effectRef idx="2">
+            <a:schemeClr val="dk1"/>
+          </a:effectRef>
+          <a:fontRef idx="minor">
+            <a:schemeClr val="tx1"/>
+          </a:fontRef>
+        </p:style>
+      </p:cxnSp>
+      <p:cxnSp>
+        <p:nvCxnSpPr>
+          <p:cNvPr id="56" name="Straight Arrow Connector 55">
+            <a:extLst>
+              <a:ext uri="{FF2B5EF4-FFF2-40B4-BE49-F238E27FC236}">
+                <a16:creationId xmlns:a16="http://schemas.microsoft.com/office/drawing/2014/main" id="{02298293-C27E-4005-9E7A-5ACAD924A486}"/>
+              </a:ext>
+            </a:extLst>
+          </p:cNvPr>
+          <p:cNvCxnSpPr>
+            <a:cxnSpLocks/>
+          </p:cNvCxnSpPr>
+          <p:nvPr/>
+        </p:nvCxnSpPr>
+        <p:spPr>
+          <a:xfrm>
+            <a:off x="6309941" y="2335459"/>
+            <a:ext cx="0" cy="228600"/>
+          </a:xfrm>
+          <a:prstGeom prst="straightConnector1">
+            <a:avLst/>
+          </a:prstGeom>
+          <a:ln w="31750">
+            <a:tailEnd type="triangle"/>
+          </a:ln>
+        </p:spPr>
+        <p:style>
+          <a:lnRef idx="3">
+            <a:schemeClr val="dk1"/>
+          </a:lnRef>
+          <a:fillRef idx="0">
+            <a:schemeClr val="dk1"/>
+          </a:fillRef>
+          <a:effectRef idx="2">
+            <a:schemeClr val="dk1"/>
+          </a:effectRef>
+          <a:fontRef idx="minor">
+            <a:schemeClr val="tx1"/>
+          </a:fontRef>
+        </p:style>
+      </p:cxnSp>
+      <p:sp>
+        <p:nvSpPr>
+          <p:cNvPr id="57" name="TextBox 56">
+            <a:extLst>
+              <a:ext uri="{FF2B5EF4-FFF2-40B4-BE49-F238E27FC236}">
+                <a16:creationId xmlns:a16="http://schemas.microsoft.com/office/drawing/2014/main" id="{F3A99306-8BD7-43FC-BCF7-1A89A33104A6}"/>
+              </a:ext>
+            </a:extLst>
+          </p:cNvPr>
+          <p:cNvSpPr txBox="1"/>
+          <p:nvPr/>
+        </p:nvSpPr>
+        <p:spPr>
+          <a:xfrm>
+            <a:off x="5130465" y="2280482"/>
+            <a:ext cx="2472489" cy="338554"/>
+          </a:xfrm>
+          <a:prstGeom prst="rect">
+            <a:avLst/>
+          </a:prstGeom>
+          <a:noFill/>
+        </p:spPr>
+        <p:txBody>
+          <a:bodyPr wrap="square" rtlCol="0">
+            <a:spAutoFit/>
+          </a:bodyPr>
+          <a:lstStyle/>
+          <a:p>
+            <a:pPr algn="ctr"/>
+            <a:r>
+              <a:rPr lang="en-AU" sz="1600" b="1" dirty="0">
+                <a:latin typeface="Print Clearly" panose="00000400000000000000" pitchFamily="2" charset="0"/>
+              </a:rPr>
+              <a:t>Queue Delay    Varies Widely</a:t>
+            </a:r>
+          </a:p>
+        </p:txBody>
+      </p:sp>
+      <p:cxnSp>
+        <p:nvCxnSpPr>
+          <p:cNvPr id="63" name="Straight Arrow Connector 62">
+            <a:extLst>
+              <a:ext uri="{FF2B5EF4-FFF2-40B4-BE49-F238E27FC236}">
+                <a16:creationId xmlns:a16="http://schemas.microsoft.com/office/drawing/2014/main" id="{0649145A-E3F2-4C5F-A269-C3D1BDEDCC04}"/>
+              </a:ext>
+            </a:extLst>
+          </p:cNvPr>
+          <p:cNvCxnSpPr>
+            <a:cxnSpLocks/>
+          </p:cNvCxnSpPr>
+          <p:nvPr/>
+        </p:nvCxnSpPr>
+        <p:spPr>
+          <a:xfrm>
+            <a:off x="5940386" y="4626542"/>
+            <a:ext cx="358426" cy="342105"/>
+          </a:xfrm>
+          <a:prstGeom prst="straightConnector1">
+            <a:avLst/>
+          </a:prstGeom>
+          <a:ln w="31750">
+            <a:tailEnd type="triangle"/>
+          </a:ln>
+        </p:spPr>
+        <p:style>
+          <a:lnRef idx="3">
+            <a:schemeClr val="dk1"/>
+          </a:lnRef>
+          <a:fillRef idx="0">
+            <a:schemeClr val="dk1"/>
+          </a:fillRef>
+          <a:effectRef idx="2">
+            <a:schemeClr val="dk1"/>
+          </a:effectRef>
+          <a:fontRef idx="minor">
+            <a:schemeClr val="tx1"/>
+          </a:fontRef>
+        </p:style>
+      </p:cxnSp>
+      <p:cxnSp>
+        <p:nvCxnSpPr>
+          <p:cNvPr id="64" name="Straight Arrow Connector 63">
+            <a:extLst>
+              <a:ext uri="{FF2B5EF4-FFF2-40B4-BE49-F238E27FC236}">
+                <a16:creationId xmlns:a16="http://schemas.microsoft.com/office/drawing/2014/main" id="{1301C922-8336-437E-9F36-42F569C2FBF0}"/>
+              </a:ext>
+            </a:extLst>
+          </p:cNvPr>
+          <p:cNvCxnSpPr>
+            <a:cxnSpLocks/>
+          </p:cNvCxnSpPr>
+          <p:nvPr/>
+        </p:nvCxnSpPr>
+        <p:spPr>
+          <a:xfrm flipH="1">
+            <a:off x="6355920" y="4642307"/>
+            <a:ext cx="399615" cy="326340"/>
+          </a:xfrm>
+          <a:prstGeom prst="straightConnector1">
+            <a:avLst/>
+          </a:prstGeom>
+          <a:ln w="31750">
+            <a:headEnd type="triangle"/>
+            <a:tailEnd type="triangle"/>
+          </a:ln>
+        </p:spPr>
+        <p:style>
+          <a:lnRef idx="3">
+            <a:schemeClr val="dk1"/>
+          </a:lnRef>
+          <a:fillRef idx="0">
+            <a:schemeClr val="dk1"/>
+          </a:fillRef>
+          <a:effectRef idx="2">
+            <a:schemeClr val="dk1"/>
+          </a:effectRef>
+          <a:fontRef idx="minor">
+            <a:schemeClr val="tx1"/>
+          </a:fontRef>
+        </p:style>
+      </p:cxnSp>
+      <p:sp>
+        <p:nvSpPr>
+          <p:cNvPr id="65" name="TextBox 64">
+            <a:extLst>
+              <a:ext uri="{FF2B5EF4-FFF2-40B4-BE49-F238E27FC236}">
+                <a16:creationId xmlns:a16="http://schemas.microsoft.com/office/drawing/2014/main" id="{CC829E0A-E156-4229-A78B-7C8D59052194}"/>
+              </a:ext>
+            </a:extLst>
+          </p:cNvPr>
+          <p:cNvSpPr txBox="1"/>
+          <p:nvPr/>
+        </p:nvSpPr>
+        <p:spPr>
+          <a:xfrm>
+            <a:off x="4047624" y="3432603"/>
+            <a:ext cx="1943546" cy="338554"/>
+          </a:xfrm>
+          <a:prstGeom prst="rect">
+            <a:avLst/>
+          </a:prstGeom>
+          <a:noFill/>
+        </p:spPr>
+        <p:txBody>
+          <a:bodyPr wrap="square" rtlCol="0">
+            <a:spAutoFit/>
+          </a:bodyPr>
+          <a:lstStyle/>
+          <a:p>
+            <a:pPr algn="r"/>
+            <a:r>
+              <a:rPr lang="en-AU" sz="1600" b="1" dirty="0">
+                <a:latin typeface="Print Clearly" panose="00000400000000000000" pitchFamily="2" charset="0"/>
+              </a:rPr>
+              <a:t>Minimum 9 Days Active</a:t>
+            </a:r>
+          </a:p>
+        </p:txBody>
+      </p:sp>
+      <p:sp>
+        <p:nvSpPr>
+          <p:cNvPr id="69" name="TextBox 68">
+            <a:extLst>
+              <a:ext uri="{FF2B5EF4-FFF2-40B4-BE49-F238E27FC236}">
+                <a16:creationId xmlns:a16="http://schemas.microsoft.com/office/drawing/2014/main" id="{E925869A-79BD-4F50-9F0F-DA1EFBFAE988}"/>
+              </a:ext>
+            </a:extLst>
+          </p:cNvPr>
+          <p:cNvSpPr txBox="1"/>
+          <p:nvPr/>
+        </p:nvSpPr>
+        <p:spPr>
+          <a:xfrm>
+            <a:off x="6731112" y="3458333"/>
+            <a:ext cx="1357424" cy="338554"/>
+          </a:xfrm>
+          <a:prstGeom prst="rect">
+            <a:avLst/>
+          </a:prstGeom>
+          <a:noFill/>
+        </p:spPr>
+        <p:txBody>
+          <a:bodyPr wrap="square" rtlCol="0">
+            <a:spAutoFit/>
+          </a:bodyPr>
+          <a:lstStyle/>
+          <a:p>
+            <a:r>
+              <a:rPr lang="en-AU" sz="1600" b="1" dirty="0">
+                <a:latin typeface="Print Clearly" panose="00000400000000000000" pitchFamily="2" charset="0"/>
+              </a:rPr>
+              <a:t>No Delay</a:t>
+            </a:r>
+          </a:p>
+        </p:txBody>
+      </p:sp>
+      <p:cxnSp>
+        <p:nvCxnSpPr>
+          <p:cNvPr id="71" name="Straight Arrow Connector 70">
+            <a:extLst>
+              <a:ext uri="{FF2B5EF4-FFF2-40B4-BE49-F238E27FC236}">
+                <a16:creationId xmlns:a16="http://schemas.microsoft.com/office/drawing/2014/main" id="{92F52DA4-1CEC-417C-9589-8ADFDEF454D9}"/>
+              </a:ext>
+            </a:extLst>
+          </p:cNvPr>
+          <p:cNvCxnSpPr>
+            <a:cxnSpLocks/>
+          </p:cNvCxnSpPr>
+          <p:nvPr/>
+        </p:nvCxnSpPr>
+        <p:spPr>
+          <a:xfrm>
+            <a:off x="5957511" y="4203172"/>
+            <a:ext cx="773601" cy="5693"/>
+          </a:xfrm>
+          <a:prstGeom prst="straightConnector1">
+            <a:avLst/>
+          </a:prstGeom>
+          <a:ln w="31750">
+            <a:tailEnd type="triangle"/>
+          </a:ln>
+        </p:spPr>
+        <p:style>
+          <a:lnRef idx="3">
+            <a:schemeClr val="dk1"/>
+          </a:lnRef>
+          <a:fillRef idx="0">
+            <a:schemeClr val="dk1"/>
+          </a:fillRef>
+          <a:effectRef idx="2">
+            <a:schemeClr val="dk1"/>
+          </a:effectRef>
+          <a:fontRef idx="minor">
+            <a:schemeClr val="tx1"/>
+          </a:fontRef>
+        </p:style>
+      </p:cxnSp>
+      <p:sp>
+        <p:nvSpPr>
+          <p:cNvPr id="76" name="TextBox 75">
+            <a:extLst>
+              <a:ext uri="{FF2B5EF4-FFF2-40B4-BE49-F238E27FC236}">
+                <a16:creationId xmlns:a16="http://schemas.microsoft.com/office/drawing/2014/main" id="{FF13A700-009E-45F1-93B9-FF723F5B4F6C}"/>
+              </a:ext>
+            </a:extLst>
+          </p:cNvPr>
+          <p:cNvSpPr txBox="1"/>
+          <p:nvPr/>
+        </p:nvSpPr>
+        <p:spPr>
+          <a:xfrm>
+            <a:off x="53340" y="6399938"/>
+            <a:ext cx="2376155" cy="369332"/>
+          </a:xfrm>
+          <a:prstGeom prst="rect">
+            <a:avLst/>
+          </a:prstGeom>
+          <a:noFill/>
+        </p:spPr>
+        <p:txBody>
+          <a:bodyPr wrap="square" rtlCol="0">
+            <a:spAutoFit/>
+          </a:bodyPr>
+          <a:lstStyle/>
+          <a:p>
+            <a:r>
+              <a:rPr lang="en-AU" dirty="0"/>
+              <a:t>validator-lifecycle.png</a:t>
+            </a:r>
+          </a:p>
+        </p:txBody>
+      </p:sp>
+    </p:spTree>
+    <p:extLst>
+      <p:ext uri="{BB962C8B-B14F-4D97-AF65-F5344CB8AC3E}">
+        <p14:creationId xmlns:p14="http://schemas.microsoft.com/office/powerpoint/2010/main" val="320967604"/>
+      </p:ext>
+    </p:extLst>
+  </p:cSld>
+  <p:clrMapOvr>
+    <a:masterClrMapping/>
+  </p:clrMapOvr>
+</p:sld>
+</file>
+
+<file path=ppt/slides/slide11.xml><?xml version="1.0" encoding="utf-8"?>
+<p:sld xmlns:a="http://schemas.openxmlformats.org/drawingml/2006/main" xmlns:r="http://schemas.openxmlformats.org/officeDocument/2006/relationships" xmlns:p="http://schemas.openxmlformats.org/presentationml/2006/main">
+  <p:cSld>
+    <p:spTree>
+      <p:nvGrpSpPr>
+        <p:cNvPr id="1" name=""/>
+        <p:cNvGrpSpPr/>
+        <p:nvPr/>
+      </p:nvGrpSpPr>
+      <p:grpSpPr>
+        <a:xfrm>
+          <a:off x="0" y="0"/>
+          <a:ext cx="0" cy="0"/>
+          <a:chOff x="0" y="0"/>
+          <a:chExt cx="0" cy="0"/>
+        </a:xfrm>
+      </p:grpSpPr>
       <p:pic>
         <p:nvPicPr>
           <p:cNvPr id="1026" name="Picture 2" descr="Prysm logo">
@@ -5294,7 +6847,7 @@
 </p:sld>
 </file>
 
-<file path=ppt/slides/slide11.xml><?xml version="1.0" encoding="utf-8"?>
+<file path=ppt/slides/slide12.xml><?xml version="1.0" encoding="utf-8"?>
 <p:sld xmlns:a="http://schemas.openxmlformats.org/drawingml/2006/main" xmlns:r="http://schemas.openxmlformats.org/officeDocument/2006/relationships" xmlns:p="http://schemas.openxmlformats.org/presentationml/2006/main">
   <p:cSld>
     <p:spTree>
@@ -5435,7 +6988,7 @@
 </p:sld>
 </file>
 
-<file path=ppt/slides/slide12.xml><?xml version="1.0" encoding="utf-8"?>
+<file path=ppt/slides/slide13.xml><?xml version="1.0" encoding="utf-8"?>
 <p:sld xmlns:a="http://schemas.openxmlformats.org/drawingml/2006/main" xmlns:r="http://schemas.openxmlformats.org/officeDocument/2006/relationships" xmlns:p="http://schemas.openxmlformats.org/presentationml/2006/main">
   <p:cSld>
     <p:spTree>
@@ -6280,7 +7833,7 @@
 </p:sld>
 </file>
 
-<file path=ppt/slides/slide13.xml><?xml version="1.0" encoding="utf-8"?>
+<file path=ppt/slides/slide14.xml><?xml version="1.0" encoding="utf-8"?>
 <p:sld xmlns:a="http://schemas.openxmlformats.org/drawingml/2006/main" xmlns:r="http://schemas.openxmlformats.org/officeDocument/2006/relationships" xmlns:p="http://schemas.openxmlformats.org/presentationml/2006/main">
   <p:cSld>
     <p:spTree>
